--- a/SDuSSM.pptx
+++ b/SDuSSM.pptx
@@ -4,12 +4,23 @@
   <p:sldMasterIdLst>
     <p:sldMasterId id="2147483648" r:id="rId1"/>
   </p:sldMasterIdLst>
+  <p:notesMasterIdLst>
+    <p:notesMasterId r:id="rId15"/>
+  </p:notesMasterIdLst>
   <p:sldIdLst>
     <p:sldId id="257" r:id="rId2"/>
     <p:sldId id="258" r:id="rId3"/>
-    <p:sldId id="259" r:id="rId4"/>
-    <p:sldId id="260" r:id="rId5"/>
-    <p:sldId id="261" r:id="rId6"/>
+    <p:sldId id="264" r:id="rId4"/>
+    <p:sldId id="265" r:id="rId5"/>
+    <p:sldId id="266" r:id="rId6"/>
+    <p:sldId id="267" r:id="rId7"/>
+    <p:sldId id="268" r:id="rId8"/>
+    <p:sldId id="269" r:id="rId9"/>
+    <p:sldId id="259" r:id="rId10"/>
+    <p:sldId id="260" r:id="rId11"/>
+    <p:sldId id="261" r:id="rId12"/>
+    <p:sldId id="262" r:id="rId13"/>
+    <p:sldId id="270" r:id="rId14"/>
   </p:sldIdLst>
   <p:sldSz cx="9144000" cy="6858000" type="screen4x3"/>
   <p:notesSz cx="6858000" cy="9144000"/>
@@ -111,6 +122,507 @@
 </p:presentation>
 </file>
 
+<file path=ppt/notesMasters/notesMaster1.xml><?xml version="1.0" encoding="utf-8"?>
+<p:notesMaster xmlns:a="http://schemas.openxmlformats.org/drawingml/2006/main" xmlns:r="http://schemas.openxmlformats.org/officeDocument/2006/relationships" xmlns:p="http://schemas.openxmlformats.org/presentationml/2006/main">
+  <p:cSld>
+    <p:bg>
+      <p:bgRef idx="1001">
+        <a:schemeClr val="bg1"/>
+      </p:bgRef>
+    </p:bg>
+    <p:spTree>
+      <p:nvGrpSpPr>
+        <p:cNvPr id="1" name=""/>
+        <p:cNvGrpSpPr/>
+        <p:nvPr/>
+      </p:nvGrpSpPr>
+      <p:grpSpPr>
+        <a:xfrm>
+          <a:off x="0" y="0"/>
+          <a:ext cx="0" cy="0"/>
+          <a:chOff x="0" y="0"/>
+          <a:chExt cx="0" cy="0"/>
+        </a:xfrm>
+      </p:grpSpPr>
+      <p:sp>
+        <p:nvSpPr>
+          <p:cNvPr id="2" name="Header Placeholder 1"/>
+          <p:cNvSpPr>
+            <a:spLocks noGrp="1"/>
+          </p:cNvSpPr>
+          <p:nvPr>
+            <p:ph type="hdr" sz="quarter"/>
+          </p:nvPr>
+        </p:nvSpPr>
+        <p:spPr>
+          <a:xfrm>
+            <a:off x="0" y="0"/>
+            <a:ext cx="2971800" cy="457200"/>
+          </a:xfrm>
+          <a:prstGeom prst="rect">
+            <a:avLst/>
+          </a:prstGeom>
+        </p:spPr>
+        <p:txBody>
+          <a:bodyPr vert="horz" lIns="91440" tIns="45720" rIns="91440" bIns="45720" rtlCol="0"/>
+          <a:lstStyle>
+            <a:lvl1pPr algn="l">
+              <a:defRPr sz="1200"/>
+            </a:lvl1pPr>
+          </a:lstStyle>
+          <a:p>
+            <a:endParaRPr lang="en-IN"/>
+          </a:p>
+        </p:txBody>
+      </p:sp>
+      <p:sp>
+        <p:nvSpPr>
+          <p:cNvPr id="3" name="Date Placeholder 2"/>
+          <p:cNvSpPr>
+            <a:spLocks noGrp="1"/>
+          </p:cNvSpPr>
+          <p:nvPr>
+            <p:ph type="dt" idx="1"/>
+          </p:nvPr>
+        </p:nvSpPr>
+        <p:spPr>
+          <a:xfrm>
+            <a:off x="3884613" y="0"/>
+            <a:ext cx="2971800" cy="457200"/>
+          </a:xfrm>
+          <a:prstGeom prst="rect">
+            <a:avLst/>
+          </a:prstGeom>
+        </p:spPr>
+        <p:txBody>
+          <a:bodyPr vert="horz" lIns="91440" tIns="45720" rIns="91440" bIns="45720" rtlCol="0"/>
+          <a:lstStyle>
+            <a:lvl1pPr algn="r">
+              <a:defRPr sz="1200"/>
+            </a:lvl1pPr>
+          </a:lstStyle>
+          <a:p>
+            <a:fld id="{16A0E10F-8552-486F-B46D-522CEB7DDEEF}" type="datetimeFigureOut">
+              <a:rPr lang="en-US" smtClean="0"/>
+              <a:t>9/27/2017</a:t>
+            </a:fld>
+            <a:endParaRPr lang="en-IN"/>
+          </a:p>
+        </p:txBody>
+      </p:sp>
+      <p:sp>
+        <p:nvSpPr>
+          <p:cNvPr id="4" name="Slide Image Placeholder 3"/>
+          <p:cNvSpPr>
+            <a:spLocks noGrp="1" noRot="1" noChangeAspect="1"/>
+          </p:cNvSpPr>
+          <p:nvPr>
+            <p:ph type="sldImg" idx="2"/>
+          </p:nvPr>
+        </p:nvSpPr>
+        <p:spPr>
+          <a:xfrm>
+            <a:off x="1143000" y="685800"/>
+            <a:ext cx="4572000" cy="3429000"/>
+          </a:xfrm>
+          <a:prstGeom prst="rect">
+            <a:avLst/>
+          </a:prstGeom>
+          <a:noFill/>
+          <a:ln w="12700">
+            <a:solidFill>
+              <a:prstClr val="black"/>
+            </a:solidFill>
+          </a:ln>
+        </p:spPr>
+        <p:txBody>
+          <a:bodyPr vert="horz" lIns="91440" tIns="45720" rIns="91440" bIns="45720" rtlCol="0" anchor="ctr"/>
+          <a:lstStyle/>
+          <a:p>
+            <a:endParaRPr lang="en-IN"/>
+          </a:p>
+        </p:txBody>
+      </p:sp>
+      <p:sp>
+        <p:nvSpPr>
+          <p:cNvPr id="5" name="Notes Placeholder 4"/>
+          <p:cNvSpPr>
+            <a:spLocks noGrp="1"/>
+          </p:cNvSpPr>
+          <p:nvPr>
+            <p:ph type="body" sz="quarter" idx="3"/>
+          </p:nvPr>
+        </p:nvSpPr>
+        <p:spPr>
+          <a:xfrm>
+            <a:off x="685800" y="4343400"/>
+            <a:ext cx="5486400" cy="4114800"/>
+          </a:xfrm>
+          <a:prstGeom prst="rect">
+            <a:avLst/>
+          </a:prstGeom>
+        </p:spPr>
+        <p:txBody>
+          <a:bodyPr vert="horz" lIns="91440" tIns="45720" rIns="91440" bIns="45720" rtlCol="0">
+            <a:normAutofit/>
+          </a:bodyPr>
+          <a:lstStyle/>
+          <a:p>
+            <a:pPr lvl="0"/>
+            <a:r>
+              <a:rPr lang="en-US" smtClean="0"/>
+              <a:t>Click to edit Master text styles</a:t>
+            </a:r>
+          </a:p>
+          <a:p>
+            <a:pPr lvl="1"/>
+            <a:r>
+              <a:rPr lang="en-US" smtClean="0"/>
+              <a:t>Second level</a:t>
+            </a:r>
+          </a:p>
+          <a:p>
+            <a:pPr lvl="2"/>
+            <a:r>
+              <a:rPr lang="en-US" smtClean="0"/>
+              <a:t>Third level</a:t>
+            </a:r>
+          </a:p>
+          <a:p>
+            <a:pPr lvl="3"/>
+            <a:r>
+              <a:rPr lang="en-US" smtClean="0"/>
+              <a:t>Fourth level</a:t>
+            </a:r>
+          </a:p>
+          <a:p>
+            <a:pPr lvl="4"/>
+            <a:r>
+              <a:rPr lang="en-US" smtClean="0"/>
+              <a:t>Fifth level</a:t>
+            </a:r>
+            <a:endParaRPr lang="en-IN"/>
+          </a:p>
+        </p:txBody>
+      </p:sp>
+      <p:sp>
+        <p:nvSpPr>
+          <p:cNvPr id="6" name="Footer Placeholder 5"/>
+          <p:cNvSpPr>
+            <a:spLocks noGrp="1"/>
+          </p:cNvSpPr>
+          <p:nvPr>
+            <p:ph type="ftr" sz="quarter" idx="4"/>
+          </p:nvPr>
+        </p:nvSpPr>
+        <p:spPr>
+          <a:xfrm>
+            <a:off x="0" y="8685213"/>
+            <a:ext cx="2971800" cy="457200"/>
+          </a:xfrm>
+          <a:prstGeom prst="rect">
+            <a:avLst/>
+          </a:prstGeom>
+        </p:spPr>
+        <p:txBody>
+          <a:bodyPr vert="horz" lIns="91440" tIns="45720" rIns="91440" bIns="45720" rtlCol="0" anchor="b"/>
+          <a:lstStyle>
+            <a:lvl1pPr algn="l">
+              <a:defRPr sz="1200"/>
+            </a:lvl1pPr>
+          </a:lstStyle>
+          <a:p>
+            <a:endParaRPr lang="en-IN"/>
+          </a:p>
+        </p:txBody>
+      </p:sp>
+      <p:sp>
+        <p:nvSpPr>
+          <p:cNvPr id="7" name="Slide Number Placeholder 6"/>
+          <p:cNvSpPr>
+            <a:spLocks noGrp="1"/>
+          </p:cNvSpPr>
+          <p:nvPr>
+            <p:ph type="sldNum" sz="quarter" idx="5"/>
+          </p:nvPr>
+        </p:nvSpPr>
+        <p:spPr>
+          <a:xfrm>
+            <a:off x="3884613" y="8685213"/>
+            <a:ext cx="2971800" cy="457200"/>
+          </a:xfrm>
+          <a:prstGeom prst="rect">
+            <a:avLst/>
+          </a:prstGeom>
+        </p:spPr>
+        <p:txBody>
+          <a:bodyPr vert="horz" lIns="91440" tIns="45720" rIns="91440" bIns="45720" rtlCol="0" anchor="b"/>
+          <a:lstStyle>
+            <a:lvl1pPr algn="r">
+              <a:defRPr sz="1200"/>
+            </a:lvl1pPr>
+          </a:lstStyle>
+          <a:p>
+            <a:fld id="{EE1D844C-750D-49D1-8EF8-7C27A77A1903}" type="slidenum">
+              <a:rPr lang="en-IN" smtClean="0"/>
+              <a:t>‹#›</a:t>
+            </a:fld>
+            <a:endParaRPr lang="en-IN"/>
+          </a:p>
+        </p:txBody>
+      </p:sp>
+    </p:spTree>
+  </p:cSld>
+  <p:clrMap bg1="lt1" tx1="dk1" bg2="lt2" tx2="dk2" accent1="accent1" accent2="accent2" accent3="accent3" accent4="accent4" accent5="accent5" accent6="accent6" hlink="hlink" folHlink="folHlink"/>
+  <p:notesStyle>
+    <a:lvl1pPr marL="0" algn="l" defTabSz="914400" rtl="0" eaLnBrk="1" latinLnBrk="0" hangingPunct="1">
+      <a:defRPr sz="1200" kern="1200">
+        <a:solidFill>
+          <a:schemeClr val="tx1"/>
+        </a:solidFill>
+        <a:latin typeface="+mn-lt"/>
+        <a:ea typeface="+mn-ea"/>
+        <a:cs typeface="+mn-cs"/>
+      </a:defRPr>
+    </a:lvl1pPr>
+    <a:lvl2pPr marL="457200" algn="l" defTabSz="914400" rtl="0" eaLnBrk="1" latinLnBrk="0" hangingPunct="1">
+      <a:defRPr sz="1200" kern="1200">
+        <a:solidFill>
+          <a:schemeClr val="tx1"/>
+        </a:solidFill>
+        <a:latin typeface="+mn-lt"/>
+        <a:ea typeface="+mn-ea"/>
+        <a:cs typeface="+mn-cs"/>
+      </a:defRPr>
+    </a:lvl2pPr>
+    <a:lvl3pPr marL="914400" algn="l" defTabSz="914400" rtl="0" eaLnBrk="1" latinLnBrk="0" hangingPunct="1">
+      <a:defRPr sz="1200" kern="1200">
+        <a:solidFill>
+          <a:schemeClr val="tx1"/>
+        </a:solidFill>
+        <a:latin typeface="+mn-lt"/>
+        <a:ea typeface="+mn-ea"/>
+        <a:cs typeface="+mn-cs"/>
+      </a:defRPr>
+    </a:lvl3pPr>
+    <a:lvl4pPr marL="1371600" algn="l" defTabSz="914400" rtl="0" eaLnBrk="1" latinLnBrk="0" hangingPunct="1">
+      <a:defRPr sz="1200" kern="1200">
+        <a:solidFill>
+          <a:schemeClr val="tx1"/>
+        </a:solidFill>
+        <a:latin typeface="+mn-lt"/>
+        <a:ea typeface="+mn-ea"/>
+        <a:cs typeface="+mn-cs"/>
+      </a:defRPr>
+    </a:lvl4pPr>
+    <a:lvl5pPr marL="1828800" algn="l" defTabSz="914400" rtl="0" eaLnBrk="1" latinLnBrk="0" hangingPunct="1">
+      <a:defRPr sz="1200" kern="1200">
+        <a:solidFill>
+          <a:schemeClr val="tx1"/>
+        </a:solidFill>
+        <a:latin typeface="+mn-lt"/>
+        <a:ea typeface="+mn-ea"/>
+        <a:cs typeface="+mn-cs"/>
+      </a:defRPr>
+    </a:lvl5pPr>
+    <a:lvl6pPr marL="2286000" algn="l" defTabSz="914400" rtl="0" eaLnBrk="1" latinLnBrk="0" hangingPunct="1">
+      <a:defRPr sz="1200" kern="1200">
+        <a:solidFill>
+          <a:schemeClr val="tx1"/>
+        </a:solidFill>
+        <a:latin typeface="+mn-lt"/>
+        <a:ea typeface="+mn-ea"/>
+        <a:cs typeface="+mn-cs"/>
+      </a:defRPr>
+    </a:lvl6pPr>
+    <a:lvl7pPr marL="2743200" algn="l" defTabSz="914400" rtl="0" eaLnBrk="1" latinLnBrk="0" hangingPunct="1">
+      <a:defRPr sz="1200" kern="1200">
+        <a:solidFill>
+          <a:schemeClr val="tx1"/>
+        </a:solidFill>
+        <a:latin typeface="+mn-lt"/>
+        <a:ea typeface="+mn-ea"/>
+        <a:cs typeface="+mn-cs"/>
+      </a:defRPr>
+    </a:lvl7pPr>
+    <a:lvl8pPr marL="3200400" algn="l" defTabSz="914400" rtl="0" eaLnBrk="1" latinLnBrk="0" hangingPunct="1">
+      <a:defRPr sz="1200" kern="1200">
+        <a:solidFill>
+          <a:schemeClr val="tx1"/>
+        </a:solidFill>
+        <a:latin typeface="+mn-lt"/>
+        <a:ea typeface="+mn-ea"/>
+        <a:cs typeface="+mn-cs"/>
+      </a:defRPr>
+    </a:lvl8pPr>
+    <a:lvl9pPr marL="3657600" algn="l" defTabSz="914400" rtl="0" eaLnBrk="1" latinLnBrk="0" hangingPunct="1">
+      <a:defRPr sz="1200" kern="1200">
+        <a:solidFill>
+          <a:schemeClr val="tx1"/>
+        </a:solidFill>
+        <a:latin typeface="+mn-lt"/>
+        <a:ea typeface="+mn-ea"/>
+        <a:cs typeface="+mn-cs"/>
+      </a:defRPr>
+    </a:lvl9pPr>
+  </p:notesStyle>
+</p:notesMaster>
+</file>
+
+<file path=ppt/notesSlides/notesSlide1.xml><?xml version="1.0" encoding="utf-8"?>
+<p:notes xmlns:a="http://schemas.openxmlformats.org/drawingml/2006/main" xmlns:r="http://schemas.openxmlformats.org/officeDocument/2006/relationships" xmlns:p="http://schemas.openxmlformats.org/presentationml/2006/main">
+  <p:cSld>
+    <p:spTree>
+      <p:nvGrpSpPr>
+        <p:cNvPr id="1" name=""/>
+        <p:cNvGrpSpPr/>
+        <p:nvPr/>
+      </p:nvGrpSpPr>
+      <p:grpSpPr>
+        <a:xfrm>
+          <a:off x="0" y="0"/>
+          <a:ext cx="0" cy="0"/>
+          <a:chOff x="0" y="0"/>
+          <a:chExt cx="0" cy="0"/>
+        </a:xfrm>
+      </p:grpSpPr>
+      <p:sp>
+        <p:nvSpPr>
+          <p:cNvPr id="15362" name="Rectangle 2"/>
+          <p:cNvSpPr>
+            <a:spLocks noChangeArrowheads="1" noTextEdit="1"/>
+          </p:cNvSpPr>
+          <p:nvPr>
+            <p:ph type="sldImg"/>
+          </p:nvPr>
+        </p:nvSpPr>
+        <p:spPr bwMode="auto">
+          <a:noFill/>
+          <a:ln>
+            <a:solidFill>
+              <a:srgbClr val="000000"/>
+            </a:solidFill>
+            <a:miter lim="800000"/>
+            <a:headEnd/>
+            <a:tailEnd/>
+          </a:ln>
+        </p:spPr>
+      </p:sp>
+      <p:sp>
+        <p:nvSpPr>
+          <p:cNvPr id="15363" name="Rectangle 3"/>
+          <p:cNvSpPr>
+            <a:spLocks noGrp="1" noChangeArrowheads="1"/>
+          </p:cNvSpPr>
+          <p:nvPr>
+            <p:ph type="body" idx="1"/>
+          </p:nvPr>
+        </p:nvSpPr>
+        <p:spPr bwMode="auto">
+          <a:noFill/>
+        </p:spPr>
+        <p:txBody>
+          <a:bodyPr wrap="square" numCol="1" anchor="t" anchorCtr="0" compatLnSpc="1">
+            <a:prstTxWarp prst="textNoShape">
+              <a:avLst/>
+            </a:prstTxWarp>
+          </a:bodyPr>
+          <a:lstStyle/>
+          <a:p>
+            <a:pPr>
+              <a:spcBef>
+                <a:spcPct val="0"/>
+              </a:spcBef>
+            </a:pPr>
+            <a:endParaRPr lang="en-US" altLang="en-US" smtClean="0"/>
+          </a:p>
+        </p:txBody>
+      </p:sp>
+    </p:spTree>
+  </p:cSld>
+  <p:clrMapOvr>
+    <a:masterClrMapping/>
+  </p:clrMapOvr>
+</p:notes>
+</file>
+
+<file path=ppt/notesSlides/notesSlide2.xml><?xml version="1.0" encoding="utf-8"?>
+<p:notes xmlns:a="http://schemas.openxmlformats.org/drawingml/2006/main" xmlns:r="http://schemas.openxmlformats.org/officeDocument/2006/relationships" xmlns:p="http://schemas.openxmlformats.org/presentationml/2006/main">
+  <p:cSld>
+    <p:spTree>
+      <p:nvGrpSpPr>
+        <p:cNvPr id="1" name=""/>
+        <p:cNvGrpSpPr/>
+        <p:nvPr/>
+      </p:nvGrpSpPr>
+      <p:grpSpPr>
+        <a:xfrm>
+          <a:off x="0" y="0"/>
+          <a:ext cx="0" cy="0"/>
+          <a:chOff x="0" y="0"/>
+          <a:chExt cx="0" cy="0"/>
+        </a:xfrm>
+      </p:grpSpPr>
+      <p:sp>
+        <p:nvSpPr>
+          <p:cNvPr id="16386" name="Rectangle 2"/>
+          <p:cNvSpPr>
+            <a:spLocks noChangeArrowheads="1" noTextEdit="1"/>
+          </p:cNvSpPr>
+          <p:nvPr>
+            <p:ph type="sldImg"/>
+          </p:nvPr>
+        </p:nvSpPr>
+        <p:spPr bwMode="auto">
+          <a:noFill/>
+          <a:ln>
+            <a:solidFill>
+              <a:srgbClr val="000000"/>
+            </a:solidFill>
+            <a:miter lim="800000"/>
+            <a:headEnd/>
+            <a:tailEnd/>
+          </a:ln>
+        </p:spPr>
+      </p:sp>
+      <p:sp>
+        <p:nvSpPr>
+          <p:cNvPr id="16387" name="Rectangle 3"/>
+          <p:cNvSpPr>
+            <a:spLocks noGrp="1" noChangeArrowheads="1"/>
+          </p:cNvSpPr>
+          <p:nvPr>
+            <p:ph type="body" idx="1"/>
+          </p:nvPr>
+        </p:nvSpPr>
+        <p:spPr bwMode="auto">
+          <a:noFill/>
+        </p:spPr>
+        <p:txBody>
+          <a:bodyPr wrap="square" numCol="1" anchor="t" anchorCtr="0" compatLnSpc="1">
+            <a:prstTxWarp prst="textNoShape">
+              <a:avLst/>
+            </a:prstTxWarp>
+          </a:bodyPr>
+          <a:lstStyle/>
+          <a:p>
+            <a:pPr>
+              <a:spcBef>
+                <a:spcPct val="0"/>
+              </a:spcBef>
+            </a:pPr>
+            <a:endParaRPr lang="en-US" altLang="en-US" smtClean="0"/>
+          </a:p>
+        </p:txBody>
+      </p:sp>
+    </p:spTree>
+  </p:cSld>
+  <p:clrMapOvr>
+    <a:masterClrMapping/>
+  </p:clrMapOvr>
+</p:notes>
+</file>
+
 <file path=ppt/slideLayouts/slideLayout1.xml><?xml version="1.0" encoding="utf-8"?>
 <p:sldLayout xmlns:a="http://schemas.openxmlformats.org/drawingml/2006/main" xmlns:r="http://schemas.openxmlformats.org/officeDocument/2006/relationships" xmlns:p="http://schemas.openxmlformats.org/presentationml/2006/main" type="title" preserve="1">
   <p:cSld name="Title Slide">
@@ -293,7 +805,7 @@
             <a:fld id="{79E054EE-4C7F-4BAB-9B46-7E03384E31AF}" type="datetimeFigureOut">
               <a:rPr lang="en-US" smtClean="0"/>
               <a:pPr/>
-              <a:t>01-Jan-02</a:t>
+              <a:t>9/27/2017</a:t>
             </a:fld>
             <a:endParaRPr lang="en-US"/>
           </a:p>
@@ -460,7 +972,7 @@
             <a:fld id="{79E054EE-4C7F-4BAB-9B46-7E03384E31AF}" type="datetimeFigureOut">
               <a:rPr lang="en-US" smtClean="0"/>
               <a:pPr/>
-              <a:t>01-Jan-02</a:t>
+              <a:t>9/27/2017</a:t>
             </a:fld>
             <a:endParaRPr lang="en-US"/>
           </a:p>
@@ -637,7 +1149,7 @@
             <a:fld id="{79E054EE-4C7F-4BAB-9B46-7E03384E31AF}" type="datetimeFigureOut">
               <a:rPr lang="en-US" smtClean="0"/>
               <a:pPr/>
-              <a:t>01-Jan-02</a:t>
+              <a:t>9/27/2017</a:t>
             </a:fld>
             <a:endParaRPr lang="en-US"/>
           </a:p>
@@ -804,7 +1316,7 @@
             <a:fld id="{79E054EE-4C7F-4BAB-9B46-7E03384E31AF}" type="datetimeFigureOut">
               <a:rPr lang="en-US" smtClean="0"/>
               <a:pPr/>
-              <a:t>01-Jan-02</a:t>
+              <a:t>9/27/2017</a:t>
             </a:fld>
             <a:endParaRPr lang="en-US"/>
           </a:p>
@@ -1047,7 +1559,7 @@
             <a:fld id="{79E054EE-4C7F-4BAB-9B46-7E03384E31AF}" type="datetimeFigureOut">
               <a:rPr lang="en-US" smtClean="0"/>
               <a:pPr/>
-              <a:t>01-Jan-02</a:t>
+              <a:t>9/27/2017</a:t>
             </a:fld>
             <a:endParaRPr lang="en-US"/>
           </a:p>
@@ -1332,7 +1844,7 @@
             <a:fld id="{79E054EE-4C7F-4BAB-9B46-7E03384E31AF}" type="datetimeFigureOut">
               <a:rPr lang="en-US" smtClean="0"/>
               <a:pPr/>
-              <a:t>01-Jan-02</a:t>
+              <a:t>9/27/2017</a:t>
             </a:fld>
             <a:endParaRPr lang="en-US"/>
           </a:p>
@@ -1751,7 +2263,7 @@
             <a:fld id="{79E054EE-4C7F-4BAB-9B46-7E03384E31AF}" type="datetimeFigureOut">
               <a:rPr lang="en-US" smtClean="0"/>
               <a:pPr/>
-              <a:t>01-Jan-02</a:t>
+              <a:t>9/27/2017</a:t>
             </a:fld>
             <a:endParaRPr lang="en-US"/>
           </a:p>
@@ -1866,7 +2378,7 @@
             <a:fld id="{79E054EE-4C7F-4BAB-9B46-7E03384E31AF}" type="datetimeFigureOut">
               <a:rPr lang="en-US" smtClean="0"/>
               <a:pPr/>
-              <a:t>01-Jan-02</a:t>
+              <a:t>9/27/2017</a:t>
             </a:fld>
             <a:endParaRPr lang="en-US"/>
           </a:p>
@@ -1958,7 +2470,7 @@
             <a:fld id="{79E054EE-4C7F-4BAB-9B46-7E03384E31AF}" type="datetimeFigureOut">
               <a:rPr lang="en-US" smtClean="0"/>
               <a:pPr/>
-              <a:t>01-Jan-02</a:t>
+              <a:t>9/27/2017</a:t>
             </a:fld>
             <a:endParaRPr lang="en-US"/>
           </a:p>
@@ -2232,7 +2744,7 @@
             <a:fld id="{79E054EE-4C7F-4BAB-9B46-7E03384E31AF}" type="datetimeFigureOut">
               <a:rPr lang="en-US" smtClean="0"/>
               <a:pPr/>
-              <a:t>01-Jan-02</a:t>
+              <a:t>9/27/2017</a:t>
             </a:fld>
             <a:endParaRPr lang="en-US"/>
           </a:p>
@@ -2482,7 +2994,7 @@
             <a:fld id="{79E054EE-4C7F-4BAB-9B46-7E03384E31AF}" type="datetimeFigureOut">
               <a:rPr lang="en-US" smtClean="0"/>
               <a:pPr/>
-              <a:t>01-Jan-02</a:t>
+              <a:t>9/27/2017</a:t>
             </a:fld>
             <a:endParaRPr lang="en-US"/>
           </a:p>
@@ -2543,8 +3055,8 @@
 <p:sldMaster xmlns:a="http://schemas.openxmlformats.org/drawingml/2006/main" xmlns:r="http://schemas.openxmlformats.org/officeDocument/2006/relationships" xmlns:p="http://schemas.openxmlformats.org/presentationml/2006/main">
   <p:cSld>
     <p:bg>
-      <p:bgRef idx="1001">
-        <a:schemeClr val="bg1"/>
+      <p:bgRef idx="1003">
+        <a:schemeClr val="bg2"/>
       </p:bgRef>
     </p:bg>
     <p:spTree>
@@ -2692,7 +3204,7 @@
             <a:fld id="{79E054EE-4C7F-4BAB-9B46-7E03384E31AF}" type="datetimeFigureOut">
               <a:rPr lang="en-US" smtClean="0"/>
               <a:pPr/>
-              <a:t>01-Jan-02</a:t>
+              <a:t>9/27/2017</a:t>
             </a:fld>
             <a:endParaRPr lang="en-US"/>
           </a:p>
@@ -2779,7 +3291,7 @@
       </p:sp>
     </p:spTree>
   </p:cSld>
-  <p:clrMap bg1="lt1" tx1="dk1" bg2="lt2" tx2="dk2" accent1="accent1" accent2="accent2" accent3="accent3" accent4="accent4" accent5="accent5" accent6="accent6" hlink="hlink" folHlink="folHlink"/>
+  <p:clrMap bg1="dk1" tx1="lt1" bg2="dk2" tx2="lt2" accent1="accent1" accent2="accent2" accent3="accent3" accent4="accent4" accent5="accent5" accent6="accent6" hlink="hlink" folHlink="folHlink"/>
   <p:sldLayoutIdLst>
     <p:sldLayoutId id="2147483649" r:id="rId1"/>
     <p:sldLayoutId id="2147483650" r:id="rId2"/>
@@ -3167,16 +3679,24 @@
               <a:buNone/>
             </a:pPr>
             <a:r>
-              <a:rPr lang="en-US" dirty="0" smtClean="0"/>
+              <a:rPr lang="en-US" sz="2600" dirty="0" smtClean="0"/>
               <a:t>Topic:</a:t>
             </a:r>
             <a:r>
-              <a:rPr lang="en-US" dirty="0"/>
+              <a:rPr lang="en-US" sz="2600" dirty="0"/>
               <a:t> </a:t>
             </a:r>
             <a:r>
-              <a:rPr lang="en-US" dirty="0" smtClean="0"/>
-              <a:t>Sequence Detector using Synchronous 	 State Machines</a:t>
+              <a:rPr lang="en-US" sz="2600" dirty="0" smtClean="0"/>
+              <a:t>Sequence Detector using </a:t>
+            </a:r>
+            <a:r>
+              <a:rPr lang="en-US" sz="2600" dirty="0" smtClean="0"/>
+              <a:t>Synchronous State </a:t>
+            </a:r>
+            <a:r>
+              <a:rPr lang="en-US" sz="2600" dirty="0" smtClean="0"/>
+              <a:t>Machines</a:t>
             </a:r>
           </a:p>
           <a:p>
@@ -3184,7 +3704,7 @@
               <a:buNone/>
             </a:pPr>
             <a:r>
-              <a:rPr lang="en-US" dirty="0" smtClean="0"/>
+              <a:rPr lang="en-US" sz="2600" dirty="0" smtClean="0"/>
               <a:t>Subject: Digital Electronics</a:t>
             </a:r>
           </a:p>
@@ -3193,7 +3713,7 @@
               <a:buNone/>
             </a:pPr>
             <a:r>
-              <a:rPr lang="en-US" dirty="0" smtClean="0"/>
+              <a:rPr lang="en-US" sz="2600" dirty="0" smtClean="0"/>
               <a:t>Department: Computer Engineering (2110007) </a:t>
             </a:r>
           </a:p>
@@ -3202,7 +3722,7 @@
               <a:buNone/>
             </a:pPr>
             <a:r>
-              <a:rPr lang="en-US" dirty="0" smtClean="0"/>
+              <a:rPr lang="en-US" sz="2600" dirty="0" smtClean="0"/>
               <a:t>Prepared by: </a:t>
             </a:r>
           </a:p>
@@ -3241,7 +3761,7 @@
           <p:nvPr/>
         </p:nvGraphicFramePr>
         <p:xfrm>
-          <a:off x="1524000" y="4572000"/>
+          <a:off x="1447800" y="4343400"/>
           <a:ext cx="6019800" cy="2148840"/>
         </p:xfrm>
         <a:graphic>
@@ -3505,6 +4025,1465 @@
 </p:sld>
 </file>
 
+<file path=ppt/slides/slide10.xml><?xml version="1.0" encoding="utf-8"?>
+<p:sld xmlns:a="http://schemas.openxmlformats.org/drawingml/2006/main" xmlns:r="http://schemas.openxmlformats.org/officeDocument/2006/relationships" xmlns:p="http://schemas.openxmlformats.org/presentationml/2006/main">
+  <p:cSld>
+    <p:spTree>
+      <p:nvGrpSpPr>
+        <p:cNvPr id="1" name=""/>
+        <p:cNvGrpSpPr/>
+        <p:nvPr/>
+      </p:nvGrpSpPr>
+      <p:grpSpPr>
+        <a:xfrm>
+          <a:off x="0" y="0"/>
+          <a:ext cx="0" cy="0"/>
+          <a:chOff x="0" y="0"/>
+          <a:chExt cx="0" cy="0"/>
+        </a:xfrm>
+      </p:grpSpPr>
+      <p:sp>
+        <p:nvSpPr>
+          <p:cNvPr id="2" name="Title 1"/>
+          <p:cNvSpPr>
+            <a:spLocks noGrp="1"/>
+          </p:cNvSpPr>
+          <p:nvPr>
+            <p:ph type="title"/>
+          </p:nvPr>
+        </p:nvSpPr>
+        <p:spPr/>
+        <p:txBody>
+          <a:bodyPr/>
+          <a:lstStyle/>
+          <a:p>
+            <a:r>
+              <a:rPr lang="en-US" dirty="0" smtClean="0">
+                <a:solidFill>
+                  <a:srgbClr val="FFFF00"/>
+                </a:solidFill>
+              </a:rPr>
+              <a:t>Non - Overlapping</a:t>
+            </a:r>
+            <a:endParaRPr lang="en-US" dirty="0">
+              <a:solidFill>
+                <a:srgbClr val="FFFF00"/>
+              </a:solidFill>
+            </a:endParaRPr>
+          </a:p>
+        </p:txBody>
+      </p:sp>
+      <p:sp>
+        <p:nvSpPr>
+          <p:cNvPr id="3" name="Content Placeholder 2"/>
+          <p:cNvSpPr>
+            <a:spLocks noGrp="1"/>
+          </p:cNvSpPr>
+          <p:nvPr>
+            <p:ph idx="1"/>
+          </p:nvPr>
+        </p:nvSpPr>
+        <p:spPr/>
+        <p:txBody>
+          <a:bodyPr>
+            <a:normAutofit lnSpcReduction="10000"/>
+          </a:bodyPr>
+          <a:lstStyle/>
+          <a:p>
+            <a:r>
+              <a:rPr lang="en-US" dirty="0" smtClean="0"/>
+              <a:t>In a non-overlapping sequence detector, output will be decided once the desired pattern is received and no output will be there for any other pattern.</a:t>
+            </a:r>
+          </a:p>
+          <a:p>
+            <a:r>
+              <a:rPr lang="en-US" dirty="0" smtClean="0"/>
+              <a:t>For example (detection of </a:t>
+            </a:r>
+            <a:r>
+              <a:rPr lang="en-US" dirty="0" smtClean="0"/>
+              <a:t>100) </a:t>
+            </a:r>
+            <a:r>
+              <a:rPr lang="en-US" dirty="0" smtClean="0"/>
+              <a:t>– </a:t>
+            </a:r>
+          </a:p>
+          <a:p>
+            <a:pPr>
+              <a:buNone/>
+            </a:pPr>
+            <a:r>
+              <a:rPr lang="en-US" dirty="0" smtClean="0"/>
+              <a:t>		  Input sequence – </a:t>
+            </a:r>
+            <a:r>
+              <a:rPr lang="en-US" b="1" dirty="0" smtClean="0"/>
+              <a:t>100</a:t>
+            </a:r>
+            <a:r>
+              <a:rPr lang="en-US" dirty="0" smtClean="0"/>
+              <a:t>10</a:t>
+            </a:r>
+            <a:r>
+              <a:rPr lang="en-US" b="1" dirty="0" smtClean="0"/>
+              <a:t>100</a:t>
+            </a:r>
+            <a:r>
+              <a:rPr lang="en-US" dirty="0" smtClean="0"/>
+              <a:t>01010</a:t>
+            </a:r>
+          </a:p>
+          <a:p>
+            <a:pPr>
+              <a:buNone/>
+            </a:pPr>
+            <a:r>
+              <a:rPr lang="en-US" dirty="0" smtClean="0"/>
+              <a:t>	     Output Sequence – </a:t>
+            </a:r>
+            <a:r>
+              <a:rPr lang="en-US" dirty="0" smtClean="0"/>
+              <a:t>00</a:t>
+            </a:r>
+            <a:r>
+              <a:rPr lang="en-US" b="1" dirty="0" smtClean="0"/>
+              <a:t>1</a:t>
+            </a:r>
+            <a:r>
+              <a:rPr lang="en-US" dirty="0" smtClean="0"/>
+              <a:t>0000</a:t>
+            </a:r>
+            <a:r>
+              <a:rPr lang="en-US" b="1" dirty="0" smtClean="0"/>
+              <a:t>1</a:t>
+            </a:r>
+            <a:r>
+              <a:rPr lang="en-US" dirty="0" smtClean="0"/>
+              <a:t>00000 </a:t>
+            </a:r>
+            <a:endParaRPr lang="en-US" dirty="0" smtClean="0"/>
+          </a:p>
+          <a:p>
+            <a:r>
+              <a:rPr lang="en-US" dirty="0" smtClean="0"/>
+              <a:t>The Sequence detector resets itself to initial state after the sequence is detected.</a:t>
+            </a:r>
+          </a:p>
+        </p:txBody>
+      </p:sp>
+    </p:spTree>
+  </p:cSld>
+  <p:clrMapOvr>
+    <a:masterClrMapping/>
+  </p:clrMapOvr>
+</p:sld>
+</file>
+
+<file path=ppt/slides/slide11.xml><?xml version="1.0" encoding="utf-8"?>
+<p:sld xmlns:a="http://schemas.openxmlformats.org/drawingml/2006/main" xmlns:r="http://schemas.openxmlformats.org/officeDocument/2006/relationships" xmlns:p="http://schemas.openxmlformats.org/presentationml/2006/main">
+  <p:cSld>
+    <p:spTree>
+      <p:nvGrpSpPr>
+        <p:cNvPr id="1" name=""/>
+        <p:cNvGrpSpPr/>
+        <p:nvPr/>
+      </p:nvGrpSpPr>
+      <p:grpSpPr>
+        <a:xfrm>
+          <a:off x="0" y="0"/>
+          <a:ext cx="0" cy="0"/>
+          <a:chOff x="0" y="0"/>
+          <a:chExt cx="0" cy="0"/>
+        </a:xfrm>
+      </p:grpSpPr>
+      <p:sp>
+        <p:nvSpPr>
+          <p:cNvPr id="2" name="Title 1"/>
+          <p:cNvSpPr>
+            <a:spLocks noGrp="1"/>
+          </p:cNvSpPr>
+          <p:nvPr>
+            <p:ph type="title"/>
+          </p:nvPr>
+        </p:nvSpPr>
+        <p:spPr/>
+        <p:txBody>
+          <a:bodyPr/>
+          <a:lstStyle/>
+          <a:p>
+            <a:r>
+              <a:rPr lang="en-US" dirty="0" smtClean="0">
+                <a:solidFill>
+                  <a:srgbClr val="FFFF00"/>
+                </a:solidFill>
+              </a:rPr>
+              <a:t>Example</a:t>
+            </a:r>
+            <a:endParaRPr lang="en-US" dirty="0">
+              <a:solidFill>
+                <a:srgbClr val="FFFF00"/>
+              </a:solidFill>
+            </a:endParaRPr>
+          </a:p>
+        </p:txBody>
+      </p:sp>
+      <p:sp>
+        <p:nvSpPr>
+          <p:cNvPr id="3" name="Oval 2"/>
+          <p:cNvSpPr/>
+          <p:nvPr/>
+        </p:nvSpPr>
+        <p:spPr>
+          <a:xfrm>
+            <a:off x="3962400" y="2133600"/>
+            <a:ext cx="1066800" cy="990600"/>
+          </a:xfrm>
+          <a:prstGeom prst="ellipse">
+            <a:avLst/>
+          </a:prstGeom>
+        </p:spPr>
+        <p:style>
+          <a:lnRef idx="2">
+            <a:schemeClr val="accent3">
+              <a:shade val="50000"/>
+            </a:schemeClr>
+          </a:lnRef>
+          <a:fillRef idx="1">
+            <a:schemeClr val="accent3"/>
+          </a:fillRef>
+          <a:effectRef idx="0">
+            <a:schemeClr val="accent3"/>
+          </a:effectRef>
+          <a:fontRef idx="minor">
+            <a:schemeClr val="lt1"/>
+          </a:fontRef>
+        </p:style>
+        <p:txBody>
+          <a:bodyPr rtlCol="0" anchor="ctr"/>
+          <a:lstStyle/>
+          <a:p>
+            <a:pPr algn="ctr"/>
+            <a:r>
+              <a:rPr lang="en-US" sz="4000" b="1" dirty="0" smtClean="0"/>
+              <a:t>S1</a:t>
+            </a:r>
+            <a:endParaRPr lang="en-IN" sz="4000" b="1" dirty="0"/>
+          </a:p>
+        </p:txBody>
+      </p:sp>
+      <p:sp>
+        <p:nvSpPr>
+          <p:cNvPr id="4" name="Oval 3"/>
+          <p:cNvSpPr/>
+          <p:nvPr/>
+        </p:nvSpPr>
+        <p:spPr>
+          <a:xfrm>
+            <a:off x="6019800" y="4724400"/>
+            <a:ext cx="1066800" cy="990600"/>
+          </a:xfrm>
+          <a:prstGeom prst="ellipse">
+            <a:avLst/>
+          </a:prstGeom>
+        </p:spPr>
+        <p:style>
+          <a:lnRef idx="2">
+            <a:schemeClr val="accent3">
+              <a:shade val="50000"/>
+            </a:schemeClr>
+          </a:lnRef>
+          <a:fillRef idx="1">
+            <a:schemeClr val="accent3"/>
+          </a:fillRef>
+          <a:effectRef idx="0">
+            <a:schemeClr val="accent3"/>
+          </a:effectRef>
+          <a:fontRef idx="minor">
+            <a:schemeClr val="lt1"/>
+          </a:fontRef>
+        </p:style>
+        <p:txBody>
+          <a:bodyPr rtlCol="0" anchor="ctr"/>
+          <a:lstStyle/>
+          <a:p>
+            <a:pPr algn="ctr"/>
+            <a:r>
+              <a:rPr lang="en-US" sz="4000" b="1" dirty="0" smtClean="0"/>
+              <a:t>S2</a:t>
+            </a:r>
+            <a:endParaRPr lang="en-IN" sz="4000" b="1" dirty="0"/>
+          </a:p>
+        </p:txBody>
+      </p:sp>
+      <p:sp>
+        <p:nvSpPr>
+          <p:cNvPr id="5" name="Oval 4"/>
+          <p:cNvSpPr/>
+          <p:nvPr/>
+        </p:nvSpPr>
+        <p:spPr>
+          <a:xfrm>
+            <a:off x="2209800" y="4724400"/>
+            <a:ext cx="1066800" cy="990600"/>
+          </a:xfrm>
+          <a:prstGeom prst="ellipse">
+            <a:avLst/>
+          </a:prstGeom>
+        </p:spPr>
+        <p:style>
+          <a:lnRef idx="2">
+            <a:schemeClr val="accent3">
+              <a:shade val="50000"/>
+            </a:schemeClr>
+          </a:lnRef>
+          <a:fillRef idx="1">
+            <a:schemeClr val="accent3"/>
+          </a:fillRef>
+          <a:effectRef idx="0">
+            <a:schemeClr val="accent3"/>
+          </a:effectRef>
+          <a:fontRef idx="minor">
+            <a:schemeClr val="lt1"/>
+          </a:fontRef>
+        </p:style>
+        <p:txBody>
+          <a:bodyPr rtlCol="0" anchor="ctr"/>
+          <a:lstStyle/>
+          <a:p>
+            <a:pPr algn="ctr"/>
+            <a:r>
+              <a:rPr lang="en-US" sz="4000" b="1" dirty="0" smtClean="0"/>
+              <a:t>S3</a:t>
+            </a:r>
+            <a:endParaRPr lang="en-IN" sz="4000" b="1" dirty="0"/>
+          </a:p>
+        </p:txBody>
+      </p:sp>
+      <p:cxnSp>
+        <p:nvCxnSpPr>
+          <p:cNvPr id="7" name="Straight Arrow Connector 6"/>
+          <p:cNvCxnSpPr>
+            <a:stCxn id="3" idx="5"/>
+          </p:cNvCxnSpPr>
+          <p:nvPr/>
+        </p:nvCxnSpPr>
+        <p:spPr>
+          <a:xfrm rot="16200000" flipH="1">
+            <a:off x="4649950" y="3202150"/>
+            <a:ext cx="1897670" cy="1451629"/>
+          </a:xfrm>
+          <a:prstGeom prst="straightConnector1">
+            <a:avLst/>
+          </a:prstGeom>
+          <a:ln>
+            <a:tailEnd type="arrow"/>
+          </a:ln>
+        </p:spPr>
+        <p:style>
+          <a:lnRef idx="2">
+            <a:schemeClr val="dk1"/>
+          </a:lnRef>
+          <a:fillRef idx="0">
+            <a:schemeClr val="dk1"/>
+          </a:fillRef>
+          <a:effectRef idx="1">
+            <a:schemeClr val="dk1"/>
+          </a:effectRef>
+          <a:fontRef idx="minor">
+            <a:schemeClr val="tx1"/>
+          </a:fontRef>
+        </p:style>
+      </p:cxnSp>
+      <p:cxnSp>
+        <p:nvCxnSpPr>
+          <p:cNvPr id="8" name="Straight Arrow Connector 7"/>
+          <p:cNvCxnSpPr>
+            <a:stCxn id="4" idx="2"/>
+            <a:endCxn id="5" idx="6"/>
+          </p:cNvCxnSpPr>
+          <p:nvPr/>
+        </p:nvCxnSpPr>
+        <p:spPr>
+          <a:xfrm rot="10800000">
+            <a:off x="3276600" y="5219700"/>
+            <a:ext cx="2743200" cy="1588"/>
+          </a:xfrm>
+          <a:prstGeom prst="straightConnector1">
+            <a:avLst/>
+          </a:prstGeom>
+          <a:ln>
+            <a:tailEnd type="arrow"/>
+          </a:ln>
+        </p:spPr>
+        <p:style>
+          <a:lnRef idx="2">
+            <a:schemeClr val="dk1"/>
+          </a:lnRef>
+          <a:fillRef idx="0">
+            <a:schemeClr val="dk1"/>
+          </a:fillRef>
+          <a:effectRef idx="1">
+            <a:schemeClr val="dk1"/>
+          </a:effectRef>
+          <a:fontRef idx="minor">
+            <a:schemeClr val="tx1"/>
+          </a:fontRef>
+        </p:style>
+      </p:cxnSp>
+      <p:cxnSp>
+        <p:nvCxnSpPr>
+          <p:cNvPr id="9" name="Straight Arrow Connector 8"/>
+          <p:cNvCxnSpPr>
+            <a:endCxn id="3" idx="3"/>
+          </p:cNvCxnSpPr>
+          <p:nvPr/>
+        </p:nvCxnSpPr>
+        <p:spPr>
+          <a:xfrm rot="5400000" flipH="1" flipV="1">
+            <a:off x="2672580" y="3278352"/>
+            <a:ext cx="1745270" cy="1146827"/>
+          </a:xfrm>
+          <a:prstGeom prst="straightConnector1">
+            <a:avLst/>
+          </a:prstGeom>
+          <a:ln>
+            <a:tailEnd type="arrow"/>
+          </a:ln>
+        </p:spPr>
+        <p:style>
+          <a:lnRef idx="2">
+            <a:schemeClr val="dk1"/>
+          </a:lnRef>
+          <a:fillRef idx="0">
+            <a:schemeClr val="dk1"/>
+          </a:fillRef>
+          <a:effectRef idx="1">
+            <a:schemeClr val="dk1"/>
+          </a:effectRef>
+          <a:fontRef idx="minor">
+            <a:schemeClr val="tx1"/>
+          </a:fontRef>
+        </p:style>
+      </p:cxnSp>
+      <p:sp>
+        <p:nvSpPr>
+          <p:cNvPr id="18" name="TextBox 17"/>
+          <p:cNvSpPr txBox="1"/>
+          <p:nvPr/>
+        </p:nvSpPr>
+        <p:spPr>
+          <a:xfrm rot="3208550">
+            <a:off x="5348268" y="3510903"/>
+            <a:ext cx="685800" cy="461665"/>
+          </a:xfrm>
+          <a:prstGeom prst="rect">
+            <a:avLst/>
+          </a:prstGeom>
+          <a:noFill/>
+        </p:spPr>
+        <p:txBody>
+          <a:bodyPr wrap="square" rtlCol="0">
+            <a:spAutoFit/>
+          </a:bodyPr>
+          <a:lstStyle/>
+          <a:p>
+            <a:r>
+              <a:rPr lang="en-US" sz="2400" dirty="0" smtClean="0"/>
+              <a:t>1/0</a:t>
+            </a:r>
+            <a:endParaRPr lang="en-IN" sz="2400" dirty="0"/>
+          </a:p>
+        </p:txBody>
+      </p:sp>
+      <p:sp>
+        <p:nvSpPr>
+          <p:cNvPr id="19" name="TextBox 18"/>
+          <p:cNvSpPr txBox="1"/>
+          <p:nvPr/>
+        </p:nvSpPr>
+        <p:spPr>
+          <a:xfrm>
+            <a:off x="4419600" y="4876800"/>
+            <a:ext cx="685800" cy="461665"/>
+          </a:xfrm>
+          <a:prstGeom prst="rect">
+            <a:avLst/>
+          </a:prstGeom>
+          <a:noFill/>
+        </p:spPr>
+        <p:txBody>
+          <a:bodyPr wrap="square" rtlCol="0">
+            <a:spAutoFit/>
+          </a:bodyPr>
+          <a:lstStyle/>
+          <a:p>
+            <a:r>
+              <a:rPr lang="en-US" sz="2400" dirty="0" smtClean="0"/>
+              <a:t>0</a:t>
+            </a:r>
+            <a:r>
+              <a:rPr lang="en-US" sz="2400" dirty="0" smtClean="0"/>
+              <a:t>/0</a:t>
+            </a:r>
+            <a:endParaRPr lang="en-IN" sz="2400" dirty="0"/>
+          </a:p>
+        </p:txBody>
+      </p:sp>
+      <p:sp>
+        <p:nvSpPr>
+          <p:cNvPr id="20" name="TextBox 19"/>
+          <p:cNvSpPr txBox="1"/>
+          <p:nvPr/>
+        </p:nvSpPr>
+        <p:spPr>
+          <a:xfrm rot="17912731">
+            <a:off x="3127269" y="3477959"/>
+            <a:ext cx="609600" cy="461665"/>
+          </a:xfrm>
+          <a:prstGeom prst="rect">
+            <a:avLst/>
+          </a:prstGeom>
+          <a:noFill/>
+        </p:spPr>
+        <p:txBody>
+          <a:bodyPr wrap="square" rtlCol="0">
+            <a:spAutoFit/>
+          </a:bodyPr>
+          <a:lstStyle/>
+          <a:p>
+            <a:r>
+              <a:rPr lang="en-US" sz="2400" dirty="0" smtClean="0"/>
+              <a:t>1/1</a:t>
+            </a:r>
+            <a:endParaRPr lang="en-IN" sz="2400" dirty="0"/>
+          </a:p>
+        </p:txBody>
+      </p:sp>
+      <p:cxnSp>
+        <p:nvCxnSpPr>
+          <p:cNvPr id="29" name="Curved Connector 28"/>
+          <p:cNvCxnSpPr>
+            <a:stCxn id="3" idx="6"/>
+            <a:endCxn id="3" idx="1"/>
+          </p:cNvCxnSpPr>
+          <p:nvPr/>
+        </p:nvCxnSpPr>
+        <p:spPr>
+          <a:xfrm flipH="1" flipV="1">
+            <a:off x="4118629" y="2278670"/>
+            <a:ext cx="910571" cy="350230"/>
+          </a:xfrm>
+          <a:prstGeom prst="curvedConnector4">
+            <a:avLst>
+              <a:gd name="adj1" fmla="val -25105"/>
+              <a:gd name="adj2" fmla="val 299077"/>
+            </a:avLst>
+          </a:prstGeom>
+          <a:ln>
+            <a:tailEnd type="arrow"/>
+          </a:ln>
+        </p:spPr>
+        <p:style>
+          <a:lnRef idx="2">
+            <a:schemeClr val="dk1"/>
+          </a:lnRef>
+          <a:fillRef idx="0">
+            <a:schemeClr val="dk1"/>
+          </a:fillRef>
+          <a:effectRef idx="1">
+            <a:schemeClr val="dk1"/>
+          </a:effectRef>
+          <a:fontRef idx="minor">
+            <a:schemeClr val="tx1"/>
+          </a:fontRef>
+        </p:style>
+      </p:cxnSp>
+      <p:cxnSp>
+        <p:nvCxnSpPr>
+          <p:cNvPr id="37" name="Curved Connector 28"/>
+          <p:cNvCxnSpPr>
+            <a:stCxn id="4" idx="6"/>
+          </p:cNvCxnSpPr>
+          <p:nvPr/>
+        </p:nvCxnSpPr>
+        <p:spPr>
+          <a:xfrm flipH="1" flipV="1">
+            <a:off x="6858001" y="4800600"/>
+            <a:ext cx="228599" cy="419100"/>
+          </a:xfrm>
+          <a:prstGeom prst="curvedConnector4">
+            <a:avLst>
+              <a:gd name="adj1" fmla="val -303078"/>
+              <a:gd name="adj2" fmla="val 230071"/>
+            </a:avLst>
+          </a:prstGeom>
+          <a:ln>
+            <a:tailEnd type="arrow"/>
+          </a:ln>
+        </p:spPr>
+        <p:style>
+          <a:lnRef idx="2">
+            <a:schemeClr val="dk1"/>
+          </a:lnRef>
+          <a:fillRef idx="0">
+            <a:schemeClr val="dk1"/>
+          </a:fillRef>
+          <a:effectRef idx="1">
+            <a:schemeClr val="dk1"/>
+          </a:effectRef>
+          <a:fontRef idx="minor">
+            <a:schemeClr val="tx1"/>
+          </a:fontRef>
+        </p:style>
+      </p:cxnSp>
+      <p:sp>
+        <p:nvSpPr>
+          <p:cNvPr id="46" name="TextBox 45"/>
+          <p:cNvSpPr txBox="1"/>
+          <p:nvPr/>
+        </p:nvSpPr>
+        <p:spPr>
+          <a:xfrm rot="18254327">
+            <a:off x="3432068" y="3706559"/>
+            <a:ext cx="609600" cy="461665"/>
+          </a:xfrm>
+          <a:prstGeom prst="rect">
+            <a:avLst/>
+          </a:prstGeom>
+          <a:noFill/>
+        </p:spPr>
+        <p:txBody>
+          <a:bodyPr wrap="square" rtlCol="0">
+            <a:spAutoFit/>
+          </a:bodyPr>
+          <a:lstStyle/>
+          <a:p>
+            <a:r>
+              <a:rPr lang="en-US" sz="2400" dirty="0" smtClean="0"/>
+              <a:t>0</a:t>
+            </a:r>
+            <a:r>
+              <a:rPr lang="en-US" sz="2400" dirty="0" smtClean="0"/>
+              <a:t>/0</a:t>
+            </a:r>
+            <a:endParaRPr lang="en-IN" sz="2400" dirty="0"/>
+          </a:p>
+        </p:txBody>
+      </p:sp>
+      <p:sp>
+        <p:nvSpPr>
+          <p:cNvPr id="47" name="TextBox 46"/>
+          <p:cNvSpPr txBox="1"/>
+          <p:nvPr/>
+        </p:nvSpPr>
+        <p:spPr>
+          <a:xfrm rot="1448736">
+            <a:off x="4727468" y="1268161"/>
+            <a:ext cx="609600" cy="461665"/>
+          </a:xfrm>
+          <a:prstGeom prst="rect">
+            <a:avLst/>
+          </a:prstGeom>
+          <a:noFill/>
+        </p:spPr>
+        <p:txBody>
+          <a:bodyPr wrap="square" rtlCol="0">
+            <a:spAutoFit/>
+          </a:bodyPr>
+          <a:lstStyle/>
+          <a:p>
+            <a:r>
+              <a:rPr lang="en-US" sz="2400" dirty="0" smtClean="0"/>
+              <a:t>0</a:t>
+            </a:r>
+            <a:r>
+              <a:rPr lang="en-US" sz="2400" dirty="0" smtClean="0"/>
+              <a:t>/0</a:t>
+            </a:r>
+            <a:endParaRPr lang="en-IN" sz="2400" dirty="0"/>
+          </a:p>
+        </p:txBody>
+      </p:sp>
+      <p:sp>
+        <p:nvSpPr>
+          <p:cNvPr id="48" name="Rectangle 47"/>
+          <p:cNvSpPr/>
+          <p:nvPr/>
+        </p:nvSpPr>
+        <p:spPr>
+          <a:xfrm rot="1602986">
+            <a:off x="7262301" y="3916234"/>
+            <a:ext cx="614271" cy="461665"/>
+          </a:xfrm>
+          <a:prstGeom prst="rect">
+            <a:avLst/>
+          </a:prstGeom>
+        </p:spPr>
+        <p:txBody>
+          <a:bodyPr wrap="none">
+            <a:spAutoFit/>
+          </a:bodyPr>
+          <a:lstStyle/>
+          <a:p>
+            <a:r>
+              <a:rPr lang="en-US" sz="2400" dirty="0" smtClean="0"/>
+              <a:t>1/0</a:t>
+            </a:r>
+            <a:endParaRPr lang="en-IN" sz="2400" dirty="0"/>
+          </a:p>
+        </p:txBody>
+      </p:sp>
+      <p:sp>
+        <p:nvSpPr>
+          <p:cNvPr id="49" name="TextBox 48"/>
+          <p:cNvSpPr txBox="1"/>
+          <p:nvPr/>
+        </p:nvSpPr>
+        <p:spPr>
+          <a:xfrm>
+            <a:off x="152400" y="1219200"/>
+            <a:ext cx="3810000" cy="584775"/>
+          </a:xfrm>
+          <a:prstGeom prst="rect">
+            <a:avLst/>
+          </a:prstGeom>
+          <a:noFill/>
+        </p:spPr>
+        <p:txBody>
+          <a:bodyPr wrap="square" rtlCol="0">
+            <a:spAutoFit/>
+          </a:bodyPr>
+          <a:lstStyle/>
+          <a:p>
+            <a:r>
+              <a:rPr lang="en-US" sz="3200" dirty="0" smtClean="0"/>
+              <a:t>Input Sequence - 101</a:t>
+            </a:r>
+            <a:endParaRPr lang="en-IN" sz="3200" dirty="0"/>
+          </a:p>
+        </p:txBody>
+      </p:sp>
+      <p:sp>
+        <p:nvSpPr>
+          <p:cNvPr id="50" name="TextBox 49"/>
+          <p:cNvSpPr txBox="1"/>
+          <p:nvPr/>
+        </p:nvSpPr>
+        <p:spPr>
+          <a:xfrm>
+            <a:off x="3124200" y="5867400"/>
+            <a:ext cx="4267200" cy="769441"/>
+          </a:xfrm>
+          <a:prstGeom prst="rect">
+            <a:avLst/>
+          </a:prstGeom>
+          <a:noFill/>
+        </p:spPr>
+        <p:txBody>
+          <a:bodyPr wrap="square" rtlCol="0">
+            <a:spAutoFit/>
+          </a:bodyPr>
+          <a:lstStyle/>
+          <a:p>
+            <a:r>
+              <a:rPr lang="en-US" sz="4400" dirty="0" smtClean="0"/>
+              <a:t>State Diagram</a:t>
+            </a:r>
+            <a:endParaRPr lang="en-IN" sz="4400" dirty="0"/>
+          </a:p>
+        </p:txBody>
+      </p:sp>
+    </p:spTree>
+  </p:cSld>
+  <p:clrMapOvr>
+    <a:masterClrMapping/>
+  </p:clrMapOvr>
+</p:sld>
+</file>
+
+<file path=ppt/slides/slide12.xml><?xml version="1.0" encoding="utf-8"?>
+<p:sld xmlns:a="http://schemas.openxmlformats.org/drawingml/2006/main" xmlns:r="http://schemas.openxmlformats.org/officeDocument/2006/relationships" xmlns:p="http://schemas.openxmlformats.org/presentationml/2006/main">
+  <p:cSld>
+    <p:spTree>
+      <p:nvGrpSpPr>
+        <p:cNvPr id="1" name=""/>
+        <p:cNvGrpSpPr/>
+        <p:nvPr/>
+      </p:nvGrpSpPr>
+      <p:grpSpPr>
+        <a:xfrm>
+          <a:off x="0" y="0"/>
+          <a:ext cx="0" cy="0"/>
+          <a:chOff x="0" y="0"/>
+          <a:chExt cx="0" cy="0"/>
+        </a:xfrm>
+      </p:grpSpPr>
+      <p:sp>
+        <p:nvSpPr>
+          <p:cNvPr id="2" name="Title 1"/>
+          <p:cNvSpPr>
+            <a:spLocks noGrp="1"/>
+          </p:cNvSpPr>
+          <p:nvPr>
+            <p:ph type="title"/>
+          </p:nvPr>
+        </p:nvSpPr>
+        <p:spPr/>
+        <p:txBody>
+          <a:bodyPr/>
+          <a:lstStyle/>
+          <a:p>
+            <a:r>
+              <a:rPr lang="en-US" dirty="0" smtClean="0">
+                <a:solidFill>
+                  <a:srgbClr val="FFFF00"/>
+                </a:solidFill>
+              </a:rPr>
+              <a:t>Overlapping</a:t>
+            </a:r>
+            <a:endParaRPr lang="en-IN" dirty="0">
+              <a:solidFill>
+                <a:srgbClr val="FFFF00"/>
+              </a:solidFill>
+            </a:endParaRPr>
+          </a:p>
+        </p:txBody>
+      </p:sp>
+      <p:sp>
+        <p:nvSpPr>
+          <p:cNvPr id="3" name="Content Placeholder 2"/>
+          <p:cNvSpPr>
+            <a:spLocks noGrp="1"/>
+          </p:cNvSpPr>
+          <p:nvPr>
+            <p:ph idx="1"/>
+          </p:nvPr>
+        </p:nvSpPr>
+        <p:spPr/>
+        <p:txBody>
+          <a:bodyPr>
+            <a:normAutofit fontScale="92500" lnSpcReduction="10000"/>
+          </a:bodyPr>
+          <a:lstStyle/>
+          <a:p>
+            <a:r>
+              <a:rPr lang="en-US" dirty="0" smtClean="0"/>
+              <a:t>In an overlapping sequence detector, some bits from the end part of input sequence may repeat/be included in the next sequence in beginning for sequence detection.</a:t>
+            </a:r>
+          </a:p>
+          <a:p>
+            <a:r>
+              <a:rPr lang="en-US" dirty="0" smtClean="0"/>
+              <a:t>For example (detection of 1001) – </a:t>
+            </a:r>
+            <a:endParaRPr lang="en-US" dirty="0" smtClean="0"/>
+          </a:p>
+          <a:p>
+            <a:pPr>
+              <a:buNone/>
+            </a:pPr>
+            <a:r>
+              <a:rPr lang="en-US" dirty="0" smtClean="0"/>
+              <a:t>		   Input Sequence – 100100110</a:t>
+            </a:r>
+          </a:p>
+          <a:p>
+            <a:pPr>
+              <a:buNone/>
+            </a:pPr>
+            <a:r>
+              <a:rPr lang="en-US" dirty="0" smtClean="0"/>
+              <a:t>	</a:t>
+            </a:r>
+            <a:r>
+              <a:rPr lang="en-US" dirty="0" smtClean="0"/>
+              <a:t>	Output Sequence – 000</a:t>
+            </a:r>
+            <a:r>
+              <a:rPr lang="en-US" b="1" dirty="0" smtClean="0"/>
+              <a:t>1</a:t>
+            </a:r>
+            <a:r>
+              <a:rPr lang="en-US" dirty="0" smtClean="0"/>
+              <a:t>00</a:t>
+            </a:r>
+            <a:r>
+              <a:rPr lang="en-US" b="1" dirty="0" smtClean="0"/>
+              <a:t>1</a:t>
+            </a:r>
+            <a:r>
+              <a:rPr lang="en-US" dirty="0" smtClean="0"/>
+              <a:t>00</a:t>
+            </a:r>
+          </a:p>
+          <a:p>
+            <a:r>
+              <a:rPr lang="en-US" dirty="0" smtClean="0"/>
+              <a:t>The sequence detector resets itself to some state than the initial state for the overlapping bit(s).</a:t>
+            </a:r>
+          </a:p>
+          <a:p>
+            <a:endParaRPr lang="en-IN" dirty="0" smtClean="0"/>
+          </a:p>
+        </p:txBody>
+      </p:sp>
+    </p:spTree>
+  </p:cSld>
+  <p:clrMapOvr>
+    <a:masterClrMapping/>
+  </p:clrMapOvr>
+</p:sld>
+</file>
+
+<file path=ppt/slides/slide13.xml><?xml version="1.0" encoding="utf-8"?>
+<p:sld xmlns:a="http://schemas.openxmlformats.org/drawingml/2006/main" xmlns:r="http://schemas.openxmlformats.org/officeDocument/2006/relationships" xmlns:p="http://schemas.openxmlformats.org/presentationml/2006/main">
+  <p:cSld>
+    <p:spTree>
+      <p:nvGrpSpPr>
+        <p:cNvPr id="1" name=""/>
+        <p:cNvGrpSpPr/>
+        <p:nvPr/>
+      </p:nvGrpSpPr>
+      <p:grpSpPr>
+        <a:xfrm>
+          <a:off x="0" y="0"/>
+          <a:ext cx="0" cy="0"/>
+          <a:chOff x="0" y="0"/>
+          <a:chExt cx="0" cy="0"/>
+        </a:xfrm>
+      </p:grpSpPr>
+      <p:sp>
+        <p:nvSpPr>
+          <p:cNvPr id="2" name="Title 1"/>
+          <p:cNvSpPr>
+            <a:spLocks noGrp="1"/>
+          </p:cNvSpPr>
+          <p:nvPr>
+            <p:ph type="title"/>
+          </p:nvPr>
+        </p:nvSpPr>
+        <p:spPr>
+          <a:xfrm>
+            <a:off x="457200" y="228600"/>
+            <a:ext cx="8229600" cy="1143000"/>
+          </a:xfrm>
+        </p:spPr>
+        <p:txBody>
+          <a:bodyPr/>
+          <a:lstStyle/>
+          <a:p>
+            <a:r>
+              <a:rPr lang="en-US" dirty="0" smtClean="0">
+                <a:solidFill>
+                  <a:srgbClr val="FFFF00"/>
+                </a:solidFill>
+              </a:rPr>
+              <a:t>Example</a:t>
+            </a:r>
+            <a:endParaRPr lang="en-IN" dirty="0">
+              <a:solidFill>
+                <a:srgbClr val="FFFF00"/>
+              </a:solidFill>
+            </a:endParaRPr>
+          </a:p>
+        </p:txBody>
+      </p:sp>
+      <p:sp>
+        <p:nvSpPr>
+          <p:cNvPr id="3" name="TextBox 2"/>
+          <p:cNvSpPr txBox="1"/>
+          <p:nvPr/>
+        </p:nvSpPr>
+        <p:spPr>
+          <a:xfrm>
+            <a:off x="0" y="1143000"/>
+            <a:ext cx="4572000" cy="584775"/>
+          </a:xfrm>
+          <a:prstGeom prst="rect">
+            <a:avLst/>
+          </a:prstGeom>
+          <a:noFill/>
+        </p:spPr>
+        <p:txBody>
+          <a:bodyPr wrap="square" rtlCol="0">
+            <a:spAutoFit/>
+          </a:bodyPr>
+          <a:lstStyle/>
+          <a:p>
+            <a:r>
+              <a:rPr lang="en-US" sz="3200" dirty="0" smtClean="0"/>
+              <a:t>Input Sequence - 1001001</a:t>
+            </a:r>
+            <a:endParaRPr lang="en-IN" sz="3200" dirty="0"/>
+          </a:p>
+        </p:txBody>
+      </p:sp>
+      <p:sp>
+        <p:nvSpPr>
+          <p:cNvPr id="4" name="Oval 3"/>
+          <p:cNvSpPr/>
+          <p:nvPr/>
+        </p:nvSpPr>
+        <p:spPr>
+          <a:xfrm>
+            <a:off x="4419600" y="2286000"/>
+            <a:ext cx="914400" cy="914400"/>
+          </a:xfrm>
+          <a:prstGeom prst="ellipse">
+            <a:avLst/>
+          </a:prstGeom>
+        </p:spPr>
+        <p:style>
+          <a:lnRef idx="2">
+            <a:schemeClr val="accent3">
+              <a:shade val="50000"/>
+            </a:schemeClr>
+          </a:lnRef>
+          <a:fillRef idx="1">
+            <a:schemeClr val="accent3"/>
+          </a:fillRef>
+          <a:effectRef idx="0">
+            <a:schemeClr val="accent3"/>
+          </a:effectRef>
+          <a:fontRef idx="minor">
+            <a:schemeClr val="lt1"/>
+          </a:fontRef>
+        </p:style>
+        <p:txBody>
+          <a:bodyPr rtlCol="0" anchor="ctr"/>
+          <a:lstStyle/>
+          <a:p>
+            <a:pPr algn="ctr"/>
+            <a:r>
+              <a:rPr lang="en-US" sz="3200" b="1" dirty="0" smtClean="0"/>
+              <a:t>S0</a:t>
+            </a:r>
+            <a:endParaRPr lang="en-IN" sz="3200" b="1" dirty="0"/>
+          </a:p>
+        </p:txBody>
+      </p:sp>
+      <p:sp>
+        <p:nvSpPr>
+          <p:cNvPr id="5" name="Oval 4"/>
+          <p:cNvSpPr/>
+          <p:nvPr/>
+        </p:nvSpPr>
+        <p:spPr>
+          <a:xfrm>
+            <a:off x="4419600" y="5486400"/>
+            <a:ext cx="914400" cy="914400"/>
+          </a:xfrm>
+          <a:prstGeom prst="ellipse">
+            <a:avLst/>
+          </a:prstGeom>
+        </p:spPr>
+        <p:style>
+          <a:lnRef idx="2">
+            <a:schemeClr val="accent3">
+              <a:shade val="50000"/>
+            </a:schemeClr>
+          </a:lnRef>
+          <a:fillRef idx="1">
+            <a:schemeClr val="accent3"/>
+          </a:fillRef>
+          <a:effectRef idx="0">
+            <a:schemeClr val="accent3"/>
+          </a:effectRef>
+          <a:fontRef idx="minor">
+            <a:schemeClr val="lt1"/>
+          </a:fontRef>
+        </p:style>
+        <p:txBody>
+          <a:bodyPr rtlCol="0" anchor="ctr"/>
+          <a:lstStyle/>
+          <a:p>
+            <a:pPr algn="ctr"/>
+            <a:r>
+              <a:rPr lang="en-US" sz="3200" b="1" dirty="0" smtClean="0"/>
+              <a:t>S2</a:t>
+            </a:r>
+            <a:endParaRPr lang="en-IN" sz="3200" b="1" dirty="0"/>
+          </a:p>
+        </p:txBody>
+      </p:sp>
+      <p:sp>
+        <p:nvSpPr>
+          <p:cNvPr id="6" name="Oval 5"/>
+          <p:cNvSpPr/>
+          <p:nvPr/>
+        </p:nvSpPr>
+        <p:spPr>
+          <a:xfrm>
+            <a:off x="6781800" y="3886200"/>
+            <a:ext cx="914400" cy="914400"/>
+          </a:xfrm>
+          <a:prstGeom prst="ellipse">
+            <a:avLst/>
+          </a:prstGeom>
+        </p:spPr>
+        <p:style>
+          <a:lnRef idx="2">
+            <a:schemeClr val="accent3">
+              <a:shade val="50000"/>
+            </a:schemeClr>
+          </a:lnRef>
+          <a:fillRef idx="1">
+            <a:schemeClr val="accent3"/>
+          </a:fillRef>
+          <a:effectRef idx="0">
+            <a:schemeClr val="accent3"/>
+          </a:effectRef>
+          <a:fontRef idx="minor">
+            <a:schemeClr val="lt1"/>
+          </a:fontRef>
+        </p:style>
+        <p:txBody>
+          <a:bodyPr rtlCol="0" anchor="ctr"/>
+          <a:lstStyle/>
+          <a:p>
+            <a:pPr algn="ctr"/>
+            <a:r>
+              <a:rPr lang="en-US" sz="3200" b="1" dirty="0" smtClean="0"/>
+              <a:t>S1</a:t>
+            </a:r>
+            <a:endParaRPr lang="en-IN" sz="3200" b="1" dirty="0"/>
+          </a:p>
+        </p:txBody>
+      </p:sp>
+      <p:sp>
+        <p:nvSpPr>
+          <p:cNvPr id="7" name="Oval 6"/>
+          <p:cNvSpPr/>
+          <p:nvPr/>
+        </p:nvSpPr>
+        <p:spPr>
+          <a:xfrm>
+            <a:off x="1981200" y="3886200"/>
+            <a:ext cx="914400" cy="914400"/>
+          </a:xfrm>
+          <a:prstGeom prst="ellipse">
+            <a:avLst/>
+          </a:prstGeom>
+        </p:spPr>
+        <p:style>
+          <a:lnRef idx="2">
+            <a:schemeClr val="accent3">
+              <a:shade val="50000"/>
+            </a:schemeClr>
+          </a:lnRef>
+          <a:fillRef idx="1">
+            <a:schemeClr val="accent3"/>
+          </a:fillRef>
+          <a:effectRef idx="0">
+            <a:schemeClr val="accent3"/>
+          </a:effectRef>
+          <a:fontRef idx="minor">
+            <a:schemeClr val="lt1"/>
+          </a:fontRef>
+        </p:style>
+        <p:txBody>
+          <a:bodyPr rtlCol="0" anchor="ctr"/>
+          <a:lstStyle/>
+          <a:p>
+            <a:pPr algn="ctr"/>
+            <a:r>
+              <a:rPr lang="en-US" sz="3200" b="1" dirty="0" smtClean="0"/>
+              <a:t>S3</a:t>
+            </a:r>
+            <a:endParaRPr lang="en-IN" sz="3200" b="1" dirty="0"/>
+          </a:p>
+        </p:txBody>
+      </p:sp>
+      <p:cxnSp>
+        <p:nvCxnSpPr>
+          <p:cNvPr id="9" name="Straight Arrow Connector 8"/>
+          <p:cNvCxnSpPr/>
+          <p:nvPr/>
+        </p:nvCxnSpPr>
+        <p:spPr>
+          <a:xfrm>
+            <a:off x="5257800" y="2971800"/>
+            <a:ext cx="1524000" cy="1142999"/>
+          </a:xfrm>
+          <a:prstGeom prst="straightConnector1">
+            <a:avLst/>
+          </a:prstGeom>
+          <a:ln>
+            <a:tailEnd type="arrow"/>
+          </a:ln>
+        </p:spPr>
+        <p:style>
+          <a:lnRef idx="1">
+            <a:schemeClr val="dk1"/>
+          </a:lnRef>
+          <a:fillRef idx="0">
+            <a:schemeClr val="dk1"/>
+          </a:fillRef>
+          <a:effectRef idx="0">
+            <a:schemeClr val="dk1"/>
+          </a:effectRef>
+          <a:fontRef idx="minor">
+            <a:schemeClr val="tx1"/>
+          </a:fontRef>
+        </p:style>
+      </p:cxnSp>
+      <p:cxnSp>
+        <p:nvCxnSpPr>
+          <p:cNvPr id="10" name="Straight Arrow Connector 9"/>
+          <p:cNvCxnSpPr>
+            <a:stCxn id="7" idx="7"/>
+          </p:cNvCxnSpPr>
+          <p:nvPr/>
+        </p:nvCxnSpPr>
+        <p:spPr>
+          <a:xfrm rot="5400000" flipH="1" flipV="1">
+            <a:off x="3028389" y="2628901"/>
+            <a:ext cx="1124511" cy="1657911"/>
+          </a:xfrm>
+          <a:prstGeom prst="straightConnector1">
+            <a:avLst/>
+          </a:prstGeom>
+          <a:ln>
+            <a:tailEnd type="arrow"/>
+          </a:ln>
+        </p:spPr>
+        <p:style>
+          <a:lnRef idx="1">
+            <a:schemeClr val="dk1"/>
+          </a:lnRef>
+          <a:fillRef idx="0">
+            <a:schemeClr val="dk1"/>
+          </a:fillRef>
+          <a:effectRef idx="0">
+            <a:schemeClr val="dk1"/>
+          </a:effectRef>
+          <a:fontRef idx="minor">
+            <a:schemeClr val="tx1"/>
+          </a:fontRef>
+        </p:style>
+      </p:cxnSp>
+      <p:cxnSp>
+        <p:nvCxnSpPr>
+          <p:cNvPr id="11" name="Straight Arrow Connector 10"/>
+          <p:cNvCxnSpPr>
+            <a:stCxn id="7" idx="6"/>
+            <a:endCxn id="6" idx="2"/>
+          </p:cNvCxnSpPr>
+          <p:nvPr/>
+        </p:nvCxnSpPr>
+        <p:spPr>
+          <a:xfrm>
+            <a:off x="2895600" y="4343400"/>
+            <a:ext cx="3886200" cy="1588"/>
+          </a:xfrm>
+          <a:prstGeom prst="straightConnector1">
+            <a:avLst/>
+          </a:prstGeom>
+          <a:ln>
+            <a:tailEnd type="arrow"/>
+          </a:ln>
+        </p:spPr>
+        <p:style>
+          <a:lnRef idx="1">
+            <a:schemeClr val="dk1"/>
+          </a:lnRef>
+          <a:fillRef idx="0">
+            <a:schemeClr val="dk1"/>
+          </a:fillRef>
+          <a:effectRef idx="0">
+            <a:schemeClr val="dk1"/>
+          </a:effectRef>
+          <a:fontRef idx="minor">
+            <a:schemeClr val="tx1"/>
+          </a:fontRef>
+        </p:style>
+      </p:cxnSp>
+      <p:cxnSp>
+        <p:nvCxnSpPr>
+          <p:cNvPr id="12" name="Straight Arrow Connector 11"/>
+          <p:cNvCxnSpPr/>
+          <p:nvPr/>
+        </p:nvCxnSpPr>
+        <p:spPr>
+          <a:xfrm rot="10800000" flipV="1">
+            <a:off x="5334000" y="4571998"/>
+            <a:ext cx="1447802" cy="1143001"/>
+          </a:xfrm>
+          <a:prstGeom prst="straightConnector1">
+            <a:avLst/>
+          </a:prstGeom>
+          <a:ln>
+            <a:tailEnd type="arrow"/>
+          </a:ln>
+        </p:spPr>
+        <p:style>
+          <a:lnRef idx="1">
+            <a:schemeClr val="dk1"/>
+          </a:lnRef>
+          <a:fillRef idx="0">
+            <a:schemeClr val="dk1"/>
+          </a:fillRef>
+          <a:effectRef idx="0">
+            <a:schemeClr val="dk1"/>
+          </a:effectRef>
+          <a:fontRef idx="minor">
+            <a:schemeClr val="tx1"/>
+          </a:fontRef>
+        </p:style>
+      </p:cxnSp>
+      <p:cxnSp>
+        <p:nvCxnSpPr>
+          <p:cNvPr id="13" name="Straight Arrow Connector 12"/>
+          <p:cNvCxnSpPr>
+            <a:stCxn id="5" idx="6"/>
+            <a:endCxn id="6" idx="3"/>
+          </p:cNvCxnSpPr>
+          <p:nvPr/>
+        </p:nvCxnSpPr>
+        <p:spPr>
+          <a:xfrm flipV="1">
+            <a:off x="5334000" y="4666689"/>
+            <a:ext cx="1581711" cy="1276911"/>
+          </a:xfrm>
+          <a:prstGeom prst="straightConnector1">
+            <a:avLst/>
+          </a:prstGeom>
+          <a:ln>
+            <a:tailEnd type="arrow"/>
+          </a:ln>
+        </p:spPr>
+        <p:style>
+          <a:lnRef idx="1">
+            <a:schemeClr val="dk1"/>
+          </a:lnRef>
+          <a:fillRef idx="0">
+            <a:schemeClr val="dk1"/>
+          </a:fillRef>
+          <a:effectRef idx="0">
+            <a:schemeClr val="dk1"/>
+          </a:effectRef>
+          <a:fontRef idx="minor">
+            <a:schemeClr val="tx1"/>
+          </a:fontRef>
+        </p:style>
+      </p:cxnSp>
+      <p:cxnSp>
+        <p:nvCxnSpPr>
+          <p:cNvPr id="14" name="Straight Arrow Connector 13"/>
+          <p:cNvCxnSpPr/>
+          <p:nvPr/>
+        </p:nvCxnSpPr>
+        <p:spPr>
+          <a:xfrm rot="10800000">
+            <a:off x="2819400" y="4572000"/>
+            <a:ext cx="1676400" cy="1219200"/>
+          </a:xfrm>
+          <a:prstGeom prst="straightConnector1">
+            <a:avLst/>
+          </a:prstGeom>
+          <a:ln>
+            <a:tailEnd type="arrow"/>
+          </a:ln>
+        </p:spPr>
+        <p:style>
+          <a:lnRef idx="1">
+            <a:schemeClr val="dk1"/>
+          </a:lnRef>
+          <a:fillRef idx="0">
+            <a:schemeClr val="dk1"/>
+          </a:fillRef>
+          <a:effectRef idx="0">
+            <a:schemeClr val="dk1"/>
+          </a:effectRef>
+          <a:fontRef idx="minor">
+            <a:schemeClr val="tx1"/>
+          </a:fontRef>
+        </p:style>
+      </p:cxnSp>
+      <p:cxnSp>
+        <p:nvCxnSpPr>
+          <p:cNvPr id="48" name="Curved Connector 28"/>
+          <p:cNvCxnSpPr/>
+          <p:nvPr/>
+        </p:nvCxnSpPr>
+        <p:spPr>
+          <a:xfrm flipH="1" flipV="1">
+            <a:off x="7467600" y="3886200"/>
+            <a:ext cx="228599" cy="419100"/>
+          </a:xfrm>
+          <a:prstGeom prst="curvedConnector4">
+            <a:avLst>
+              <a:gd name="adj1" fmla="val -303078"/>
+              <a:gd name="adj2" fmla="val 230071"/>
+            </a:avLst>
+          </a:prstGeom>
+          <a:ln>
+            <a:tailEnd type="arrow"/>
+          </a:ln>
+        </p:spPr>
+        <p:style>
+          <a:lnRef idx="1">
+            <a:schemeClr val="dk1"/>
+          </a:lnRef>
+          <a:fillRef idx="0">
+            <a:schemeClr val="dk1"/>
+          </a:fillRef>
+          <a:effectRef idx="0">
+            <a:schemeClr val="dk1"/>
+          </a:effectRef>
+          <a:fontRef idx="minor">
+            <a:schemeClr val="tx1"/>
+          </a:fontRef>
+        </p:style>
+      </p:cxnSp>
+      <p:cxnSp>
+        <p:nvCxnSpPr>
+          <p:cNvPr id="51" name="Curved Connector 28"/>
+          <p:cNvCxnSpPr>
+            <a:stCxn id="4" idx="6"/>
+            <a:endCxn id="4" idx="1"/>
+          </p:cNvCxnSpPr>
+          <p:nvPr/>
+        </p:nvCxnSpPr>
+        <p:spPr>
+          <a:xfrm flipH="1" flipV="1">
+            <a:off x="4553511" y="2419911"/>
+            <a:ext cx="780489" cy="323289"/>
+          </a:xfrm>
+          <a:prstGeom prst="curvedConnector4">
+            <a:avLst>
+              <a:gd name="adj1" fmla="val -29289"/>
+              <a:gd name="adj2" fmla="val 281755"/>
+            </a:avLst>
+          </a:prstGeom>
+          <a:ln>
+            <a:tailEnd type="arrow"/>
+          </a:ln>
+        </p:spPr>
+        <p:style>
+          <a:lnRef idx="1">
+            <a:schemeClr val="dk1"/>
+          </a:lnRef>
+          <a:fillRef idx="0">
+            <a:schemeClr val="dk1"/>
+          </a:fillRef>
+          <a:effectRef idx="0">
+            <a:schemeClr val="dk1"/>
+          </a:effectRef>
+          <a:fontRef idx="minor">
+            <a:schemeClr val="tx1"/>
+          </a:fontRef>
+        </p:style>
+      </p:cxnSp>
+    </p:spTree>
+  </p:cSld>
+  <p:clrMapOvr>
+    <a:masterClrMapping/>
+  </p:clrMapOvr>
+</p:sld>
+</file>
+
 <file path=ppt/slides/slide2.xml><?xml version="1.0" encoding="utf-8"?>
 <p:sld xmlns:a="http://schemas.openxmlformats.org/drawingml/2006/main" xmlns:r="http://schemas.openxmlformats.org/officeDocument/2006/relationships" xmlns:p="http://schemas.openxmlformats.org/presentationml/2006/main">
   <p:cSld>
@@ -3538,32 +5517,45 @@
           <a:lstStyle/>
           <a:p>
             <a:r>
+              <a:rPr lang="en-US" dirty="0" smtClean="0">
+                <a:solidFill>
+                  <a:srgbClr val="FFFF00"/>
+                </a:solidFill>
+              </a:rPr>
+              <a:t>Contents</a:t>
+            </a:r>
+            <a:endParaRPr lang="en-US" dirty="0">
+              <a:solidFill>
+                <a:srgbClr val="FFFF00"/>
+              </a:solidFill>
+            </a:endParaRPr>
+          </a:p>
+        </p:txBody>
+      </p:sp>
+      <p:sp>
+        <p:nvSpPr>
+          <p:cNvPr id="3" name="Content Placeholder 2"/>
+          <p:cNvSpPr>
+            <a:spLocks noGrp="1"/>
+          </p:cNvSpPr>
+          <p:nvPr>
+            <p:ph idx="1"/>
+          </p:nvPr>
+        </p:nvSpPr>
+        <p:spPr/>
+        <p:txBody>
+          <a:bodyPr/>
+          <a:lstStyle/>
+          <a:p>
+            <a:r>
               <a:rPr lang="en-US" dirty="0" smtClean="0"/>
-              <a:t>Contents</a:t>
-            </a:r>
-            <a:endParaRPr lang="en-US" dirty="0"/>
-          </a:p>
-        </p:txBody>
-      </p:sp>
-      <p:sp>
-        <p:nvSpPr>
-          <p:cNvPr id="3" name="Content Placeholder 2"/>
-          <p:cNvSpPr>
-            <a:spLocks noGrp="1"/>
-          </p:cNvSpPr>
-          <p:nvPr>
-            <p:ph idx="1"/>
-          </p:nvPr>
-        </p:nvSpPr>
-        <p:spPr/>
-        <p:txBody>
-          <a:bodyPr/>
-          <a:lstStyle/>
-          <a:p>
+              <a:t>Introduction to State </a:t>
+            </a:r>
             <a:r>
               <a:rPr lang="en-US" dirty="0" smtClean="0"/>
-              <a:t>Introduction to State Machines – Need</a:t>
-            </a:r>
+              <a:t>Machine</a:t>
+            </a:r>
+            <a:endParaRPr lang="en-US" dirty="0" smtClean="0"/>
           </a:p>
           <a:p>
             <a:r>
@@ -3617,6 +5609,13 @@
   <p:clrMapOvr>
     <a:masterClrMapping/>
   </p:clrMapOvr>
+  <p:timing>
+    <p:tnLst>
+      <p:par>
+        <p:cTn id="1" dur="indefinite" restart="never" nodeType="tmRoot"/>
+      </p:par>
+    </p:tnLst>
+  </p:timing>
 </p:sld>
 </file>
 
@@ -3639,7 +5638,7 @@
       </p:grpSpPr>
       <p:sp>
         <p:nvSpPr>
-          <p:cNvPr id="4" name="Title 3"/>
+          <p:cNvPr id="2" name="Title 1"/>
           <p:cNvSpPr>
             <a:spLocks noGrp="1"/>
           </p:cNvSpPr>
@@ -3649,83 +5648,166 @@
         </p:nvSpPr>
         <p:spPr/>
         <p:txBody>
+          <a:bodyPr rtlCol="0">
+            <a:normAutofit/>
+          </a:bodyPr>
+          <a:lstStyle/>
+          <a:p>
+            <a:pPr fontAlgn="auto">
+              <a:spcAft>
+                <a:spcPts val="0"/>
+              </a:spcAft>
+              <a:defRPr/>
+            </a:pPr>
+            <a:r>
+              <a:rPr lang="en-US" dirty="0" smtClean="0">
+                <a:solidFill>
+                  <a:srgbClr val="FFFF00"/>
+                </a:solidFill>
+              </a:rPr>
+              <a:t>The State </a:t>
+            </a:r>
+            <a:r>
+              <a:rPr lang="en-US" dirty="0" smtClean="0">
+                <a:solidFill>
+                  <a:srgbClr val="FFFF00"/>
+                </a:solidFill>
+              </a:rPr>
+              <a:t>Machine</a:t>
+            </a:r>
+            <a:endParaRPr lang="en-IN" dirty="0">
+              <a:solidFill>
+                <a:srgbClr val="FFFF00"/>
+              </a:solidFill>
+            </a:endParaRPr>
+          </a:p>
+        </p:txBody>
+      </p:sp>
+      <p:sp>
+        <p:nvSpPr>
+          <p:cNvPr id="3" name="Subtitle 2"/>
+          <p:cNvSpPr>
+            <a:spLocks noGrp="1"/>
+          </p:cNvSpPr>
+          <p:nvPr>
+            <p:ph sz="half" idx="1"/>
+          </p:nvPr>
+        </p:nvSpPr>
+        <p:spPr>
+          <a:xfrm>
+            <a:off x="0" y="1600200"/>
+            <a:ext cx="4114800" cy="4525963"/>
+          </a:xfrm>
+        </p:spPr>
+        <p:txBody>
+          <a:bodyPr rtlCol="0">
+            <a:normAutofit/>
+          </a:bodyPr>
+          <a:lstStyle/>
+          <a:p>
+            <a:pPr fontAlgn="auto">
+              <a:spcAft>
+                <a:spcPts val="0"/>
+              </a:spcAft>
+              <a:buFont typeface="Arial" pitchFamily="34" charset="0"/>
+              <a:buNone/>
+              <a:defRPr/>
+            </a:pPr>
+            <a:r>
+              <a:rPr lang="en-US" sz="2800" dirty="0" smtClean="0">
+                <a:solidFill>
+                  <a:schemeClr val="tx1"/>
+                </a:solidFill>
+              </a:rPr>
+              <a:t>    </a:t>
+            </a:r>
+            <a:r>
+              <a:rPr lang="en-US" sz="3200" dirty="0" smtClean="0">
+                <a:solidFill>
+                  <a:schemeClr val="tx1"/>
+                </a:solidFill>
+              </a:rPr>
+              <a:t>A </a:t>
+            </a:r>
+            <a:r>
+              <a:rPr lang="en-US" sz="3200" dirty="0" smtClean="0">
+                <a:solidFill>
+                  <a:schemeClr val="tx1"/>
+                </a:solidFill>
+              </a:rPr>
+              <a:t>state machine or finite state machine (FSM) is an abstract model describing the synchronous  sequential machine.</a:t>
+            </a:r>
+            <a:endParaRPr lang="en-IN" sz="3200" dirty="0">
+              <a:solidFill>
+                <a:schemeClr val="tx1"/>
+              </a:solidFill>
+            </a:endParaRPr>
+          </a:p>
+        </p:txBody>
+      </p:sp>
+      <p:sp>
+        <p:nvSpPr>
+          <p:cNvPr id="5" name="Content Placeholder 4"/>
+          <p:cNvSpPr>
+            <a:spLocks noGrp="1"/>
+          </p:cNvSpPr>
+          <p:nvPr>
+            <p:ph sz="half" idx="2"/>
+          </p:nvPr>
+        </p:nvSpPr>
+        <p:spPr/>
+        <p:txBody>
           <a:bodyPr/>
           <a:lstStyle/>
           <a:p>
-            <a:r>
-              <a:rPr lang="en-US" dirty="0" smtClean="0"/>
-              <a:t>Sequence Detector</a:t>
-            </a:r>
-            <a:endParaRPr lang="en-US" dirty="0"/>
-          </a:p>
-        </p:txBody>
-      </p:sp>
-      <p:sp>
-        <p:nvSpPr>
-          <p:cNvPr id="5" name="Content Placeholder 4"/>
-          <p:cNvSpPr>
-            <a:spLocks noGrp="1"/>
-          </p:cNvSpPr>
-          <p:nvPr>
-            <p:ph idx="1"/>
-          </p:nvPr>
-        </p:nvSpPr>
-        <p:spPr/>
-        <p:txBody>
-          <a:bodyPr/>
-          <a:lstStyle/>
-          <a:p>
-            <a:r>
-              <a:rPr lang="en-US" dirty="0" smtClean="0"/>
-              <a:t>A sequence detector detects a sequence which is an input string of 1 or 0 bits only.</a:t>
-            </a:r>
-          </a:p>
-          <a:p>
-            <a:r>
-              <a:rPr lang="en-US" dirty="0" smtClean="0"/>
-              <a:t>The output of detector goes to 1 only when the input sequence is detected.</a:t>
-            </a:r>
-          </a:p>
-          <a:p>
-            <a:r>
-              <a:rPr lang="en-US" dirty="0" smtClean="0"/>
-              <a:t>There are two basic types – </a:t>
-            </a:r>
-          </a:p>
-          <a:p>
-            <a:pPr>
-              <a:buNone/>
-            </a:pPr>
-            <a:r>
-              <a:rPr lang="en-US" dirty="0" smtClean="0"/>
-              <a:t>	</a:t>
-            </a:r>
-            <a:r>
-              <a:rPr lang="en-US" dirty="0" smtClean="0"/>
-              <a:t>1. Overlapping</a:t>
-            </a:r>
-          </a:p>
-          <a:p>
-            <a:pPr>
-              <a:buNone/>
-            </a:pPr>
-            <a:r>
-              <a:rPr lang="en-US" dirty="0" smtClean="0"/>
-              <a:t>	</a:t>
-            </a:r>
-            <a:r>
-              <a:rPr lang="en-US" dirty="0" smtClean="0"/>
-              <a:t>2. Non-Overlapping</a:t>
-            </a:r>
-            <a:endParaRPr lang="en-US" dirty="0"/>
-          </a:p>
-        </p:txBody>
-      </p:sp>
+            <a:endParaRPr lang="en-IN"/>
+          </a:p>
+        </p:txBody>
+      </p:sp>
+      <p:pic>
+        <p:nvPicPr>
+          <p:cNvPr id="3076" name="Picture 3" descr="New Doc 22_1.jpg"/>
+          <p:cNvPicPr>
+            <a:picLocks noChangeAspect="1"/>
+          </p:cNvPicPr>
+          <p:nvPr/>
+        </p:nvPicPr>
+        <p:blipFill>
+          <a:blip r:embed="rId2"/>
+          <a:srcRect/>
+          <a:stretch>
+            <a:fillRect/>
+          </a:stretch>
+        </p:blipFill>
+        <p:spPr bwMode="auto">
+          <a:xfrm>
+            <a:off x="4191000" y="1600200"/>
+            <a:ext cx="4786312" cy="3352800"/>
+          </a:xfrm>
+          <a:prstGeom prst="rect">
+            <a:avLst/>
+          </a:prstGeom>
+          <a:noFill/>
+          <a:ln w="9525">
+            <a:noFill/>
+            <a:miter lim="800000"/>
+            <a:headEnd/>
+            <a:tailEnd/>
+          </a:ln>
+        </p:spPr>
+      </p:pic>
     </p:spTree>
   </p:cSld>
   <p:clrMapOvr>
     <a:masterClrMapping/>
   </p:clrMapOvr>
+  <p:timing>
+    <p:tnLst>
+      <p:par>
+        <p:cTn id="1" dur="indefinite" restart="never" nodeType="tmRoot"/>
+      </p:par>
+    </p:tnLst>
+  </p:timing>
 </p:sld>
 </file>
 
@@ -3748,86 +5830,150 @@
       </p:grpSpPr>
       <p:sp>
         <p:nvSpPr>
-          <p:cNvPr id="2" name="Title 1"/>
-          <p:cNvSpPr>
-            <a:spLocks noGrp="1"/>
+          <p:cNvPr id="11266" name="Slide Number Placeholder 5"/>
+          <p:cNvSpPr>
+            <a:spLocks noGrp="1"/>
+          </p:cNvSpPr>
+          <p:nvPr>
+            <p:ph type="sldNum" sz="quarter" idx="12"/>
+          </p:nvPr>
+        </p:nvSpPr>
+        <p:spPr>
+          <a:ln>
+            <a:miter lim="800000"/>
+            <a:headEnd/>
+            <a:tailEnd/>
+          </a:ln>
+        </p:spPr>
+        <p:txBody>
+          <a:bodyPr/>
+          <a:lstStyle/>
+          <a:p>
+            <a:pPr>
+              <a:defRPr/>
+            </a:pPr>
+            <a:fld id="{4EBD2924-0560-418E-9EC3-765EE36D01C0}" type="slidenum">
+              <a:rPr lang="en-US" altLang="en-US"/>
+              <a:pPr>
+                <a:defRPr/>
+              </a:pPr>
+              <a:t>4</a:t>
+            </a:fld>
+            <a:endParaRPr lang="en-US" altLang="en-US"/>
+          </a:p>
+        </p:txBody>
+      </p:sp>
+      <p:sp>
+        <p:nvSpPr>
+          <p:cNvPr id="4099" name="Rectangle 2"/>
+          <p:cNvSpPr>
+            <a:spLocks noGrp="1" noChangeArrowheads="1"/>
           </p:cNvSpPr>
           <p:nvPr>
             <p:ph type="title"/>
           </p:nvPr>
         </p:nvSpPr>
-        <p:spPr/>
+        <p:spPr>
+          <a:xfrm>
+            <a:off x="457200" y="457200"/>
+            <a:ext cx="8229600" cy="906462"/>
+          </a:xfrm>
+        </p:spPr>
         <p:txBody>
           <a:bodyPr/>
           <a:lstStyle/>
           <a:p>
             <a:r>
-              <a:rPr lang="en-US" dirty="0" smtClean="0"/>
-              <a:t>Non - Overlapping</a:t>
-            </a:r>
-            <a:endParaRPr lang="en-US" dirty="0"/>
-          </a:p>
-        </p:txBody>
-      </p:sp>
-      <p:sp>
-        <p:nvSpPr>
-          <p:cNvPr id="3" name="Content Placeholder 2"/>
-          <p:cNvSpPr>
-            <a:spLocks noGrp="1"/>
-          </p:cNvSpPr>
-          <p:nvPr>
-            <p:ph idx="1"/>
-          </p:nvPr>
-        </p:nvSpPr>
-        <p:spPr/>
-        <p:txBody>
-          <a:bodyPr>
-            <a:normAutofit lnSpcReduction="10000"/>
-          </a:bodyPr>
-          <a:lstStyle/>
-          <a:p>
-            <a:r>
-              <a:rPr lang="en-US" dirty="0" smtClean="0"/>
-              <a:t>In a non-overlapping sequence detector, output will be decided once the desired pattern is received and no output will be there for any other pattern.</a:t>
-            </a:r>
-          </a:p>
-          <a:p>
-            <a:r>
-              <a:rPr lang="en-US" dirty="0" smtClean="0"/>
-              <a:t>For example (detection of 1010) – </a:t>
-            </a:r>
-          </a:p>
+              <a:rPr lang="en-US" altLang="en-US" dirty="0" smtClean="0">
+                <a:solidFill>
+                  <a:srgbClr val="FFFF00"/>
+                </a:solidFill>
+              </a:rPr>
+              <a:t>State Machine Structure</a:t>
+            </a:r>
+          </a:p>
+        </p:txBody>
+      </p:sp>
+      <p:sp>
+        <p:nvSpPr>
+          <p:cNvPr id="4100" name="Rectangle 3"/>
+          <p:cNvSpPr>
+            <a:spLocks noGrp="1" noChangeArrowheads="1"/>
+          </p:cNvSpPr>
+          <p:nvPr>
+            <p:ph type="body" idx="1"/>
+          </p:nvPr>
+        </p:nvSpPr>
+        <p:spPr>
+          <a:xfrm>
+            <a:off x="457200" y="1905000"/>
+            <a:ext cx="8305800" cy="4114800"/>
+          </a:xfrm>
+        </p:spPr>
+        <p:txBody>
+          <a:bodyPr/>
+          <a:lstStyle/>
           <a:p>
             <a:pPr>
-              <a:buNone/>
+              <a:lnSpc>
+                <a:spcPct val="90000"/>
+              </a:lnSpc>
             </a:pPr>
             <a:r>
-              <a:rPr lang="en-US" dirty="0" smtClean="0"/>
-              <a:t>	</a:t>
-            </a:r>
-            <a:r>
-              <a:rPr lang="en-US" dirty="0" smtClean="0"/>
-              <a:t>	  Input sequence – 1001010001010</a:t>
+              <a:rPr lang="en-US" altLang="en-US" dirty="0" smtClean="0">
+                <a:solidFill>
+                  <a:schemeClr val="tx2"/>
+                </a:solidFill>
+              </a:rPr>
+              <a:t>State memory</a:t>
+            </a:r>
+            <a:r>
+              <a:rPr lang="en-US" altLang="en-US" dirty="0" smtClean="0"/>
+              <a:t>: n FFs to store current states. All FFs are connected to a common clock signal.</a:t>
             </a:r>
           </a:p>
           <a:p>
             <a:pPr>
-              <a:buNone/>
+              <a:lnSpc>
+                <a:spcPct val="90000"/>
+              </a:lnSpc>
             </a:pPr>
             <a:r>
-              <a:rPr lang="en-US" dirty="0" smtClean="0"/>
-              <a:t>	 </a:t>
-            </a:r>
-            <a:r>
-              <a:rPr lang="en-US" dirty="0" smtClean="0"/>
-              <a:t>    Output Sequence – 0000001000001 </a:t>
-            </a:r>
-          </a:p>
-          <a:p>
-            <a:r>
-              <a:rPr lang="en-US" dirty="0" smtClean="0"/>
-              <a:t>The Sequence detector resets itself to initial state after the sequence is detected.</a:t>
-            </a:r>
+              <a:rPr lang="en-US" altLang="en-US" dirty="0" smtClean="0">
+                <a:solidFill>
+                  <a:schemeClr val="tx2"/>
+                </a:solidFill>
+              </a:rPr>
+              <a:t>Next-state logic</a:t>
+            </a:r>
+            <a:r>
+              <a:rPr lang="en-US" altLang="en-US" dirty="0" smtClean="0"/>
+              <a:t>: determine the next state when state changes occur;</a:t>
+            </a:r>
+          </a:p>
+          <a:p>
+            <a:pPr>
+              <a:lnSpc>
+                <a:spcPct val="90000"/>
+              </a:lnSpc>
+            </a:pPr>
+            <a:r>
+              <a:rPr lang="en-US" altLang="en-US" dirty="0" smtClean="0">
+                <a:solidFill>
+                  <a:schemeClr val="tx2"/>
+                </a:solidFill>
+              </a:rPr>
+              <a:t>Output logic</a:t>
+            </a:r>
+            <a:r>
+              <a:rPr lang="en-US" altLang="en-US" dirty="0" smtClean="0"/>
+              <a:t>: determines the output as a function of current state and </a:t>
+            </a:r>
+            <a:r>
+              <a:rPr lang="en-US" altLang="en-US" dirty="0" smtClean="0"/>
+              <a:t>input.</a:t>
+            </a:r>
+            <a:endParaRPr lang="en-US" altLang="en-US" dirty="0" smtClean="0"/>
           </a:p>
         </p:txBody>
       </p:sp>
@@ -3836,6 +5982,13 @@
   <p:clrMapOvr>
     <a:masterClrMapping/>
   </p:clrMapOvr>
+  <p:timing>
+    <p:tnLst>
+      <p:par>
+        <p:cTn id="1" dur="indefinite" restart="never" nodeType="tmRoot"/>
+      </p:par>
+    </p:tnLst>
+  </p:timing>
 </p:sld>
 </file>
 
@@ -3858,6 +6011,199 @@
       </p:grpSpPr>
       <p:sp>
         <p:nvSpPr>
+          <p:cNvPr id="9218" name="Slide Number Placeholder 5"/>
+          <p:cNvSpPr>
+            <a:spLocks noGrp="1"/>
+          </p:cNvSpPr>
+          <p:nvPr>
+            <p:ph type="sldNum" sz="quarter" idx="12"/>
+          </p:nvPr>
+        </p:nvSpPr>
+        <p:spPr>
+          <a:ln>
+            <a:miter lim="800000"/>
+            <a:headEnd/>
+            <a:tailEnd/>
+          </a:ln>
+        </p:spPr>
+        <p:txBody>
+          <a:bodyPr/>
+          <a:lstStyle/>
+          <a:p>
+            <a:pPr>
+              <a:defRPr/>
+            </a:pPr>
+            <a:fld id="{63911443-2D98-43E1-AEE6-F4145A0DC315}" type="slidenum">
+              <a:rPr lang="en-US" altLang="en-US">
+                <a:solidFill>
+                  <a:schemeClr val="tx1"/>
+                </a:solidFill>
+              </a:rPr>
+              <a:pPr>
+                <a:defRPr/>
+              </a:pPr>
+              <a:t>5</a:t>
+            </a:fld>
+            <a:endParaRPr lang="en-US" altLang="en-US">
+              <a:solidFill>
+                <a:schemeClr val="tx1"/>
+              </a:solidFill>
+            </a:endParaRPr>
+          </a:p>
+        </p:txBody>
+      </p:sp>
+      <p:sp>
+        <p:nvSpPr>
+          <p:cNvPr id="5123" name="Rectangle 2"/>
+          <p:cNvSpPr>
+            <a:spLocks noGrp="1" noChangeArrowheads="1"/>
+          </p:cNvSpPr>
+          <p:nvPr>
+            <p:ph type="title"/>
+          </p:nvPr>
+        </p:nvSpPr>
+        <p:spPr>
+          <a:xfrm>
+            <a:off x="381000" y="533400"/>
+            <a:ext cx="8229600" cy="677862"/>
+          </a:xfrm>
+        </p:spPr>
+        <p:txBody>
+          <a:bodyPr>
+            <a:noAutofit/>
+          </a:bodyPr>
+          <a:lstStyle/>
+          <a:p>
+            <a:r>
+              <a:rPr lang="en-US" altLang="en-US" sz="4000" dirty="0" smtClean="0">
+                <a:solidFill>
+                  <a:srgbClr val="FFFF00"/>
+                </a:solidFill>
+              </a:rPr>
+              <a:t>Clocked Synchronous State-Machine</a:t>
+            </a:r>
+          </a:p>
+        </p:txBody>
+      </p:sp>
+      <p:sp>
+        <p:nvSpPr>
+          <p:cNvPr id="5124" name="Rectangle 3"/>
+          <p:cNvSpPr>
+            <a:spLocks noGrp="1" noChangeArrowheads="1"/>
+          </p:cNvSpPr>
+          <p:nvPr>
+            <p:ph type="body" idx="1"/>
+          </p:nvPr>
+        </p:nvSpPr>
+        <p:spPr>
+          <a:xfrm>
+            <a:off x="304800" y="1676400"/>
+            <a:ext cx="8610600" cy="4114800"/>
+          </a:xfrm>
+        </p:spPr>
+        <p:txBody>
+          <a:bodyPr>
+            <a:noAutofit/>
+          </a:bodyPr>
+          <a:lstStyle/>
+          <a:p>
+            <a:pPr>
+              <a:lnSpc>
+                <a:spcPct val="90000"/>
+              </a:lnSpc>
+            </a:pPr>
+            <a:r>
+              <a:rPr lang="en-US" altLang="en-US" dirty="0" smtClean="0"/>
+              <a:t>State machine: generic name for sequential circuits; (Finite State Machine: FSM)</a:t>
+            </a:r>
+          </a:p>
+          <a:p>
+            <a:pPr>
+              <a:lnSpc>
+                <a:spcPct val="90000"/>
+              </a:lnSpc>
+            </a:pPr>
+            <a:r>
+              <a:rPr lang="en-US" altLang="en-US" dirty="0" smtClean="0"/>
+              <a:t>Clocked: the storage elements (FFs) use a clock input;</a:t>
+            </a:r>
+          </a:p>
+          <a:p>
+            <a:pPr>
+              <a:lnSpc>
+                <a:spcPct val="90000"/>
+              </a:lnSpc>
+            </a:pPr>
+            <a:r>
+              <a:rPr lang="en-US" altLang="en-US" dirty="0" smtClean="0"/>
+              <a:t>Synchronous: all of the FFs in a circuit use the same clock signal.</a:t>
+            </a:r>
+          </a:p>
+          <a:p>
+            <a:pPr>
+              <a:lnSpc>
+                <a:spcPct val="90000"/>
+              </a:lnSpc>
+            </a:pPr>
+            <a:endParaRPr lang="en-US" altLang="en-US" dirty="0" smtClean="0"/>
+          </a:p>
+          <a:p>
+            <a:pPr>
+              <a:lnSpc>
+                <a:spcPct val="90000"/>
+              </a:lnSpc>
+              <a:buFont typeface="Wingdings" pitchFamily="2" charset="2"/>
+              <a:buNone/>
+            </a:pPr>
+            <a:r>
+              <a:rPr lang="en-US" altLang="en-US" dirty="0" smtClean="0"/>
+              <a:t>Such a FSM changes states only when a triggering </a:t>
+            </a:r>
+            <a:r>
+              <a:rPr lang="en-US" altLang="en-US" dirty="0" smtClean="0"/>
+              <a:t>edge (rising </a:t>
+            </a:r>
+            <a:r>
+              <a:rPr lang="en-US" altLang="en-US" dirty="0" smtClean="0"/>
+              <a:t>or falling) on the clock signal.</a:t>
+            </a:r>
+          </a:p>
+        </p:txBody>
+      </p:sp>
+    </p:spTree>
+  </p:cSld>
+  <p:clrMapOvr>
+    <a:masterClrMapping/>
+  </p:clrMapOvr>
+  <p:timing>
+    <p:tnLst>
+      <p:par>
+        <p:cTn id="1" dur="indefinite" restart="never" nodeType="tmRoot"/>
+      </p:par>
+    </p:tnLst>
+  </p:timing>
+</p:sld>
+</file>
+
+<file path=ppt/slides/slide6.xml><?xml version="1.0" encoding="utf-8"?>
+<p:sld xmlns:a="http://schemas.openxmlformats.org/drawingml/2006/main" xmlns:r="http://schemas.openxmlformats.org/officeDocument/2006/relationships" xmlns:p="http://schemas.openxmlformats.org/presentationml/2006/main">
+  <p:cSld>
+    <p:spTree>
+      <p:nvGrpSpPr>
+        <p:cNvPr id="1" name=""/>
+        <p:cNvGrpSpPr/>
+        <p:nvPr/>
+      </p:nvGrpSpPr>
+      <p:grpSpPr>
+        <a:xfrm>
+          <a:off x="0" y="0"/>
+          <a:ext cx="0" cy="0"/>
+          <a:chOff x="0" y="0"/>
+          <a:chExt cx="0" cy="0"/>
+        </a:xfrm>
+      </p:grpSpPr>
+      <p:sp>
+        <p:nvSpPr>
           <p:cNvPr id="2" name="Title 1"/>
           <p:cNvSpPr>
             <a:spLocks noGrp="1"/>
@@ -3866,14 +6212,534 @@
             <p:ph type="title"/>
           </p:nvPr>
         </p:nvSpPr>
+        <p:spPr>
+          <a:xfrm>
+            <a:off x="457200" y="304800"/>
+            <a:ext cx="8229600" cy="1143000"/>
+          </a:xfrm>
+        </p:spPr>
+        <p:txBody>
+          <a:bodyPr rtlCol="0">
+            <a:normAutofit fontScale="90000"/>
+          </a:bodyPr>
+          <a:lstStyle/>
+          <a:p>
+            <a:pPr fontAlgn="auto">
+              <a:spcAft>
+                <a:spcPts val="0"/>
+              </a:spcAft>
+              <a:defRPr/>
+            </a:pPr>
+            <a:r>
+              <a:rPr lang="en-US" dirty="0" smtClean="0">
+                <a:solidFill>
+                  <a:srgbClr val="FFFF00"/>
+                </a:solidFill>
+              </a:rPr>
+              <a:t>Models of representing sequential circuits</a:t>
+            </a:r>
+            <a:endParaRPr lang="en-IN" dirty="0">
+              <a:solidFill>
+                <a:srgbClr val="FFFF00"/>
+              </a:solidFill>
+            </a:endParaRPr>
+          </a:p>
+        </p:txBody>
+      </p:sp>
+      <p:sp>
+        <p:nvSpPr>
+          <p:cNvPr id="6147" name="Content Placeholder 2"/>
+          <p:cNvSpPr>
+            <a:spLocks noGrp="1"/>
+          </p:cNvSpPr>
+          <p:nvPr>
+            <p:ph idx="1"/>
+          </p:nvPr>
+        </p:nvSpPr>
         <p:spPr/>
         <p:txBody>
+          <a:bodyPr>
+            <a:normAutofit/>
+          </a:bodyPr>
+          <a:lstStyle/>
+          <a:p>
+            <a:pPr>
+              <a:buNone/>
+            </a:pPr>
+            <a:r>
+              <a:rPr lang="en-US" dirty="0" smtClean="0"/>
+              <a:t>   The </a:t>
+            </a:r>
+            <a:r>
+              <a:rPr lang="en-US" dirty="0" smtClean="0"/>
+              <a:t>synchronous or clocked sequential circuits are represented by two models.</a:t>
+            </a:r>
+          </a:p>
+          <a:p>
+            <a:pPr>
+              <a:buNone/>
+            </a:pPr>
+            <a:r>
+              <a:rPr lang="en-US" dirty="0" smtClean="0"/>
+              <a:t>		1. </a:t>
+            </a:r>
+            <a:r>
+              <a:rPr lang="en-US" dirty="0" smtClean="0"/>
+              <a:t>Moore circuit: In this model, the output depends only on the present state of the flip-flops.</a:t>
+            </a:r>
+          </a:p>
+          <a:p>
+            <a:pPr>
+              <a:buNone/>
+            </a:pPr>
+            <a:r>
+              <a:rPr lang="en-US" b="1" dirty="0" smtClean="0">
+                <a:solidFill>
+                  <a:srgbClr val="FF0000"/>
+                </a:solidFill>
+              </a:rPr>
+              <a:t>		</a:t>
+            </a:r>
+            <a:r>
+              <a:rPr lang="en-US" dirty="0" smtClean="0"/>
+              <a:t>2</a:t>
+            </a:r>
+            <a:r>
+              <a:rPr lang="en-US" dirty="0" smtClean="0"/>
+              <a:t>. Mealy circuit : In this model, the output depends on both the present state of the flip-flop(s)  and the input(s).</a:t>
+            </a:r>
+            <a:endParaRPr lang="en-IN" dirty="0" smtClean="0"/>
+          </a:p>
+        </p:txBody>
+      </p:sp>
+    </p:spTree>
+  </p:cSld>
+  <p:clrMapOvr>
+    <a:masterClrMapping/>
+  </p:clrMapOvr>
+  <p:timing>
+    <p:tnLst>
+      <p:par>
+        <p:cTn id="1" dur="indefinite" restart="never" nodeType="tmRoot"/>
+      </p:par>
+    </p:tnLst>
+  </p:timing>
+</p:sld>
+</file>
+
+<file path=ppt/slides/slide7.xml><?xml version="1.0" encoding="utf-8"?>
+<p:sld xmlns:a="http://schemas.openxmlformats.org/drawingml/2006/main" xmlns:r="http://schemas.openxmlformats.org/officeDocument/2006/relationships" xmlns:p="http://schemas.openxmlformats.org/presentationml/2006/main">
+  <p:cSld>
+    <p:spTree>
+      <p:nvGrpSpPr>
+        <p:cNvPr id="1" name=""/>
+        <p:cNvGrpSpPr/>
+        <p:nvPr/>
+      </p:nvGrpSpPr>
+      <p:grpSpPr>
+        <a:xfrm>
+          <a:off x="0" y="0"/>
+          <a:ext cx="0" cy="0"/>
+          <a:chOff x="0" y="0"/>
+          <a:chExt cx="0" cy="0"/>
+        </a:xfrm>
+      </p:grpSpPr>
+      <p:sp>
+        <p:nvSpPr>
+          <p:cNvPr id="2" name="Title 1"/>
+          <p:cNvSpPr>
+            <a:spLocks noGrp="1"/>
+          </p:cNvSpPr>
+          <p:nvPr>
+            <p:ph type="title"/>
+          </p:nvPr>
+        </p:nvSpPr>
+        <p:spPr/>
+        <p:txBody>
+          <a:bodyPr rtlCol="0">
+            <a:normAutofit/>
+          </a:bodyPr>
+          <a:lstStyle/>
+          <a:p>
+            <a:pPr fontAlgn="auto">
+              <a:spcAft>
+                <a:spcPts val="0"/>
+              </a:spcAft>
+              <a:defRPr/>
+            </a:pPr>
+            <a:r>
+              <a:rPr lang="en-US" dirty="0" smtClean="0">
+                <a:solidFill>
+                  <a:srgbClr val="FFFF00"/>
+                </a:solidFill>
+              </a:rPr>
+              <a:t>State Diagram</a:t>
+            </a:r>
+            <a:endParaRPr lang="en-IN" dirty="0">
+              <a:solidFill>
+                <a:srgbClr val="FFFF00"/>
+              </a:solidFill>
+            </a:endParaRPr>
+          </a:p>
+        </p:txBody>
+      </p:sp>
+      <p:sp>
+        <p:nvSpPr>
+          <p:cNvPr id="7171" name="Content Placeholder 2"/>
+          <p:cNvSpPr>
+            <a:spLocks noGrp="1"/>
+          </p:cNvSpPr>
+          <p:nvPr>
+            <p:ph idx="1"/>
+          </p:nvPr>
+        </p:nvSpPr>
+        <p:spPr>
+          <a:xfrm>
+            <a:off x="457200" y="1428750"/>
+            <a:ext cx="8229600" cy="1543050"/>
+          </a:xfrm>
+        </p:spPr>
+        <p:txBody>
           <a:bodyPr/>
           <a:lstStyle/>
           <a:p>
             <a:r>
+              <a:rPr lang="en-US" sz="2200" dirty="0" smtClean="0"/>
+              <a:t>The state diagram or state graph is a pictorial representation of the relationships between the present state, the input, the next state, and the output of a sequential circuit, i.e. the state diagram is a pictorial representation of the </a:t>
+            </a:r>
+            <a:r>
+              <a:rPr lang="en-US" sz="2200" dirty="0" err="1" smtClean="0"/>
+              <a:t>behaviour</a:t>
+            </a:r>
+            <a:r>
+              <a:rPr lang="en-US" sz="2200" dirty="0" smtClean="0"/>
+              <a:t> of a sequential circuit.</a:t>
+            </a:r>
+            <a:endParaRPr lang="en-IN" sz="2200" dirty="0" smtClean="0"/>
+          </a:p>
+        </p:txBody>
+      </p:sp>
+      <p:sp>
+        <p:nvSpPr>
+          <p:cNvPr id="7172" name="TextBox 4"/>
+          <p:cNvSpPr txBox="1">
+            <a:spLocks noChangeArrowheads="1"/>
+          </p:cNvSpPr>
+          <p:nvPr/>
+        </p:nvSpPr>
+        <p:spPr bwMode="auto">
+          <a:xfrm>
+            <a:off x="2071688" y="6286500"/>
+            <a:ext cx="5072062" cy="369888"/>
+          </a:xfrm>
+          <a:prstGeom prst="rect">
+            <a:avLst/>
+          </a:prstGeom>
+          <a:noFill/>
+          <a:ln w="9525">
+            <a:noFill/>
+            <a:miter lim="800000"/>
+            <a:headEnd/>
+            <a:tailEnd/>
+          </a:ln>
+        </p:spPr>
+        <p:txBody>
+          <a:bodyPr>
+            <a:spAutoFit/>
+          </a:bodyPr>
+          <a:lstStyle/>
+          <a:p>
+            <a:r>
+              <a:rPr lang="en-US">
+                <a:latin typeface="Calibri" pitchFamily="34" charset="0"/>
+              </a:rPr>
+              <a:t>State diagram and state table using mealy machine</a:t>
+            </a:r>
+            <a:endParaRPr lang="en-IN">
+              <a:latin typeface="Calibri" pitchFamily="34" charset="0"/>
+            </a:endParaRPr>
+          </a:p>
+        </p:txBody>
+      </p:sp>
+      <p:pic>
+        <p:nvPicPr>
+          <p:cNvPr id="7173" name="Picture 2" descr="D:\Picture1.jpg"/>
+          <p:cNvPicPr>
+            <a:picLocks noChangeAspect="1" noChangeArrowheads="1"/>
+          </p:cNvPicPr>
+          <p:nvPr/>
+        </p:nvPicPr>
+        <p:blipFill>
+          <a:blip r:embed="rId2"/>
+          <a:srcRect/>
+          <a:stretch>
+            <a:fillRect/>
+          </a:stretch>
+        </p:blipFill>
+        <p:spPr bwMode="auto">
+          <a:xfrm>
+            <a:off x="1265238" y="3143250"/>
+            <a:ext cx="6613525" cy="2955925"/>
+          </a:xfrm>
+          <a:prstGeom prst="rect">
+            <a:avLst/>
+          </a:prstGeom>
+          <a:noFill/>
+          <a:ln w="9525">
+            <a:noFill/>
+            <a:miter lim="800000"/>
+            <a:headEnd/>
+            <a:tailEnd/>
+          </a:ln>
+        </p:spPr>
+      </p:pic>
+    </p:spTree>
+  </p:cSld>
+  <p:clrMapOvr>
+    <a:masterClrMapping/>
+  </p:clrMapOvr>
+  <p:timing>
+    <p:tnLst>
+      <p:par>
+        <p:cTn id="1" dur="indefinite" restart="never" nodeType="tmRoot"/>
+      </p:par>
+    </p:tnLst>
+  </p:timing>
+</p:sld>
+</file>
+
+<file path=ppt/slides/slide8.xml><?xml version="1.0" encoding="utf-8"?>
+<p:sld xmlns:a="http://schemas.openxmlformats.org/drawingml/2006/main" xmlns:r="http://schemas.openxmlformats.org/officeDocument/2006/relationships" xmlns:p="http://schemas.openxmlformats.org/presentationml/2006/main">
+  <p:cSld>
+    <p:spTree>
+      <p:nvGrpSpPr>
+        <p:cNvPr id="1" name=""/>
+        <p:cNvGrpSpPr/>
+        <p:nvPr/>
+      </p:nvGrpSpPr>
+      <p:grpSpPr>
+        <a:xfrm>
+          <a:off x="0" y="0"/>
+          <a:ext cx="0" cy="0"/>
+          <a:chOff x="0" y="0"/>
+          <a:chExt cx="0" cy="0"/>
+        </a:xfrm>
+      </p:grpSpPr>
+      <p:sp>
+        <p:nvSpPr>
+          <p:cNvPr id="2" name="Title 1"/>
+          <p:cNvSpPr>
+            <a:spLocks noGrp="1"/>
+          </p:cNvSpPr>
+          <p:nvPr>
+            <p:ph type="title"/>
+          </p:nvPr>
+        </p:nvSpPr>
+        <p:spPr>
+          <a:xfrm>
+            <a:off x="457200" y="285750"/>
+            <a:ext cx="8229600" cy="1143000"/>
+          </a:xfrm>
+        </p:spPr>
+        <p:txBody>
+          <a:bodyPr rtlCol="0">
+            <a:normAutofit/>
+          </a:bodyPr>
+          <a:lstStyle/>
+          <a:p>
+            <a:pPr fontAlgn="auto">
+              <a:spcAft>
+                <a:spcPts val="0"/>
+              </a:spcAft>
+              <a:defRPr/>
+            </a:pPr>
+            <a:r>
+              <a:rPr lang="en-US" dirty="0" smtClean="0">
+                <a:solidFill>
+                  <a:srgbClr val="FFFF00"/>
+                </a:solidFill>
+              </a:rPr>
+              <a:t>State Table</a:t>
+            </a:r>
+            <a:endParaRPr lang="en-IN" dirty="0">
+              <a:solidFill>
+                <a:srgbClr val="FFFF00"/>
+              </a:solidFill>
+            </a:endParaRPr>
+          </a:p>
+        </p:txBody>
+      </p:sp>
+      <p:sp>
+        <p:nvSpPr>
+          <p:cNvPr id="8195" name="Content Placeholder 2"/>
+          <p:cNvSpPr>
+            <a:spLocks noGrp="1"/>
+          </p:cNvSpPr>
+          <p:nvPr>
+            <p:ph idx="1"/>
+          </p:nvPr>
+        </p:nvSpPr>
+        <p:spPr>
+          <a:xfrm>
+            <a:off x="457200" y="1428750"/>
+            <a:ext cx="8229600" cy="1928813"/>
+          </a:xfrm>
+        </p:spPr>
+        <p:txBody>
+          <a:bodyPr/>
+          <a:lstStyle/>
+          <a:p>
+            <a:r>
+              <a:rPr lang="en-US" sz="2200" smtClean="0"/>
+              <a:t>Even though the behaviour of a sequential circuit can be conveniently described using a state diagram, for its implementation the information contained in the state diagram is to be translated into a state table. The state table is a tabular representation of the state diagram.</a:t>
+            </a:r>
+            <a:endParaRPr lang="en-IN" sz="2200" smtClean="0"/>
+          </a:p>
+        </p:txBody>
+      </p:sp>
+      <p:pic>
+        <p:nvPicPr>
+          <p:cNvPr id="8196" name="Picture 5" descr="IMG-20141008-WA0022.jpg"/>
+          <p:cNvPicPr>
+            <a:picLocks noChangeAspect="1"/>
+          </p:cNvPicPr>
+          <p:nvPr/>
+        </p:nvPicPr>
+        <p:blipFill>
+          <a:blip r:embed="rId2"/>
+          <a:srcRect/>
+          <a:stretch>
+            <a:fillRect/>
+          </a:stretch>
+        </p:blipFill>
+        <p:spPr bwMode="auto">
+          <a:xfrm>
+            <a:off x="1295400" y="3200400"/>
+            <a:ext cx="6700838" cy="2928938"/>
+          </a:xfrm>
+          <a:prstGeom prst="rect">
+            <a:avLst/>
+          </a:prstGeom>
+          <a:noFill/>
+          <a:ln w="9525">
+            <a:noFill/>
+            <a:miter lim="800000"/>
+            <a:headEnd/>
+            <a:tailEnd/>
+          </a:ln>
+        </p:spPr>
+      </p:pic>
+    </p:spTree>
+  </p:cSld>
+  <p:clrMapOvr>
+    <a:masterClrMapping/>
+  </p:clrMapOvr>
+  <p:timing>
+    <p:tnLst>
+      <p:par>
+        <p:cTn id="1" dur="indefinite" restart="never" nodeType="tmRoot"/>
+      </p:par>
+    </p:tnLst>
+  </p:timing>
+</p:sld>
+</file>
+
+<file path=ppt/slides/slide9.xml><?xml version="1.0" encoding="utf-8"?>
+<p:sld xmlns:a="http://schemas.openxmlformats.org/drawingml/2006/main" xmlns:r="http://schemas.openxmlformats.org/officeDocument/2006/relationships" xmlns:p="http://schemas.openxmlformats.org/presentationml/2006/main">
+  <p:cSld>
+    <p:spTree>
+      <p:nvGrpSpPr>
+        <p:cNvPr id="1" name=""/>
+        <p:cNvGrpSpPr/>
+        <p:nvPr/>
+      </p:nvGrpSpPr>
+      <p:grpSpPr>
+        <a:xfrm>
+          <a:off x="0" y="0"/>
+          <a:ext cx="0" cy="0"/>
+          <a:chOff x="0" y="0"/>
+          <a:chExt cx="0" cy="0"/>
+        </a:xfrm>
+      </p:grpSpPr>
+      <p:sp>
+        <p:nvSpPr>
+          <p:cNvPr id="4" name="Title 3"/>
+          <p:cNvSpPr>
+            <a:spLocks noGrp="1"/>
+          </p:cNvSpPr>
+          <p:nvPr>
+            <p:ph type="title"/>
+          </p:nvPr>
+        </p:nvSpPr>
+        <p:spPr/>
+        <p:txBody>
+          <a:bodyPr/>
+          <a:lstStyle/>
+          <a:p>
+            <a:r>
+              <a:rPr lang="en-US" dirty="0" smtClean="0">
+                <a:solidFill>
+                  <a:srgbClr val="FFFF00"/>
+                </a:solidFill>
+              </a:rPr>
+              <a:t>Sequence Detector</a:t>
+            </a:r>
+            <a:endParaRPr lang="en-US" dirty="0">
+              <a:solidFill>
+                <a:srgbClr val="FFFF00"/>
+              </a:solidFill>
+            </a:endParaRPr>
+          </a:p>
+        </p:txBody>
+      </p:sp>
+      <p:sp>
+        <p:nvSpPr>
+          <p:cNvPr id="5" name="Content Placeholder 4"/>
+          <p:cNvSpPr>
+            <a:spLocks noGrp="1"/>
+          </p:cNvSpPr>
+          <p:nvPr>
+            <p:ph idx="1"/>
+          </p:nvPr>
+        </p:nvSpPr>
+        <p:spPr/>
+        <p:txBody>
+          <a:bodyPr/>
+          <a:lstStyle/>
+          <a:p>
+            <a:r>
               <a:rPr lang="en-US" dirty="0" smtClean="0"/>
-              <a:t>…Explanation</a:t>
+              <a:t>A sequence detector detects a sequence which is an input string of 1 or 0 bits only.</a:t>
+            </a:r>
+          </a:p>
+          <a:p>
+            <a:r>
+              <a:rPr lang="en-US" dirty="0" smtClean="0"/>
+              <a:t>The output of detector goes to 1 only when the input sequence is detected.</a:t>
+            </a:r>
+          </a:p>
+          <a:p>
+            <a:r>
+              <a:rPr lang="en-US" dirty="0" smtClean="0"/>
+              <a:t>There are two basic types – </a:t>
+            </a:r>
+          </a:p>
+          <a:p>
+            <a:pPr>
+              <a:buNone/>
+            </a:pPr>
+            <a:r>
+              <a:rPr lang="en-US" dirty="0" smtClean="0"/>
+              <a:t>	1. Overlapping</a:t>
+            </a:r>
+          </a:p>
+          <a:p>
+            <a:pPr>
+              <a:buNone/>
+            </a:pPr>
+            <a:r>
+              <a:rPr lang="en-US" dirty="0" smtClean="0"/>
+              <a:t>	2. Non-Overlapping</a:t>
             </a:r>
             <a:endParaRPr lang="en-US" dirty="0"/>
           </a:p>
@@ -4168,4 +7034,287 @@
   <a:objectDefaults/>
   <a:extraClrSchemeLst/>
 </a:theme>
+</file>
+
+<file path=ppt/theme/theme2.xml><?xml version="1.0" encoding="utf-8"?>
+<a:theme xmlns:a="http://schemas.openxmlformats.org/drawingml/2006/main" name="Office Theme">
+  <a:themeElements>
+    <a:clrScheme name="Office">
+      <a:dk1>
+        <a:sysClr val="windowText" lastClr="000000"/>
+      </a:dk1>
+      <a:lt1>
+        <a:sysClr val="window" lastClr="FFFFFF"/>
+      </a:lt1>
+      <a:dk2>
+        <a:srgbClr val="1F497D"/>
+      </a:dk2>
+      <a:lt2>
+        <a:srgbClr val="EEECE1"/>
+      </a:lt2>
+      <a:accent1>
+        <a:srgbClr val="4F81BD"/>
+      </a:accent1>
+      <a:accent2>
+        <a:srgbClr val="C0504D"/>
+      </a:accent2>
+      <a:accent3>
+        <a:srgbClr val="9BBB59"/>
+      </a:accent3>
+      <a:accent4>
+        <a:srgbClr val="8064A2"/>
+      </a:accent4>
+      <a:accent5>
+        <a:srgbClr val="4BACC6"/>
+      </a:accent5>
+      <a:accent6>
+        <a:srgbClr val="F79646"/>
+      </a:accent6>
+      <a:hlink>
+        <a:srgbClr val="0000FF"/>
+      </a:hlink>
+      <a:folHlink>
+        <a:srgbClr val="800080"/>
+      </a:folHlink>
+    </a:clrScheme>
+    <a:fontScheme name="Office">
+      <a:majorFont>
+        <a:latin typeface="Calibri"/>
+        <a:ea typeface=""/>
+        <a:cs typeface=""/>
+        <a:font script="Jpan" typeface="ＭＳ Ｐゴシック"/>
+        <a:font script="Hang" typeface="맑은 고딕"/>
+        <a:font script="Hans" typeface="宋体"/>
+        <a:font script="Hant" typeface="新細明體"/>
+        <a:font script="Arab" typeface="Times New Roman"/>
+        <a:font script="Hebr" typeface="Times New Roman"/>
+        <a:font script="Thai" typeface="Angsana New"/>
+        <a:font script="Ethi" typeface="Nyala"/>
+        <a:font script="Beng" typeface="Vrinda"/>
+        <a:font script="Gujr" typeface="Shruti"/>
+        <a:font script="Khmr" typeface="MoolBoran"/>
+        <a:font script="Knda" typeface="Tunga"/>
+        <a:font script="Guru" typeface="Raavi"/>
+        <a:font script="Cans" typeface="Euphemia"/>
+        <a:font script="Cher" typeface="Plantagenet Cherokee"/>
+        <a:font script="Yiii" typeface="Microsoft Yi Baiti"/>
+        <a:font script="Tibt" typeface="Microsoft Himalaya"/>
+        <a:font script="Thaa" typeface="MV Boli"/>
+        <a:font script="Deva" typeface="Mangal"/>
+        <a:font script="Telu" typeface="Gautami"/>
+        <a:font script="Taml" typeface="Latha"/>
+        <a:font script="Syrc" typeface="Estrangelo Edessa"/>
+        <a:font script="Orya" typeface="Kalinga"/>
+        <a:font script="Mlym" typeface="Kartika"/>
+        <a:font script="Laoo" typeface="DokChampa"/>
+        <a:font script="Sinh" typeface="Iskoola Pota"/>
+        <a:font script="Mong" typeface="Mongolian Baiti"/>
+        <a:font script="Viet" typeface="Times New Roman"/>
+        <a:font script="Uigh" typeface="Microsoft Uighur"/>
+      </a:majorFont>
+      <a:minorFont>
+        <a:latin typeface="Calibri"/>
+        <a:ea typeface=""/>
+        <a:cs typeface=""/>
+        <a:font script="Jpan" typeface="ＭＳ Ｐゴシック"/>
+        <a:font script="Hang" typeface="맑은 고딕"/>
+        <a:font script="Hans" typeface="宋体"/>
+        <a:font script="Hant" typeface="新細明體"/>
+        <a:font script="Arab" typeface="Arial"/>
+        <a:font script="Hebr" typeface="Arial"/>
+        <a:font script="Thai" typeface="Cordia New"/>
+        <a:font script="Ethi" typeface="Nyala"/>
+        <a:font script="Beng" typeface="Vrinda"/>
+        <a:font script="Gujr" typeface="Shruti"/>
+        <a:font script="Khmr" typeface="DaunPenh"/>
+        <a:font script="Knda" typeface="Tunga"/>
+        <a:font script="Guru" typeface="Raavi"/>
+        <a:font script="Cans" typeface="Euphemia"/>
+        <a:font script="Cher" typeface="Plantagenet Cherokee"/>
+        <a:font script="Yiii" typeface="Microsoft Yi Baiti"/>
+        <a:font script="Tibt" typeface="Microsoft Himalaya"/>
+        <a:font script="Thaa" typeface="MV Boli"/>
+        <a:font script="Deva" typeface="Mangal"/>
+        <a:font script="Telu" typeface="Gautami"/>
+        <a:font script="Taml" typeface="Latha"/>
+        <a:font script="Syrc" typeface="Estrangelo Edessa"/>
+        <a:font script="Orya" typeface="Kalinga"/>
+        <a:font script="Mlym" typeface="Kartika"/>
+        <a:font script="Laoo" typeface="DokChampa"/>
+        <a:font script="Sinh" typeface="Iskoola Pota"/>
+        <a:font script="Mong" typeface="Mongolian Baiti"/>
+        <a:font script="Viet" typeface="Arial"/>
+        <a:font script="Uigh" typeface="Microsoft Uighur"/>
+      </a:minorFont>
+    </a:fontScheme>
+    <a:fmtScheme name="Office">
+      <a:fillStyleLst>
+        <a:solidFill>
+          <a:schemeClr val="phClr"/>
+        </a:solidFill>
+        <a:gradFill rotWithShape="1">
+          <a:gsLst>
+            <a:gs pos="0">
+              <a:schemeClr val="phClr">
+                <a:tint val="50000"/>
+                <a:satMod val="300000"/>
+              </a:schemeClr>
+            </a:gs>
+            <a:gs pos="35000">
+              <a:schemeClr val="phClr">
+                <a:tint val="37000"/>
+                <a:satMod val="300000"/>
+              </a:schemeClr>
+            </a:gs>
+            <a:gs pos="100000">
+              <a:schemeClr val="phClr">
+                <a:tint val="15000"/>
+                <a:satMod val="350000"/>
+              </a:schemeClr>
+            </a:gs>
+          </a:gsLst>
+          <a:lin ang="16200000" scaled="1"/>
+        </a:gradFill>
+        <a:gradFill rotWithShape="1">
+          <a:gsLst>
+            <a:gs pos="0">
+              <a:schemeClr val="phClr">
+                <a:shade val="51000"/>
+                <a:satMod val="130000"/>
+              </a:schemeClr>
+            </a:gs>
+            <a:gs pos="80000">
+              <a:schemeClr val="phClr">
+                <a:shade val="93000"/>
+                <a:satMod val="130000"/>
+              </a:schemeClr>
+            </a:gs>
+            <a:gs pos="100000">
+              <a:schemeClr val="phClr">
+                <a:shade val="94000"/>
+                <a:satMod val="135000"/>
+              </a:schemeClr>
+            </a:gs>
+          </a:gsLst>
+          <a:lin ang="16200000" scaled="0"/>
+        </a:gradFill>
+      </a:fillStyleLst>
+      <a:lnStyleLst>
+        <a:ln w="9525" cap="flat" cmpd="sng" algn="ctr">
+          <a:solidFill>
+            <a:schemeClr val="phClr">
+              <a:shade val="95000"/>
+              <a:satMod val="105000"/>
+            </a:schemeClr>
+          </a:solidFill>
+          <a:prstDash val="solid"/>
+        </a:ln>
+        <a:ln w="25400" cap="flat" cmpd="sng" algn="ctr">
+          <a:solidFill>
+            <a:schemeClr val="phClr"/>
+          </a:solidFill>
+          <a:prstDash val="solid"/>
+        </a:ln>
+        <a:ln w="38100" cap="flat" cmpd="sng" algn="ctr">
+          <a:solidFill>
+            <a:schemeClr val="phClr"/>
+          </a:solidFill>
+          <a:prstDash val="solid"/>
+        </a:ln>
+      </a:lnStyleLst>
+      <a:effectStyleLst>
+        <a:effectStyle>
+          <a:effectLst>
+            <a:outerShdw blurRad="40000" dist="20000" dir="5400000" rotWithShape="0">
+              <a:srgbClr val="000000">
+                <a:alpha val="38000"/>
+              </a:srgbClr>
+            </a:outerShdw>
+          </a:effectLst>
+        </a:effectStyle>
+        <a:effectStyle>
+          <a:effectLst>
+            <a:outerShdw blurRad="40000" dist="23000" dir="5400000" rotWithShape="0">
+              <a:srgbClr val="000000">
+                <a:alpha val="35000"/>
+              </a:srgbClr>
+            </a:outerShdw>
+          </a:effectLst>
+        </a:effectStyle>
+        <a:effectStyle>
+          <a:effectLst>
+            <a:outerShdw blurRad="40000" dist="23000" dir="5400000" rotWithShape="0">
+              <a:srgbClr val="000000">
+                <a:alpha val="35000"/>
+              </a:srgbClr>
+            </a:outerShdw>
+          </a:effectLst>
+          <a:scene3d>
+            <a:camera prst="orthographicFront">
+              <a:rot lat="0" lon="0" rev="0"/>
+            </a:camera>
+            <a:lightRig rig="threePt" dir="t">
+              <a:rot lat="0" lon="0" rev="1200000"/>
+            </a:lightRig>
+          </a:scene3d>
+          <a:sp3d>
+            <a:bevelT w="63500" h="25400"/>
+          </a:sp3d>
+        </a:effectStyle>
+      </a:effectStyleLst>
+      <a:bgFillStyleLst>
+        <a:solidFill>
+          <a:schemeClr val="phClr"/>
+        </a:solidFill>
+        <a:gradFill rotWithShape="1">
+          <a:gsLst>
+            <a:gs pos="0">
+              <a:schemeClr val="phClr">
+                <a:tint val="40000"/>
+                <a:satMod val="350000"/>
+              </a:schemeClr>
+            </a:gs>
+            <a:gs pos="40000">
+              <a:schemeClr val="phClr">
+                <a:tint val="45000"/>
+                <a:shade val="99000"/>
+                <a:satMod val="350000"/>
+              </a:schemeClr>
+            </a:gs>
+            <a:gs pos="100000">
+              <a:schemeClr val="phClr">
+                <a:shade val="20000"/>
+                <a:satMod val="255000"/>
+              </a:schemeClr>
+            </a:gs>
+          </a:gsLst>
+          <a:path path="circle">
+            <a:fillToRect l="50000" t="-80000" r="50000" b="180000"/>
+          </a:path>
+        </a:gradFill>
+        <a:gradFill rotWithShape="1">
+          <a:gsLst>
+            <a:gs pos="0">
+              <a:schemeClr val="phClr">
+                <a:tint val="80000"/>
+                <a:satMod val="300000"/>
+              </a:schemeClr>
+            </a:gs>
+            <a:gs pos="100000">
+              <a:schemeClr val="phClr">
+                <a:shade val="30000"/>
+                <a:satMod val="200000"/>
+              </a:schemeClr>
+            </a:gs>
+          </a:gsLst>
+          <a:path path="circle">
+            <a:fillToRect l="50000" t="50000" r="50000" b="50000"/>
+          </a:path>
+        </a:gradFill>
+      </a:bgFillStyleLst>
+    </a:fmtScheme>
+  </a:themeElements>
+  <a:objectDefaults/>
+  <a:extraClrSchemeLst/>
+</a:theme>
 </file>
--- a/SDuSSM.pptx
+++ b/SDuSSM.pptx
@@ -5,22 +5,24 @@
     <p:sldMasterId id="2147483648" r:id="rId1"/>
   </p:sldMasterIdLst>
   <p:notesMasterIdLst>
-    <p:notesMasterId r:id="rId15"/>
+    <p:notesMasterId r:id="rId17"/>
   </p:notesMasterIdLst>
   <p:sldIdLst>
     <p:sldId id="257" r:id="rId2"/>
     <p:sldId id="258" r:id="rId3"/>
-    <p:sldId id="264" r:id="rId4"/>
-    <p:sldId id="265" r:id="rId5"/>
-    <p:sldId id="266" r:id="rId6"/>
-    <p:sldId id="267" r:id="rId7"/>
-    <p:sldId id="268" r:id="rId8"/>
-    <p:sldId id="269" r:id="rId9"/>
-    <p:sldId id="259" r:id="rId10"/>
-    <p:sldId id="260" r:id="rId11"/>
-    <p:sldId id="261" r:id="rId12"/>
-    <p:sldId id="262" r:id="rId13"/>
-    <p:sldId id="270" r:id="rId14"/>
+    <p:sldId id="271" r:id="rId4"/>
+    <p:sldId id="264" r:id="rId5"/>
+    <p:sldId id="265" r:id="rId6"/>
+    <p:sldId id="266" r:id="rId7"/>
+    <p:sldId id="267" r:id="rId8"/>
+    <p:sldId id="268" r:id="rId9"/>
+    <p:sldId id="269" r:id="rId10"/>
+    <p:sldId id="259" r:id="rId11"/>
+    <p:sldId id="260" r:id="rId12"/>
+    <p:sldId id="261" r:id="rId13"/>
+    <p:sldId id="272" r:id="rId14"/>
+    <p:sldId id="262" r:id="rId15"/>
+    <p:sldId id="270" r:id="rId16"/>
   </p:sldIdLst>
   <p:sldSz cx="9144000" cy="6858000" type="screen4x3"/>
   <p:notesSz cx="6858000" cy="9144000"/>
@@ -204,6 +206,7 @@
           <a:p>
             <a:fld id="{16A0E10F-8552-486F-B46D-522CEB7DDEEF}" type="datetimeFigureOut">
               <a:rPr lang="en-US" smtClean="0"/>
+              <a:pPr/>
               <a:t>9/27/2017</a:t>
             </a:fld>
             <a:endParaRPr lang="en-IN"/>
@@ -365,6 +368,7 @@
           <a:p>
             <a:fld id="{EE1D844C-750D-49D1-8EF8-7C27A77A1903}" type="slidenum">
               <a:rPr lang="en-IN" smtClean="0"/>
+              <a:pPr/>
               <a:t>‹#›</a:t>
             </a:fld>
             <a:endParaRPr lang="en-IN"/>
@@ -490,7 +494,7 @@
         <p:nvSpPr>
           <p:cNvPr id="15362" name="Rectangle 2"/>
           <p:cNvSpPr>
-            <a:spLocks noChangeArrowheads="1" noTextEdit="1"/>
+            <a:spLocks noGrp="1" noRot="1" noChangeAspect="1" noChangeArrowheads="1" noTextEdit="1"/>
           </p:cNvSpPr>
           <p:nvPr>
             <p:ph type="sldImg"/>
@@ -567,7 +571,7 @@
         <p:nvSpPr>
           <p:cNvPr id="16386" name="Rectangle 2"/>
           <p:cNvSpPr>
-            <a:spLocks noChangeArrowheads="1" noTextEdit="1"/>
+            <a:spLocks noGrp="1" noRot="1" noChangeAspect="1" noChangeArrowheads="1" noTextEdit="1"/>
           </p:cNvSpPr>
           <p:nvPr>
             <p:ph type="sldImg"/>
@@ -3688,15 +3692,7 @@
             </a:r>
             <a:r>
               <a:rPr lang="en-US" sz="2600" dirty="0" smtClean="0"/>
-              <a:t>Sequence Detector using </a:t>
-            </a:r>
-            <a:r>
-              <a:rPr lang="en-US" sz="2600" dirty="0" smtClean="0"/>
-              <a:t>Synchronous State </a:t>
-            </a:r>
-            <a:r>
-              <a:rPr lang="en-US" sz="2600" dirty="0" smtClean="0"/>
-              <a:t>Machines</a:t>
+              <a:t>Sequence Detector using Synchronous State Machines</a:t>
             </a:r>
           </a:p>
           <a:p>
@@ -3768,7 +3764,7 @@
           <a:graphicData uri="http://schemas.openxmlformats.org/drawingml/2006/table">
             <a:tbl>
               <a:tblPr firstRow="1" bandRow="1">
-                <a:tableStyleId>{5FD0F851-EC5A-4D38-B0AD-8093EC10F338}</a:tableStyleId>
+                <a:tableStyleId>{9D7B26C5-4107-4FEC-AEDC-1716B250A1EF}</a:tableStyleId>
               </a:tblPr>
               <a:tblGrid>
                 <a:gridCol w="3098426"/>
@@ -4044,7 +4040,7 @@
       </p:grpSpPr>
       <p:sp>
         <p:nvSpPr>
-          <p:cNvPr id="2" name="Title 1"/>
+          <p:cNvPr id="4" name="Title 3"/>
           <p:cNvSpPr>
             <a:spLocks noGrp="1"/>
           </p:cNvSpPr>
@@ -4063,7 +4059,7 @@
                   <a:srgbClr val="FFFF00"/>
                 </a:solidFill>
               </a:rPr>
-              <a:t>Non - Overlapping</a:t>
+              <a:t>Sequence Detector</a:t>
             </a:r>
             <a:endParaRPr lang="en-US" dirty="0">
               <a:solidFill>
@@ -4075,7 +4071,7 @@
       </p:sp>
       <p:sp>
         <p:nvSpPr>
-          <p:cNvPr id="3" name="Content Placeholder 2"/>
+          <p:cNvPr id="5" name="Content Placeholder 4"/>
           <p:cNvSpPr>
             <a:spLocks noGrp="1"/>
           </p:cNvSpPr>
@@ -4085,28 +4081,24 @@
         </p:nvSpPr>
         <p:spPr/>
         <p:txBody>
-          <a:bodyPr>
-            <a:normAutofit lnSpcReduction="10000"/>
-          </a:bodyPr>
+          <a:bodyPr/>
           <a:lstStyle/>
           <a:p>
             <a:r>
               <a:rPr lang="en-US" dirty="0" smtClean="0"/>
-              <a:t>In a non-overlapping sequence detector, output will be decided once the desired pattern is received and no output will be there for any other pattern.</a:t>
+              <a:t>A sequence detector detects a sequence which is an input string of 1 or 0 bits only.</a:t>
             </a:r>
           </a:p>
           <a:p>
             <a:r>
               <a:rPr lang="en-US" dirty="0" smtClean="0"/>
-              <a:t>For example (detection of </a:t>
-            </a:r>
+              <a:t>The output of detector goes to 1 only when the input sequence is detected.</a:t>
+            </a:r>
+          </a:p>
+          <a:p>
             <a:r>
               <a:rPr lang="en-US" dirty="0" smtClean="0"/>
-              <a:t>100) </a:t>
-            </a:r>
-            <a:r>
-              <a:rPr lang="en-US" dirty="0" smtClean="0"/>
-              <a:t>– </a:t>
+              <a:t>There are two basic types – </a:t>
             </a:r>
           </a:p>
           <a:p>
@@ -4115,23 +4107,7 @@
             </a:pPr>
             <a:r>
               <a:rPr lang="en-US" dirty="0" smtClean="0"/>
-              <a:t>		  Input sequence – </a:t>
-            </a:r>
-            <a:r>
-              <a:rPr lang="en-US" b="1" dirty="0" smtClean="0"/>
-              <a:t>100</a:t>
-            </a:r>
-            <a:r>
-              <a:rPr lang="en-US" dirty="0" smtClean="0"/>
-              <a:t>10</a:t>
-            </a:r>
-            <a:r>
-              <a:rPr lang="en-US" b="1" dirty="0" smtClean="0"/>
-              <a:t>100</a:t>
-            </a:r>
-            <a:r>
-              <a:rPr lang="en-US" dirty="0" smtClean="0"/>
-              <a:t>01010</a:t>
+              <a:t>	1. Overlapping</a:t>
             </a:r>
           </a:p>
           <a:p>
@@ -4140,35 +4116,9 @@
             </a:pPr>
             <a:r>
               <a:rPr lang="en-US" dirty="0" smtClean="0"/>
-              <a:t>	     Output Sequence – </a:t>
-            </a:r>
-            <a:r>
-              <a:rPr lang="en-US" dirty="0" smtClean="0"/>
-              <a:t>00</a:t>
-            </a:r>
-            <a:r>
-              <a:rPr lang="en-US" b="1" dirty="0" smtClean="0"/>
-              <a:t>1</a:t>
-            </a:r>
-            <a:r>
-              <a:rPr lang="en-US" dirty="0" smtClean="0"/>
-              <a:t>0000</a:t>
-            </a:r>
-            <a:r>
-              <a:rPr lang="en-US" b="1" dirty="0" smtClean="0"/>
-              <a:t>1</a:t>
-            </a:r>
-            <a:r>
-              <a:rPr lang="en-US" dirty="0" smtClean="0"/>
-              <a:t>00000 </a:t>
-            </a:r>
-            <a:endParaRPr lang="en-US" dirty="0" smtClean="0"/>
-          </a:p>
-          <a:p>
-            <a:r>
-              <a:rPr lang="en-US" dirty="0" smtClean="0"/>
-              <a:t>The Sequence detector resets itself to initial state after the sequence is detected.</a:t>
-            </a:r>
+              <a:t>	2. Non-Overlapping</a:t>
+            </a:r>
+            <a:endParaRPr lang="en-US" dirty="0"/>
           </a:p>
         </p:txBody>
       </p:sp>
@@ -4181,6 +4131,148 @@
 </file>
 
 <file path=ppt/slides/slide11.xml><?xml version="1.0" encoding="utf-8"?>
+<p:sld xmlns:a="http://schemas.openxmlformats.org/drawingml/2006/main" xmlns:r="http://schemas.openxmlformats.org/officeDocument/2006/relationships" xmlns:p="http://schemas.openxmlformats.org/presentationml/2006/main">
+  <p:cSld>
+    <p:spTree>
+      <p:nvGrpSpPr>
+        <p:cNvPr id="1" name=""/>
+        <p:cNvGrpSpPr/>
+        <p:nvPr/>
+      </p:nvGrpSpPr>
+      <p:grpSpPr>
+        <a:xfrm>
+          <a:off x="0" y="0"/>
+          <a:ext cx="0" cy="0"/>
+          <a:chOff x="0" y="0"/>
+          <a:chExt cx="0" cy="0"/>
+        </a:xfrm>
+      </p:grpSpPr>
+      <p:sp>
+        <p:nvSpPr>
+          <p:cNvPr id="2" name="Title 1"/>
+          <p:cNvSpPr>
+            <a:spLocks noGrp="1"/>
+          </p:cNvSpPr>
+          <p:nvPr>
+            <p:ph type="title"/>
+          </p:nvPr>
+        </p:nvSpPr>
+        <p:spPr/>
+        <p:txBody>
+          <a:bodyPr/>
+          <a:lstStyle/>
+          <a:p>
+            <a:r>
+              <a:rPr lang="en-US" dirty="0" smtClean="0">
+                <a:solidFill>
+                  <a:srgbClr val="FFFF00"/>
+                </a:solidFill>
+              </a:rPr>
+              <a:t>Non - Overlapping</a:t>
+            </a:r>
+            <a:endParaRPr lang="en-US" dirty="0">
+              <a:solidFill>
+                <a:srgbClr val="FFFF00"/>
+              </a:solidFill>
+            </a:endParaRPr>
+          </a:p>
+        </p:txBody>
+      </p:sp>
+      <p:sp>
+        <p:nvSpPr>
+          <p:cNvPr id="3" name="Content Placeholder 2"/>
+          <p:cNvSpPr>
+            <a:spLocks noGrp="1"/>
+          </p:cNvSpPr>
+          <p:nvPr>
+            <p:ph idx="1"/>
+          </p:nvPr>
+        </p:nvSpPr>
+        <p:spPr/>
+        <p:txBody>
+          <a:bodyPr>
+            <a:normAutofit lnSpcReduction="10000"/>
+          </a:bodyPr>
+          <a:lstStyle/>
+          <a:p>
+            <a:r>
+              <a:rPr lang="en-US" dirty="0" smtClean="0"/>
+              <a:t>In a non-overlapping sequence detector, output will be decided once the desired pattern is received and no output will be there for any other pattern.</a:t>
+            </a:r>
+          </a:p>
+          <a:p>
+            <a:r>
+              <a:rPr lang="en-US" dirty="0" smtClean="0"/>
+              <a:t>For example (detection of 100) – </a:t>
+            </a:r>
+          </a:p>
+          <a:p>
+            <a:pPr>
+              <a:buNone/>
+            </a:pPr>
+            <a:r>
+              <a:rPr lang="en-US" dirty="0" smtClean="0"/>
+              <a:t>		  Input sequence – </a:t>
+            </a:r>
+            <a:r>
+              <a:rPr lang="en-US" b="1" dirty="0" smtClean="0"/>
+              <a:t>100</a:t>
+            </a:r>
+            <a:r>
+              <a:rPr lang="en-US" dirty="0" smtClean="0"/>
+              <a:t>10</a:t>
+            </a:r>
+            <a:r>
+              <a:rPr lang="en-US" b="1" dirty="0" smtClean="0"/>
+              <a:t>100</a:t>
+            </a:r>
+            <a:r>
+              <a:rPr lang="en-US" dirty="0" smtClean="0"/>
+              <a:t>01010</a:t>
+            </a:r>
+          </a:p>
+          <a:p>
+            <a:pPr>
+              <a:buNone/>
+            </a:pPr>
+            <a:r>
+              <a:rPr lang="en-US" dirty="0" smtClean="0"/>
+              <a:t>	     Output Sequence – 00</a:t>
+            </a:r>
+            <a:r>
+              <a:rPr lang="en-US" b="1" dirty="0" smtClean="0"/>
+              <a:t>1</a:t>
+            </a:r>
+            <a:r>
+              <a:rPr lang="en-US" dirty="0" smtClean="0"/>
+              <a:t>0000</a:t>
+            </a:r>
+            <a:r>
+              <a:rPr lang="en-US" b="1" dirty="0" smtClean="0"/>
+              <a:t>1</a:t>
+            </a:r>
+            <a:r>
+              <a:rPr lang="en-US" dirty="0" smtClean="0"/>
+              <a:t>00000 </a:t>
+            </a:r>
+          </a:p>
+          <a:p>
+            <a:r>
+              <a:rPr lang="en-US" dirty="0" smtClean="0"/>
+              <a:t>The Sequence detector resets itself to initial state after the sequence is detected.</a:t>
+            </a:r>
+          </a:p>
+        </p:txBody>
+      </p:sp>
+    </p:spTree>
+  </p:cSld>
+  <p:clrMapOvr>
+    <a:masterClrMapping/>
+  </p:clrMapOvr>
+</p:sld>
+</file>
+
+<file path=ppt/slides/slide12.xml><?xml version="1.0" encoding="utf-8"?>
 <p:sld xmlns:a="http://schemas.openxmlformats.org/drawingml/2006/main" xmlns:r="http://schemas.openxmlformats.org/officeDocument/2006/relationships" xmlns:p="http://schemas.openxmlformats.org/presentationml/2006/main">
   <p:cSld>
     <p:spTree>
@@ -4520,11 +4612,7 @@
           <a:p>
             <a:r>
               <a:rPr lang="en-US" sz="2400" dirty="0" smtClean="0"/>
-              <a:t>0</a:t>
-            </a:r>
-            <a:r>
-              <a:rPr lang="en-US" sz="2400" dirty="0" smtClean="0"/>
-              <a:t>/0</a:t>
+              <a:t>0/0</a:t>
             </a:r>
             <a:endParaRPr lang="en-IN" sz="2400" dirty="0"/>
           </a:p>
@@ -4661,11 +4749,7 @@
           <a:p>
             <a:r>
               <a:rPr lang="en-US" sz="2400" dirty="0" smtClean="0"/>
-              <a:t>0</a:t>
-            </a:r>
-            <a:r>
-              <a:rPr lang="en-US" sz="2400" dirty="0" smtClean="0"/>
-              <a:t>/0</a:t>
+              <a:t>0/0</a:t>
             </a:r>
             <a:endParaRPr lang="en-IN" sz="2400" dirty="0"/>
           </a:p>
@@ -4695,11 +4779,7 @@
           <a:p>
             <a:r>
               <a:rPr lang="en-US" sz="2400" dirty="0" smtClean="0"/>
-              <a:t>0</a:t>
-            </a:r>
-            <a:r>
-              <a:rPr lang="en-US" sz="2400" dirty="0" smtClean="0"/>
-              <a:t>/0</a:t>
+              <a:t>0/0</a:t>
             </a:r>
             <a:endParaRPr lang="en-IN" sz="2400" dirty="0"/>
           </a:p>
@@ -4799,10 +4879,17 @@
   <p:clrMapOvr>
     <a:masterClrMapping/>
   </p:clrMapOvr>
+  <p:timing>
+    <p:tnLst>
+      <p:par>
+        <p:cTn id="1" dur="indefinite" restart="never" nodeType="tmRoot"/>
+      </p:par>
+    </p:tnLst>
+  </p:timing>
 </p:sld>
 </file>
 
-<file path=ppt/slides/slide12.xml><?xml version="1.0" encoding="utf-8"?>
+<file path=ppt/slides/slide13.xml><?xml version="1.0" encoding="utf-8"?>
 <p:sld xmlns:a="http://schemas.openxmlformats.org/drawingml/2006/main" xmlns:r="http://schemas.openxmlformats.org/officeDocument/2006/relationships" xmlns:p="http://schemas.openxmlformats.org/presentationml/2006/main">
   <p:cSld>
     <p:spTree>
@@ -4835,18 +4922,10 @@
           <a:lstStyle/>
           <a:p>
             <a:r>
-              <a:rPr lang="en-US" dirty="0" smtClean="0">
-                <a:solidFill>
-                  <a:srgbClr val="FFFF00"/>
-                </a:solidFill>
-              </a:rPr>
-              <a:t>Overlapping</a:t>
-            </a:r>
-            <a:endParaRPr lang="en-IN" dirty="0">
-              <a:solidFill>
-                <a:srgbClr val="FFFF00"/>
-              </a:solidFill>
-            </a:endParaRPr>
+              <a:rPr lang="en-US" dirty="0" smtClean="0"/>
+              <a:t>Circuit</a:t>
+            </a:r>
+            <a:endParaRPr lang="en-IN" dirty="0"/>
           </a:p>
         </p:txBody>
       </p:sp>
@@ -4862,69 +4941,10 @@
         </p:nvSpPr>
         <p:spPr/>
         <p:txBody>
-          <a:bodyPr>
-            <a:normAutofit fontScale="92500" lnSpcReduction="10000"/>
-          </a:bodyPr>
-          <a:lstStyle/>
-          <a:p>
-            <a:r>
-              <a:rPr lang="en-US" dirty="0" smtClean="0"/>
-              <a:t>In an overlapping sequence detector, some bits from the end part of input sequence may repeat/be included in the next sequence in beginning for sequence detection.</a:t>
-            </a:r>
-          </a:p>
-          <a:p>
-            <a:r>
-              <a:rPr lang="en-US" dirty="0" smtClean="0"/>
-              <a:t>For example (detection of 1001) – </a:t>
-            </a:r>
-            <a:endParaRPr lang="en-US" dirty="0" smtClean="0"/>
-          </a:p>
-          <a:p>
-            <a:pPr>
-              <a:buNone/>
-            </a:pPr>
-            <a:r>
-              <a:rPr lang="en-US" dirty="0" smtClean="0"/>
-              <a:t>		   Input Sequence – 100100110</a:t>
-            </a:r>
-          </a:p>
-          <a:p>
-            <a:pPr>
-              <a:buNone/>
-            </a:pPr>
-            <a:r>
-              <a:rPr lang="en-US" dirty="0" smtClean="0"/>
-              <a:t>	</a:t>
-            </a:r>
-            <a:r>
-              <a:rPr lang="en-US" dirty="0" smtClean="0"/>
-              <a:t>	Output Sequence – 000</a:t>
-            </a:r>
-            <a:r>
-              <a:rPr lang="en-US" b="1" dirty="0" smtClean="0"/>
-              <a:t>1</a:t>
-            </a:r>
-            <a:r>
-              <a:rPr lang="en-US" dirty="0" smtClean="0"/>
-              <a:t>00</a:t>
-            </a:r>
-            <a:r>
-              <a:rPr lang="en-US" b="1" dirty="0" smtClean="0"/>
-              <a:t>1</a:t>
-            </a:r>
-            <a:r>
-              <a:rPr lang="en-US" dirty="0" smtClean="0"/>
-              <a:t>00</a:t>
-            </a:r>
-          </a:p>
-          <a:p>
-            <a:r>
-              <a:rPr lang="en-US" dirty="0" smtClean="0"/>
-              <a:t>The sequence detector resets itself to some state than the initial state for the overlapping bit(s).</a:t>
-            </a:r>
-          </a:p>
-          <a:p>
-            <a:endParaRPr lang="en-IN" dirty="0" smtClean="0"/>
+          <a:bodyPr/>
+          <a:lstStyle/>
+          <a:p>
+            <a:endParaRPr lang="en-IN"/>
           </a:p>
         </p:txBody>
       </p:sp>
@@ -4936,7 +4956,136 @@
 </p:sld>
 </file>
 
-<file path=ppt/slides/slide13.xml><?xml version="1.0" encoding="utf-8"?>
+<file path=ppt/slides/slide14.xml><?xml version="1.0" encoding="utf-8"?>
+<p:sld xmlns:a="http://schemas.openxmlformats.org/drawingml/2006/main" xmlns:r="http://schemas.openxmlformats.org/officeDocument/2006/relationships" xmlns:p="http://schemas.openxmlformats.org/presentationml/2006/main">
+  <p:cSld>
+    <p:spTree>
+      <p:nvGrpSpPr>
+        <p:cNvPr id="1" name=""/>
+        <p:cNvGrpSpPr/>
+        <p:nvPr/>
+      </p:nvGrpSpPr>
+      <p:grpSpPr>
+        <a:xfrm>
+          <a:off x="0" y="0"/>
+          <a:ext cx="0" cy="0"/>
+          <a:chOff x="0" y="0"/>
+          <a:chExt cx="0" cy="0"/>
+        </a:xfrm>
+      </p:grpSpPr>
+      <p:sp>
+        <p:nvSpPr>
+          <p:cNvPr id="2" name="Title 1"/>
+          <p:cNvSpPr>
+            <a:spLocks noGrp="1"/>
+          </p:cNvSpPr>
+          <p:nvPr>
+            <p:ph type="title"/>
+          </p:nvPr>
+        </p:nvSpPr>
+        <p:spPr/>
+        <p:txBody>
+          <a:bodyPr/>
+          <a:lstStyle/>
+          <a:p>
+            <a:r>
+              <a:rPr lang="en-US" dirty="0" smtClean="0">
+                <a:solidFill>
+                  <a:srgbClr val="FFFF00"/>
+                </a:solidFill>
+              </a:rPr>
+              <a:t>Overlapping</a:t>
+            </a:r>
+            <a:endParaRPr lang="en-IN" dirty="0">
+              <a:solidFill>
+                <a:srgbClr val="FFFF00"/>
+              </a:solidFill>
+            </a:endParaRPr>
+          </a:p>
+        </p:txBody>
+      </p:sp>
+      <p:sp>
+        <p:nvSpPr>
+          <p:cNvPr id="3" name="Content Placeholder 2"/>
+          <p:cNvSpPr>
+            <a:spLocks noGrp="1"/>
+          </p:cNvSpPr>
+          <p:nvPr>
+            <p:ph idx="1"/>
+          </p:nvPr>
+        </p:nvSpPr>
+        <p:spPr/>
+        <p:txBody>
+          <a:bodyPr>
+            <a:normAutofit fontScale="92500" lnSpcReduction="10000"/>
+          </a:bodyPr>
+          <a:lstStyle/>
+          <a:p>
+            <a:r>
+              <a:rPr lang="en-US" dirty="0" smtClean="0"/>
+              <a:t>In an overlapping sequence detector, some bits from the end part of input sequence may repeat/be included in the next sequence in beginning for sequence detection.</a:t>
+            </a:r>
+          </a:p>
+          <a:p>
+            <a:r>
+              <a:rPr lang="en-US" dirty="0" smtClean="0"/>
+              <a:t>For example (detection of 1001) – </a:t>
+            </a:r>
+          </a:p>
+          <a:p>
+            <a:pPr>
+              <a:buNone/>
+            </a:pPr>
+            <a:r>
+              <a:rPr lang="en-US" dirty="0" smtClean="0"/>
+              <a:t>		   Input Sequence – 100100110</a:t>
+            </a:r>
+          </a:p>
+          <a:p>
+            <a:pPr>
+              <a:buNone/>
+            </a:pPr>
+            <a:r>
+              <a:rPr lang="en-US" dirty="0" smtClean="0"/>
+              <a:t>		Output Sequence – 000</a:t>
+            </a:r>
+            <a:r>
+              <a:rPr lang="en-US" b="1" dirty="0" smtClean="0"/>
+              <a:t>1</a:t>
+            </a:r>
+            <a:r>
+              <a:rPr lang="en-US" dirty="0" smtClean="0"/>
+              <a:t>00</a:t>
+            </a:r>
+            <a:r>
+              <a:rPr lang="en-US" b="1" dirty="0" smtClean="0"/>
+              <a:t>1</a:t>
+            </a:r>
+            <a:r>
+              <a:rPr lang="en-US" dirty="0" smtClean="0"/>
+              <a:t>00</a:t>
+            </a:r>
+          </a:p>
+          <a:p>
+            <a:r>
+              <a:rPr lang="en-US" dirty="0" smtClean="0"/>
+              <a:t>The sequence detector resets itself to some state than the initial state for the overlapping bit(s).</a:t>
+            </a:r>
+          </a:p>
+          <a:p>
+            <a:endParaRPr lang="en-IN" dirty="0" smtClean="0"/>
+          </a:p>
+        </p:txBody>
+      </p:sp>
+    </p:spTree>
+  </p:cSld>
+  <p:clrMapOvr>
+    <a:masterClrMapping/>
+  </p:clrMapOvr>
+</p:sld>
+</file>
+
+<file path=ppt/slides/slide15.xml><?xml version="1.0" encoding="utf-8"?>
 <p:sld xmlns:a="http://schemas.openxmlformats.org/drawingml/2006/main" xmlns:r="http://schemas.openxmlformats.org/officeDocument/2006/relationships" xmlns:p="http://schemas.openxmlformats.org/presentationml/2006/main">
   <p:cSld>
     <p:spTree>
@@ -5266,16 +5415,13 @@
       <p:cxnSp>
         <p:nvCxnSpPr>
           <p:cNvPr id="11" name="Straight Arrow Connector 10"/>
-          <p:cNvCxnSpPr>
-            <a:stCxn id="7" idx="6"/>
-            <a:endCxn id="6" idx="2"/>
-          </p:cNvCxnSpPr>
+          <p:cNvCxnSpPr/>
           <p:nvPr/>
         </p:nvCxnSpPr>
         <p:spPr>
           <a:xfrm>
-            <a:off x="2895600" y="4343400"/>
-            <a:ext cx="3886200" cy="1588"/>
+            <a:off x="2971800" y="4343400"/>
+            <a:ext cx="3733800" cy="1588"/>
           </a:xfrm>
           <a:prstGeom prst="straightConnector1">
             <a:avLst/>
@@ -5481,6 +5627,754 @@
   <p:clrMapOvr>
     <a:masterClrMapping/>
   </p:clrMapOvr>
+  <p:timing>
+    <p:tnLst>
+      <p:par>
+        <p:cTn id="1" dur="indefinite" restart="never" nodeType="tmRoot">
+          <p:childTnLst>
+            <p:seq concurrent="1" nextAc="seek">
+              <p:cTn id="2" dur="indefinite" nodeType="mainSeq">
+                <p:childTnLst>
+                  <p:par>
+                    <p:cTn id="3" fill="hold">
+                      <p:stCondLst>
+                        <p:cond delay="indefinite"/>
+                      </p:stCondLst>
+                      <p:childTnLst>
+                        <p:par>
+                          <p:cTn id="4" fill="hold">
+                            <p:stCondLst>
+                              <p:cond delay="0"/>
+                            </p:stCondLst>
+                            <p:childTnLst>
+                              <p:par>
+                                <p:cTn id="5" presetID="53" presetClass="entr" presetSubtype="0" fill="hold" grpId="1" nodeType="clickEffect">
+                                  <p:stCondLst>
+                                    <p:cond delay="0"/>
+                                  </p:stCondLst>
+                                  <p:childTnLst>
+                                    <p:set>
+                                      <p:cBhvr>
+                                        <p:cTn id="6" dur="1" fill="hold">
+                                          <p:stCondLst>
+                                            <p:cond delay="0"/>
+                                          </p:stCondLst>
+                                        </p:cTn>
+                                        <p:tgtEl>
+                                          <p:spTgt spid="4"/>
+                                        </p:tgtEl>
+                                        <p:attrNameLst>
+                                          <p:attrName>style.visibility</p:attrName>
+                                        </p:attrNameLst>
+                                      </p:cBhvr>
+                                      <p:to>
+                                        <p:strVal val="visible"/>
+                                      </p:to>
+                                    </p:set>
+                                    <p:anim calcmode="lin" valueType="num">
+                                      <p:cBhvr>
+                                        <p:cTn id="7" dur="500" fill="hold"/>
+                                        <p:tgtEl>
+                                          <p:spTgt spid="4"/>
+                                        </p:tgtEl>
+                                        <p:attrNameLst>
+                                          <p:attrName>ppt_w</p:attrName>
+                                        </p:attrNameLst>
+                                      </p:cBhvr>
+                                      <p:tavLst>
+                                        <p:tav tm="0">
+                                          <p:val>
+                                            <p:fltVal val="0"/>
+                                          </p:val>
+                                        </p:tav>
+                                        <p:tav tm="100000">
+                                          <p:val>
+                                            <p:strVal val="#ppt_w"/>
+                                          </p:val>
+                                        </p:tav>
+                                      </p:tavLst>
+                                    </p:anim>
+                                    <p:anim calcmode="lin" valueType="num">
+                                      <p:cBhvr>
+                                        <p:cTn id="8" dur="500" fill="hold"/>
+                                        <p:tgtEl>
+                                          <p:spTgt spid="4"/>
+                                        </p:tgtEl>
+                                        <p:attrNameLst>
+                                          <p:attrName>ppt_h</p:attrName>
+                                        </p:attrNameLst>
+                                      </p:cBhvr>
+                                      <p:tavLst>
+                                        <p:tav tm="0">
+                                          <p:val>
+                                            <p:fltVal val="0"/>
+                                          </p:val>
+                                        </p:tav>
+                                        <p:tav tm="100000">
+                                          <p:val>
+                                            <p:strVal val="#ppt_h"/>
+                                          </p:val>
+                                        </p:tav>
+                                      </p:tavLst>
+                                    </p:anim>
+                                    <p:animEffect transition="in" filter="fade">
+                                      <p:cBhvr>
+                                        <p:cTn id="9" dur="500"/>
+                                        <p:tgtEl>
+                                          <p:spTgt spid="4"/>
+                                        </p:tgtEl>
+                                      </p:cBhvr>
+                                    </p:animEffect>
+                                  </p:childTnLst>
+                                </p:cTn>
+                              </p:par>
+                              <p:par>
+                                <p:cTn id="10" presetID="53" presetClass="entr" presetSubtype="0" fill="hold" grpId="2" nodeType="withEffect">
+                                  <p:stCondLst>
+                                    <p:cond delay="0"/>
+                                  </p:stCondLst>
+                                  <p:childTnLst>
+                                    <p:set>
+                                      <p:cBhvr>
+                                        <p:cTn id="11" dur="1" fill="hold">
+                                          <p:stCondLst>
+                                            <p:cond delay="0"/>
+                                          </p:stCondLst>
+                                        </p:cTn>
+                                        <p:tgtEl>
+                                          <p:spTgt spid="6"/>
+                                        </p:tgtEl>
+                                        <p:attrNameLst>
+                                          <p:attrName>style.visibility</p:attrName>
+                                        </p:attrNameLst>
+                                      </p:cBhvr>
+                                      <p:to>
+                                        <p:strVal val="visible"/>
+                                      </p:to>
+                                    </p:set>
+                                    <p:anim calcmode="lin" valueType="num">
+                                      <p:cBhvr>
+                                        <p:cTn id="12" dur="500" fill="hold"/>
+                                        <p:tgtEl>
+                                          <p:spTgt spid="6"/>
+                                        </p:tgtEl>
+                                        <p:attrNameLst>
+                                          <p:attrName>ppt_w</p:attrName>
+                                        </p:attrNameLst>
+                                      </p:cBhvr>
+                                      <p:tavLst>
+                                        <p:tav tm="0">
+                                          <p:val>
+                                            <p:fltVal val="0"/>
+                                          </p:val>
+                                        </p:tav>
+                                        <p:tav tm="100000">
+                                          <p:val>
+                                            <p:strVal val="#ppt_w"/>
+                                          </p:val>
+                                        </p:tav>
+                                      </p:tavLst>
+                                    </p:anim>
+                                    <p:anim calcmode="lin" valueType="num">
+                                      <p:cBhvr>
+                                        <p:cTn id="13" dur="500" fill="hold"/>
+                                        <p:tgtEl>
+                                          <p:spTgt spid="6"/>
+                                        </p:tgtEl>
+                                        <p:attrNameLst>
+                                          <p:attrName>ppt_h</p:attrName>
+                                        </p:attrNameLst>
+                                      </p:cBhvr>
+                                      <p:tavLst>
+                                        <p:tav tm="0">
+                                          <p:val>
+                                            <p:fltVal val="0"/>
+                                          </p:val>
+                                        </p:tav>
+                                        <p:tav tm="100000">
+                                          <p:val>
+                                            <p:strVal val="#ppt_h"/>
+                                          </p:val>
+                                        </p:tav>
+                                      </p:tavLst>
+                                    </p:anim>
+                                    <p:animEffect transition="in" filter="fade">
+                                      <p:cBhvr>
+                                        <p:cTn id="14" dur="500"/>
+                                        <p:tgtEl>
+                                          <p:spTgt spid="6"/>
+                                        </p:tgtEl>
+                                      </p:cBhvr>
+                                    </p:animEffect>
+                                  </p:childTnLst>
+                                </p:cTn>
+                              </p:par>
+                              <p:par>
+                                <p:cTn id="15" presetID="53" presetClass="entr" presetSubtype="0" fill="hold" grpId="2" nodeType="withEffect">
+                                  <p:stCondLst>
+                                    <p:cond delay="0"/>
+                                  </p:stCondLst>
+                                  <p:childTnLst>
+                                    <p:set>
+                                      <p:cBhvr>
+                                        <p:cTn id="16" dur="1" fill="hold">
+                                          <p:stCondLst>
+                                            <p:cond delay="0"/>
+                                          </p:stCondLst>
+                                        </p:cTn>
+                                        <p:tgtEl>
+                                          <p:spTgt spid="7"/>
+                                        </p:tgtEl>
+                                        <p:attrNameLst>
+                                          <p:attrName>style.visibility</p:attrName>
+                                        </p:attrNameLst>
+                                      </p:cBhvr>
+                                      <p:to>
+                                        <p:strVal val="visible"/>
+                                      </p:to>
+                                    </p:set>
+                                    <p:anim calcmode="lin" valueType="num">
+                                      <p:cBhvr>
+                                        <p:cTn id="17" dur="500" fill="hold"/>
+                                        <p:tgtEl>
+                                          <p:spTgt spid="7"/>
+                                        </p:tgtEl>
+                                        <p:attrNameLst>
+                                          <p:attrName>ppt_w</p:attrName>
+                                        </p:attrNameLst>
+                                      </p:cBhvr>
+                                      <p:tavLst>
+                                        <p:tav tm="0">
+                                          <p:val>
+                                            <p:fltVal val="0"/>
+                                          </p:val>
+                                        </p:tav>
+                                        <p:tav tm="100000">
+                                          <p:val>
+                                            <p:strVal val="#ppt_w"/>
+                                          </p:val>
+                                        </p:tav>
+                                      </p:tavLst>
+                                    </p:anim>
+                                    <p:anim calcmode="lin" valueType="num">
+                                      <p:cBhvr>
+                                        <p:cTn id="18" dur="500" fill="hold"/>
+                                        <p:tgtEl>
+                                          <p:spTgt spid="7"/>
+                                        </p:tgtEl>
+                                        <p:attrNameLst>
+                                          <p:attrName>ppt_h</p:attrName>
+                                        </p:attrNameLst>
+                                      </p:cBhvr>
+                                      <p:tavLst>
+                                        <p:tav tm="0">
+                                          <p:val>
+                                            <p:fltVal val="0"/>
+                                          </p:val>
+                                        </p:tav>
+                                        <p:tav tm="100000">
+                                          <p:val>
+                                            <p:strVal val="#ppt_h"/>
+                                          </p:val>
+                                        </p:tav>
+                                      </p:tavLst>
+                                    </p:anim>
+                                    <p:animEffect transition="in" filter="fade">
+                                      <p:cBhvr>
+                                        <p:cTn id="19" dur="500"/>
+                                        <p:tgtEl>
+                                          <p:spTgt spid="7"/>
+                                        </p:tgtEl>
+                                      </p:cBhvr>
+                                    </p:animEffect>
+                                  </p:childTnLst>
+                                </p:cTn>
+                              </p:par>
+                              <p:par>
+                                <p:cTn id="20" presetID="53" presetClass="entr" presetSubtype="0" fill="hold" grpId="2" nodeType="withEffect">
+                                  <p:stCondLst>
+                                    <p:cond delay="0"/>
+                                  </p:stCondLst>
+                                  <p:childTnLst>
+                                    <p:set>
+                                      <p:cBhvr>
+                                        <p:cTn id="21" dur="1" fill="hold">
+                                          <p:stCondLst>
+                                            <p:cond delay="0"/>
+                                          </p:stCondLst>
+                                        </p:cTn>
+                                        <p:tgtEl>
+                                          <p:spTgt spid="5"/>
+                                        </p:tgtEl>
+                                        <p:attrNameLst>
+                                          <p:attrName>style.visibility</p:attrName>
+                                        </p:attrNameLst>
+                                      </p:cBhvr>
+                                      <p:to>
+                                        <p:strVal val="visible"/>
+                                      </p:to>
+                                    </p:set>
+                                    <p:anim calcmode="lin" valueType="num">
+                                      <p:cBhvr>
+                                        <p:cTn id="22" dur="500" fill="hold"/>
+                                        <p:tgtEl>
+                                          <p:spTgt spid="5"/>
+                                        </p:tgtEl>
+                                        <p:attrNameLst>
+                                          <p:attrName>ppt_w</p:attrName>
+                                        </p:attrNameLst>
+                                      </p:cBhvr>
+                                      <p:tavLst>
+                                        <p:tav tm="0">
+                                          <p:val>
+                                            <p:fltVal val="0"/>
+                                          </p:val>
+                                        </p:tav>
+                                        <p:tav tm="100000">
+                                          <p:val>
+                                            <p:strVal val="#ppt_w"/>
+                                          </p:val>
+                                        </p:tav>
+                                      </p:tavLst>
+                                    </p:anim>
+                                    <p:anim calcmode="lin" valueType="num">
+                                      <p:cBhvr>
+                                        <p:cTn id="23" dur="500" fill="hold"/>
+                                        <p:tgtEl>
+                                          <p:spTgt spid="5"/>
+                                        </p:tgtEl>
+                                        <p:attrNameLst>
+                                          <p:attrName>ppt_h</p:attrName>
+                                        </p:attrNameLst>
+                                      </p:cBhvr>
+                                      <p:tavLst>
+                                        <p:tav tm="0">
+                                          <p:val>
+                                            <p:fltVal val="0"/>
+                                          </p:val>
+                                        </p:tav>
+                                        <p:tav tm="100000">
+                                          <p:val>
+                                            <p:strVal val="#ppt_h"/>
+                                          </p:val>
+                                        </p:tav>
+                                      </p:tavLst>
+                                    </p:anim>
+                                    <p:animEffect transition="in" filter="fade">
+                                      <p:cBhvr>
+                                        <p:cTn id="24" dur="500"/>
+                                        <p:tgtEl>
+                                          <p:spTgt spid="5"/>
+                                        </p:tgtEl>
+                                      </p:cBhvr>
+                                    </p:animEffect>
+                                  </p:childTnLst>
+                                </p:cTn>
+                              </p:par>
+                            </p:childTnLst>
+                          </p:cTn>
+                        </p:par>
+                      </p:childTnLst>
+                    </p:cTn>
+                  </p:par>
+                  <p:par>
+                    <p:cTn id="25" fill="hold">
+                      <p:stCondLst>
+                        <p:cond delay="indefinite"/>
+                      </p:stCondLst>
+                      <p:childTnLst>
+                        <p:par>
+                          <p:cTn id="26" fill="hold">
+                            <p:stCondLst>
+                              <p:cond delay="0"/>
+                            </p:stCondLst>
+                            <p:childTnLst>
+                              <p:par>
+                                <p:cTn id="27" presetID="22" presetClass="entr" presetSubtype="1" fill="hold" nodeType="clickEffect">
+                                  <p:stCondLst>
+                                    <p:cond delay="0"/>
+                                  </p:stCondLst>
+                                  <p:childTnLst>
+                                    <p:set>
+                                      <p:cBhvr>
+                                        <p:cTn id="28" dur="1" fill="hold">
+                                          <p:stCondLst>
+                                            <p:cond delay="0"/>
+                                          </p:stCondLst>
+                                        </p:cTn>
+                                        <p:tgtEl>
+                                          <p:spTgt spid="9"/>
+                                        </p:tgtEl>
+                                        <p:attrNameLst>
+                                          <p:attrName>style.visibility</p:attrName>
+                                        </p:attrNameLst>
+                                      </p:cBhvr>
+                                      <p:to>
+                                        <p:strVal val="visible"/>
+                                      </p:to>
+                                    </p:set>
+                                    <p:animEffect transition="in" filter="wipe(up)">
+                                      <p:cBhvr>
+                                        <p:cTn id="29" dur="500"/>
+                                        <p:tgtEl>
+                                          <p:spTgt spid="9"/>
+                                        </p:tgtEl>
+                                      </p:cBhvr>
+                                    </p:animEffect>
+                                  </p:childTnLst>
+                                </p:cTn>
+                              </p:par>
+                              <p:par>
+                                <p:cTn id="30" presetID="22" presetClass="entr" presetSubtype="1" fill="hold" nodeType="withEffect">
+                                  <p:stCondLst>
+                                    <p:cond delay="0"/>
+                                  </p:stCondLst>
+                                  <p:childTnLst>
+                                    <p:set>
+                                      <p:cBhvr>
+                                        <p:cTn id="31" dur="1" fill="hold">
+                                          <p:stCondLst>
+                                            <p:cond delay="0"/>
+                                          </p:stCondLst>
+                                        </p:cTn>
+                                        <p:tgtEl>
+                                          <p:spTgt spid="12"/>
+                                        </p:tgtEl>
+                                        <p:attrNameLst>
+                                          <p:attrName>style.visibility</p:attrName>
+                                        </p:attrNameLst>
+                                      </p:cBhvr>
+                                      <p:to>
+                                        <p:strVal val="visible"/>
+                                      </p:to>
+                                    </p:set>
+                                    <p:animEffect transition="in" filter="wipe(up)">
+                                      <p:cBhvr>
+                                        <p:cTn id="32" dur="500"/>
+                                        <p:tgtEl>
+                                          <p:spTgt spid="12"/>
+                                        </p:tgtEl>
+                                      </p:cBhvr>
+                                    </p:animEffect>
+                                  </p:childTnLst>
+                                </p:cTn>
+                              </p:par>
+                              <p:par>
+                                <p:cTn id="33" presetID="22" presetClass="entr" presetSubtype="4" fill="hold" nodeType="withEffect">
+                                  <p:stCondLst>
+                                    <p:cond delay="0"/>
+                                  </p:stCondLst>
+                                  <p:childTnLst>
+                                    <p:set>
+                                      <p:cBhvr>
+                                        <p:cTn id="34" dur="1" fill="hold">
+                                          <p:stCondLst>
+                                            <p:cond delay="0"/>
+                                          </p:stCondLst>
+                                        </p:cTn>
+                                        <p:tgtEl>
+                                          <p:spTgt spid="14"/>
+                                        </p:tgtEl>
+                                        <p:attrNameLst>
+                                          <p:attrName>style.visibility</p:attrName>
+                                        </p:attrNameLst>
+                                      </p:cBhvr>
+                                      <p:to>
+                                        <p:strVal val="visible"/>
+                                      </p:to>
+                                    </p:set>
+                                    <p:animEffect transition="in" filter="wipe(down)">
+                                      <p:cBhvr>
+                                        <p:cTn id="35" dur="500"/>
+                                        <p:tgtEl>
+                                          <p:spTgt spid="14"/>
+                                        </p:tgtEl>
+                                      </p:cBhvr>
+                                    </p:animEffect>
+                                  </p:childTnLst>
+                                </p:cTn>
+                              </p:par>
+                              <p:par>
+                                <p:cTn id="36" presetID="22" presetClass="entr" presetSubtype="8" fill="hold" nodeType="withEffect">
+                                  <p:stCondLst>
+                                    <p:cond delay="0"/>
+                                  </p:stCondLst>
+                                  <p:childTnLst>
+                                    <p:set>
+                                      <p:cBhvr>
+                                        <p:cTn id="37" dur="1" fill="hold">
+                                          <p:stCondLst>
+                                            <p:cond delay="0"/>
+                                          </p:stCondLst>
+                                        </p:cTn>
+                                        <p:tgtEl>
+                                          <p:spTgt spid="11"/>
+                                        </p:tgtEl>
+                                        <p:attrNameLst>
+                                          <p:attrName>style.visibility</p:attrName>
+                                        </p:attrNameLst>
+                                      </p:cBhvr>
+                                      <p:to>
+                                        <p:strVal val="visible"/>
+                                      </p:to>
+                                    </p:set>
+                                    <p:animEffect transition="in" filter="wipe(left)">
+                                      <p:cBhvr>
+                                        <p:cTn id="38" dur="500"/>
+                                        <p:tgtEl>
+                                          <p:spTgt spid="11"/>
+                                        </p:tgtEl>
+                                      </p:cBhvr>
+                                    </p:animEffect>
+                                  </p:childTnLst>
+                                </p:cTn>
+                              </p:par>
+                            </p:childTnLst>
+                          </p:cTn>
+                        </p:par>
+                      </p:childTnLst>
+                    </p:cTn>
+                  </p:par>
+                  <p:par>
+                    <p:cTn id="39" fill="hold">
+                      <p:stCondLst>
+                        <p:cond delay="indefinite"/>
+                      </p:stCondLst>
+                      <p:childTnLst>
+                        <p:par>
+                          <p:cTn id="40" fill="hold">
+                            <p:stCondLst>
+                              <p:cond delay="0"/>
+                            </p:stCondLst>
+                            <p:childTnLst>
+                              <p:par>
+                                <p:cTn id="41" presetID="6" presetClass="entr" presetSubtype="16" fill="hold" nodeType="clickEffect">
+                                  <p:stCondLst>
+                                    <p:cond delay="0"/>
+                                  </p:stCondLst>
+                                  <p:childTnLst>
+                                    <p:set>
+                                      <p:cBhvr>
+                                        <p:cTn id="42" dur="1" fill="hold">
+                                          <p:stCondLst>
+                                            <p:cond delay="0"/>
+                                          </p:stCondLst>
+                                        </p:cTn>
+                                        <p:tgtEl>
+                                          <p:spTgt spid="51"/>
+                                        </p:tgtEl>
+                                        <p:attrNameLst>
+                                          <p:attrName>style.visibility</p:attrName>
+                                        </p:attrNameLst>
+                                      </p:cBhvr>
+                                      <p:to>
+                                        <p:strVal val="visible"/>
+                                      </p:to>
+                                    </p:set>
+                                    <p:animEffect transition="in" filter="circle(in)">
+                                      <p:cBhvr>
+                                        <p:cTn id="43" dur="2000"/>
+                                        <p:tgtEl>
+                                          <p:spTgt spid="51"/>
+                                        </p:tgtEl>
+                                      </p:cBhvr>
+                                    </p:animEffect>
+                                  </p:childTnLst>
+                                </p:cTn>
+                              </p:par>
+                            </p:childTnLst>
+                          </p:cTn>
+                        </p:par>
+                      </p:childTnLst>
+                    </p:cTn>
+                  </p:par>
+                  <p:par>
+                    <p:cTn id="44" fill="hold">
+                      <p:stCondLst>
+                        <p:cond delay="indefinite"/>
+                      </p:stCondLst>
+                      <p:childTnLst>
+                        <p:par>
+                          <p:cTn id="45" fill="hold">
+                            <p:stCondLst>
+                              <p:cond delay="0"/>
+                            </p:stCondLst>
+                            <p:childTnLst>
+                              <p:par>
+                                <p:cTn id="46" presetID="6" presetClass="entr" presetSubtype="16" fill="hold" nodeType="clickEffect">
+                                  <p:stCondLst>
+                                    <p:cond delay="0"/>
+                                  </p:stCondLst>
+                                  <p:childTnLst>
+                                    <p:set>
+                                      <p:cBhvr>
+                                        <p:cTn id="47" dur="1" fill="hold">
+                                          <p:stCondLst>
+                                            <p:cond delay="0"/>
+                                          </p:stCondLst>
+                                        </p:cTn>
+                                        <p:tgtEl>
+                                          <p:spTgt spid="48"/>
+                                        </p:tgtEl>
+                                        <p:attrNameLst>
+                                          <p:attrName>style.visibility</p:attrName>
+                                        </p:attrNameLst>
+                                      </p:cBhvr>
+                                      <p:to>
+                                        <p:strVal val="visible"/>
+                                      </p:to>
+                                    </p:set>
+                                    <p:animEffect transition="in" filter="circle(in)">
+                                      <p:cBhvr>
+                                        <p:cTn id="48" dur="2000"/>
+                                        <p:tgtEl>
+                                          <p:spTgt spid="48"/>
+                                        </p:tgtEl>
+                                      </p:cBhvr>
+                                    </p:animEffect>
+                                  </p:childTnLst>
+                                </p:cTn>
+                              </p:par>
+                            </p:childTnLst>
+                          </p:cTn>
+                        </p:par>
+                      </p:childTnLst>
+                    </p:cTn>
+                  </p:par>
+                  <p:par>
+                    <p:cTn id="49" fill="hold">
+                      <p:stCondLst>
+                        <p:cond delay="indefinite"/>
+                      </p:stCondLst>
+                      <p:childTnLst>
+                        <p:par>
+                          <p:cTn id="50" fill="hold">
+                            <p:stCondLst>
+                              <p:cond delay="0"/>
+                            </p:stCondLst>
+                            <p:childTnLst>
+                              <p:par>
+                                <p:cTn id="51" presetID="22" presetClass="entr" presetSubtype="4" fill="hold" nodeType="clickEffect">
+                                  <p:stCondLst>
+                                    <p:cond delay="0"/>
+                                  </p:stCondLst>
+                                  <p:childTnLst>
+                                    <p:set>
+                                      <p:cBhvr>
+                                        <p:cTn id="52" dur="1" fill="hold">
+                                          <p:stCondLst>
+                                            <p:cond delay="0"/>
+                                          </p:stCondLst>
+                                        </p:cTn>
+                                        <p:tgtEl>
+                                          <p:spTgt spid="13"/>
+                                        </p:tgtEl>
+                                        <p:attrNameLst>
+                                          <p:attrName>style.visibility</p:attrName>
+                                        </p:attrNameLst>
+                                      </p:cBhvr>
+                                      <p:to>
+                                        <p:strVal val="visible"/>
+                                      </p:to>
+                                    </p:set>
+                                    <p:animEffect transition="in" filter="wipe(down)">
+                                      <p:cBhvr>
+                                        <p:cTn id="53" dur="500"/>
+                                        <p:tgtEl>
+                                          <p:spTgt spid="13"/>
+                                        </p:tgtEl>
+                                      </p:cBhvr>
+                                    </p:animEffect>
+                                  </p:childTnLst>
+                                </p:cTn>
+                              </p:par>
+                            </p:childTnLst>
+                          </p:cTn>
+                        </p:par>
+                      </p:childTnLst>
+                    </p:cTn>
+                  </p:par>
+                  <p:par>
+                    <p:cTn id="54" fill="hold">
+                      <p:stCondLst>
+                        <p:cond delay="indefinite"/>
+                      </p:stCondLst>
+                      <p:childTnLst>
+                        <p:par>
+                          <p:cTn id="55" fill="hold">
+                            <p:stCondLst>
+                              <p:cond delay="0"/>
+                            </p:stCondLst>
+                            <p:childTnLst>
+                              <p:par>
+                                <p:cTn id="56" presetID="22" presetClass="entr" presetSubtype="4" fill="hold" nodeType="clickEffect">
+                                  <p:stCondLst>
+                                    <p:cond delay="0"/>
+                                  </p:stCondLst>
+                                  <p:childTnLst>
+                                    <p:set>
+                                      <p:cBhvr>
+                                        <p:cTn id="57" dur="1" fill="hold">
+                                          <p:stCondLst>
+                                            <p:cond delay="0"/>
+                                          </p:stCondLst>
+                                        </p:cTn>
+                                        <p:tgtEl>
+                                          <p:spTgt spid="10"/>
+                                        </p:tgtEl>
+                                        <p:attrNameLst>
+                                          <p:attrName>style.visibility</p:attrName>
+                                        </p:attrNameLst>
+                                      </p:cBhvr>
+                                      <p:to>
+                                        <p:strVal val="visible"/>
+                                      </p:to>
+                                    </p:set>
+                                    <p:animEffect transition="in" filter="wipe(down)">
+                                      <p:cBhvr>
+                                        <p:cTn id="58" dur="500"/>
+                                        <p:tgtEl>
+                                          <p:spTgt spid="10"/>
+                                        </p:tgtEl>
+                                      </p:cBhvr>
+                                    </p:animEffect>
+                                  </p:childTnLst>
+                                </p:cTn>
+                              </p:par>
+                            </p:childTnLst>
+                          </p:cTn>
+                        </p:par>
+                      </p:childTnLst>
+                    </p:cTn>
+                  </p:par>
+                </p:childTnLst>
+              </p:cTn>
+              <p:prevCondLst>
+                <p:cond evt="onPrev" delay="0">
+                  <p:tgtEl>
+                    <p:sldTgt/>
+                  </p:tgtEl>
+                </p:cond>
+              </p:prevCondLst>
+              <p:nextCondLst>
+                <p:cond evt="onNext" delay="0">
+                  <p:tgtEl>
+                    <p:sldTgt/>
+                  </p:tgtEl>
+                </p:cond>
+              </p:nextCondLst>
+            </p:seq>
+          </p:childTnLst>
+        </p:cTn>
+      </p:par>
+    </p:tnLst>
+    <p:bldLst>
+      <p:bldP spid="4" grpId="1" animBg="1"/>
+      <p:bldP spid="5" grpId="2" animBg="1"/>
+      <p:bldP spid="6" grpId="2" animBg="1"/>
+      <p:bldP spid="7" grpId="2" animBg="1"/>
+    </p:bldLst>
+  </p:timing>
 </p:sld>
 </file>
 
@@ -5549,13 +6443,8 @@
           <a:p>
             <a:r>
               <a:rPr lang="en-US" dirty="0" smtClean="0"/>
-              <a:t>Introduction to State </a:t>
-            </a:r>
-            <a:r>
-              <a:rPr lang="en-US" dirty="0" smtClean="0"/>
-              <a:t>Machine</a:t>
-            </a:r>
-            <a:endParaRPr lang="en-US" dirty="0" smtClean="0"/>
+              <a:t>Introduction to State Machine</a:t>
+            </a:r>
           </a:p>
           <a:p>
             <a:r>
@@ -5622,6 +6511,20 @@
 <file path=ppt/slides/slide3.xml><?xml version="1.0" encoding="utf-8"?>
 <p:sld xmlns:a="http://schemas.openxmlformats.org/drawingml/2006/main" xmlns:r="http://schemas.openxmlformats.org/officeDocument/2006/relationships" xmlns:p="http://schemas.openxmlformats.org/presentationml/2006/main">
   <p:cSld>
+    <p:bg>
+      <p:bgPr>
+        <a:blipFill dpi="0" rotWithShape="1">
+          <a:blip r:embed="rId2">
+            <a:lum/>
+          </a:blip>
+          <a:srcRect/>
+          <a:stretch>
+            <a:fillRect/>
+          </a:stretch>
+        </a:blipFill>
+        <a:effectLst/>
+      </p:bgPr>
+    </p:bg>
     <p:spTree>
       <p:nvGrpSpPr>
         <p:cNvPr id="1" name=""/>
@@ -5636,6 +6539,31 @@
           <a:chExt cx="0" cy="0"/>
         </a:xfrm>
       </p:grpSpPr>
+    </p:spTree>
+  </p:cSld>
+  <p:clrMapOvr>
+    <a:masterClrMapping/>
+  </p:clrMapOvr>
+</p:sld>
+</file>
+
+<file path=ppt/slides/slide4.xml><?xml version="1.0" encoding="utf-8"?>
+<p:sld xmlns:a="http://schemas.openxmlformats.org/drawingml/2006/main" xmlns:r="http://schemas.openxmlformats.org/officeDocument/2006/relationships" xmlns:p="http://schemas.openxmlformats.org/presentationml/2006/main">
+  <p:cSld>
+    <p:spTree>
+      <p:nvGrpSpPr>
+        <p:cNvPr id="1" name=""/>
+        <p:cNvGrpSpPr/>
+        <p:nvPr/>
+      </p:nvGrpSpPr>
+      <p:grpSpPr>
+        <a:xfrm>
+          <a:off x="0" y="0"/>
+          <a:ext cx="0" cy="0"/>
+          <a:chOff x="0" y="0"/>
+          <a:chExt cx="0" cy="0"/>
+        </a:xfrm>
+      </p:grpSpPr>
       <p:sp>
         <p:nvSpPr>
           <p:cNvPr id="2" name="Title 1"/>
@@ -5665,15 +6593,7 @@
                   <a:srgbClr val="FFFF00"/>
                 </a:solidFill>
               </a:rPr>
-              <a:t>The State </a:t>
-            </a:r>
-            <a:r>
-              <a:rPr lang="en-US" dirty="0" smtClean="0">
-                <a:solidFill>
-                  <a:srgbClr val="FFFF00"/>
-                </a:solidFill>
-              </a:rPr>
-              <a:t>Machine</a:t>
+              <a:t>The State Machine</a:t>
             </a:r>
             <a:endParaRPr lang="en-IN" dirty="0">
               <a:solidFill>
@@ -5727,15 +6647,7 @@
                   <a:schemeClr val="tx1"/>
                 </a:solidFill>
               </a:rPr>
-              <a:t>A </a:t>
-            </a:r>
-            <a:r>
-              <a:rPr lang="en-US" sz="3200" dirty="0" smtClean="0">
-                <a:solidFill>
-                  <a:schemeClr val="tx1"/>
-                </a:solidFill>
-              </a:rPr>
-              <a:t>state machine or finite state machine (FSM) is an abstract model describing the synchronous  sequential machine.</a:t>
+              <a:t>A state machine or finite state machine (FSM) is an abstract model describing the synchronous  sequential machine.</a:t>
             </a:r>
             <a:endParaRPr lang="en-IN" sz="3200" dirty="0">
               <a:solidFill>
@@ -5796,187 +6708,6 @@
           </a:ln>
         </p:spPr>
       </p:pic>
-    </p:spTree>
-  </p:cSld>
-  <p:clrMapOvr>
-    <a:masterClrMapping/>
-  </p:clrMapOvr>
-  <p:timing>
-    <p:tnLst>
-      <p:par>
-        <p:cTn id="1" dur="indefinite" restart="never" nodeType="tmRoot"/>
-      </p:par>
-    </p:tnLst>
-  </p:timing>
-</p:sld>
-</file>
-
-<file path=ppt/slides/slide4.xml><?xml version="1.0" encoding="utf-8"?>
-<p:sld xmlns:a="http://schemas.openxmlformats.org/drawingml/2006/main" xmlns:r="http://schemas.openxmlformats.org/officeDocument/2006/relationships" xmlns:p="http://schemas.openxmlformats.org/presentationml/2006/main">
-  <p:cSld>
-    <p:spTree>
-      <p:nvGrpSpPr>
-        <p:cNvPr id="1" name=""/>
-        <p:cNvGrpSpPr/>
-        <p:nvPr/>
-      </p:nvGrpSpPr>
-      <p:grpSpPr>
-        <a:xfrm>
-          <a:off x="0" y="0"/>
-          <a:ext cx="0" cy="0"/>
-          <a:chOff x="0" y="0"/>
-          <a:chExt cx="0" cy="0"/>
-        </a:xfrm>
-      </p:grpSpPr>
-      <p:sp>
-        <p:nvSpPr>
-          <p:cNvPr id="11266" name="Slide Number Placeholder 5"/>
-          <p:cNvSpPr>
-            <a:spLocks noGrp="1"/>
-          </p:cNvSpPr>
-          <p:nvPr>
-            <p:ph type="sldNum" sz="quarter" idx="12"/>
-          </p:nvPr>
-        </p:nvSpPr>
-        <p:spPr>
-          <a:ln>
-            <a:miter lim="800000"/>
-            <a:headEnd/>
-            <a:tailEnd/>
-          </a:ln>
-        </p:spPr>
-        <p:txBody>
-          <a:bodyPr/>
-          <a:lstStyle/>
-          <a:p>
-            <a:pPr>
-              <a:defRPr/>
-            </a:pPr>
-            <a:fld id="{4EBD2924-0560-418E-9EC3-765EE36D01C0}" type="slidenum">
-              <a:rPr lang="en-US" altLang="en-US"/>
-              <a:pPr>
-                <a:defRPr/>
-              </a:pPr>
-              <a:t>4</a:t>
-            </a:fld>
-            <a:endParaRPr lang="en-US" altLang="en-US"/>
-          </a:p>
-        </p:txBody>
-      </p:sp>
-      <p:sp>
-        <p:nvSpPr>
-          <p:cNvPr id="4099" name="Rectangle 2"/>
-          <p:cNvSpPr>
-            <a:spLocks noGrp="1" noChangeArrowheads="1"/>
-          </p:cNvSpPr>
-          <p:nvPr>
-            <p:ph type="title"/>
-          </p:nvPr>
-        </p:nvSpPr>
-        <p:spPr>
-          <a:xfrm>
-            <a:off x="457200" y="457200"/>
-            <a:ext cx="8229600" cy="906462"/>
-          </a:xfrm>
-        </p:spPr>
-        <p:txBody>
-          <a:bodyPr/>
-          <a:lstStyle/>
-          <a:p>
-            <a:r>
-              <a:rPr lang="en-US" altLang="en-US" dirty="0" smtClean="0">
-                <a:solidFill>
-                  <a:srgbClr val="FFFF00"/>
-                </a:solidFill>
-              </a:rPr>
-              <a:t>State Machine Structure</a:t>
-            </a:r>
-          </a:p>
-        </p:txBody>
-      </p:sp>
-      <p:sp>
-        <p:nvSpPr>
-          <p:cNvPr id="4100" name="Rectangle 3"/>
-          <p:cNvSpPr>
-            <a:spLocks noGrp="1" noChangeArrowheads="1"/>
-          </p:cNvSpPr>
-          <p:nvPr>
-            <p:ph type="body" idx="1"/>
-          </p:nvPr>
-        </p:nvSpPr>
-        <p:spPr>
-          <a:xfrm>
-            <a:off x="457200" y="1905000"/>
-            <a:ext cx="8305800" cy="4114800"/>
-          </a:xfrm>
-        </p:spPr>
-        <p:txBody>
-          <a:bodyPr/>
-          <a:lstStyle/>
-          <a:p>
-            <a:pPr>
-              <a:lnSpc>
-                <a:spcPct val="90000"/>
-              </a:lnSpc>
-            </a:pPr>
-            <a:r>
-              <a:rPr lang="en-US" altLang="en-US" dirty="0" smtClean="0">
-                <a:solidFill>
-                  <a:schemeClr val="tx2"/>
-                </a:solidFill>
-              </a:rPr>
-              <a:t>State memory</a:t>
-            </a:r>
-            <a:r>
-              <a:rPr lang="en-US" altLang="en-US" dirty="0" smtClean="0"/>
-              <a:t>: n FFs to store current states. All FFs are connected to a common clock signal.</a:t>
-            </a:r>
-          </a:p>
-          <a:p>
-            <a:pPr>
-              <a:lnSpc>
-                <a:spcPct val="90000"/>
-              </a:lnSpc>
-            </a:pPr>
-            <a:r>
-              <a:rPr lang="en-US" altLang="en-US" dirty="0" smtClean="0">
-                <a:solidFill>
-                  <a:schemeClr val="tx2"/>
-                </a:solidFill>
-              </a:rPr>
-              <a:t>Next-state logic</a:t>
-            </a:r>
-            <a:r>
-              <a:rPr lang="en-US" altLang="en-US" dirty="0" smtClean="0"/>
-              <a:t>: determine the next state when state changes occur;</a:t>
-            </a:r>
-          </a:p>
-          <a:p>
-            <a:pPr>
-              <a:lnSpc>
-                <a:spcPct val="90000"/>
-              </a:lnSpc>
-            </a:pPr>
-            <a:r>
-              <a:rPr lang="en-US" altLang="en-US" dirty="0" smtClean="0">
-                <a:solidFill>
-                  <a:schemeClr val="tx2"/>
-                </a:solidFill>
-              </a:rPr>
-              <a:t>Output logic</a:t>
-            </a:r>
-            <a:r>
-              <a:rPr lang="en-US" altLang="en-US" dirty="0" smtClean="0"/>
-              <a:t>: determines the output as a function of current state and </a:t>
-            </a:r>
-            <a:r>
-              <a:rPr lang="en-US" altLang="en-US" dirty="0" smtClean="0"/>
-              <a:t>input.</a:t>
-            </a:r>
-            <a:endParaRPr lang="en-US" altLang="en-US" dirty="0" smtClean="0"/>
-          </a:p>
-        </p:txBody>
-      </p:sp>
     </p:spTree>
   </p:cSld>
   <p:clrMapOvr>
@@ -6011,7 +6742,7 @@
       </p:grpSpPr>
       <p:sp>
         <p:nvSpPr>
-          <p:cNvPr id="9218" name="Slide Number Placeholder 5"/>
+          <p:cNvPr id="11266" name="Slide Number Placeholder 5"/>
           <p:cNvSpPr>
             <a:spLocks noGrp="1"/>
           </p:cNvSpPr>
@@ -6033,28 +6764,20 @@
             <a:pPr>
               <a:defRPr/>
             </a:pPr>
-            <a:fld id="{63911443-2D98-43E1-AEE6-F4145A0DC315}" type="slidenum">
-              <a:rPr lang="en-US" altLang="en-US">
-                <a:solidFill>
-                  <a:schemeClr val="tx1"/>
-                </a:solidFill>
-              </a:rPr>
+            <a:fld id="{4EBD2924-0560-418E-9EC3-765EE36D01C0}" type="slidenum">
+              <a:rPr lang="en-US" altLang="en-US"/>
               <a:pPr>
                 <a:defRPr/>
               </a:pPr>
               <a:t>5</a:t>
             </a:fld>
-            <a:endParaRPr lang="en-US" altLang="en-US">
-              <a:solidFill>
-                <a:schemeClr val="tx1"/>
-              </a:solidFill>
-            </a:endParaRPr>
-          </a:p>
-        </p:txBody>
-      </p:sp>
-      <p:sp>
-        <p:nvSpPr>
-          <p:cNvPr id="5123" name="Rectangle 2"/>
+            <a:endParaRPr lang="en-US" altLang="en-US"/>
+          </a:p>
+        </p:txBody>
+      </p:sp>
+      <p:sp>
+        <p:nvSpPr>
+          <p:cNvPr id="4099" name="Rectangle 2"/>
           <p:cNvSpPr>
             <a:spLocks noGrp="1" noChangeArrowheads="1"/>
           </p:cNvSpPr>
@@ -6064,30 +6787,28 @@
         </p:nvSpPr>
         <p:spPr>
           <a:xfrm>
-            <a:off x="381000" y="533400"/>
-            <a:ext cx="8229600" cy="677862"/>
+            <a:off x="457200" y="457200"/>
+            <a:ext cx="8229600" cy="906462"/>
           </a:xfrm>
         </p:spPr>
         <p:txBody>
-          <a:bodyPr>
-            <a:noAutofit/>
-          </a:bodyPr>
-          <a:lstStyle/>
-          <a:p>
-            <a:r>
-              <a:rPr lang="en-US" altLang="en-US" sz="4000" dirty="0" smtClean="0">
+          <a:bodyPr/>
+          <a:lstStyle/>
+          <a:p>
+            <a:r>
+              <a:rPr lang="en-US" altLang="en-US" dirty="0" smtClean="0">
                 <a:solidFill>
                   <a:srgbClr val="FFFF00"/>
                 </a:solidFill>
               </a:rPr>
-              <a:t>Clocked Synchronous State-Machine</a:t>
-            </a:r>
-          </a:p>
-        </p:txBody>
-      </p:sp>
-      <p:sp>
-        <p:nvSpPr>
-          <p:cNvPr id="5124" name="Rectangle 3"/>
+              <a:t>State Machine Structure</a:t>
+            </a:r>
+          </a:p>
+        </p:txBody>
+      </p:sp>
+      <p:sp>
+        <p:nvSpPr>
+          <p:cNvPr id="4100" name="Rectangle 3"/>
           <p:cNvSpPr>
             <a:spLocks noGrp="1" noChangeArrowheads="1"/>
           </p:cNvSpPr>
@@ -6097,14 +6818,12 @@
         </p:nvSpPr>
         <p:spPr>
           <a:xfrm>
-            <a:off x="304800" y="1676400"/>
-            <a:ext cx="8610600" cy="4114800"/>
+            <a:off x="457200" y="1905000"/>
+            <a:ext cx="8305800" cy="4114800"/>
           </a:xfrm>
         </p:spPr>
         <p:txBody>
-          <a:bodyPr>
-            <a:noAutofit/>
-          </a:bodyPr>
+          <a:bodyPr/>
           <a:lstStyle/>
           <a:p>
             <a:pPr>
@@ -6113,8 +6832,16 @@
               </a:lnSpc>
             </a:pPr>
             <a:r>
+              <a:rPr lang="en-US" altLang="en-US" dirty="0" smtClean="0">
+                <a:solidFill>
+                  <a:schemeClr val="tx2"/>
+                </a:solidFill>
+              </a:rPr>
+              <a:t>State memory</a:t>
+            </a:r>
+            <a:r>
               <a:rPr lang="en-US" altLang="en-US" dirty="0" smtClean="0"/>
-              <a:t>State machine: generic name for sequential circuits; (Finite State Machine: FSM)</a:t>
+              <a:t>: n FFs to store current states. All FFs are connected to a common clock signal.</a:t>
             </a:r>
           </a:p>
           <a:p>
@@ -6124,8 +6851,16 @@
               </a:lnSpc>
             </a:pPr>
             <a:r>
+              <a:rPr lang="en-US" altLang="en-US" dirty="0" smtClean="0">
+                <a:solidFill>
+                  <a:schemeClr val="tx2"/>
+                </a:solidFill>
+              </a:rPr>
+              <a:t>Next-state logic</a:t>
+            </a:r>
+            <a:r>
               <a:rPr lang="en-US" altLang="en-US" dirty="0" smtClean="0"/>
-              <a:t>Clocked: the storage elements (FFs) use a clock input;</a:t>
+              <a:t>: determine the next state when state changes occur;</a:t>
             </a:r>
           </a:p>
           <a:p>
@@ -6135,37 +6870,16 @@
               </a:lnSpc>
             </a:pPr>
             <a:r>
+              <a:rPr lang="en-US" altLang="en-US" dirty="0" smtClean="0">
+                <a:solidFill>
+                  <a:schemeClr val="tx2"/>
+                </a:solidFill>
+              </a:rPr>
+              <a:t>Output logic</a:t>
+            </a:r>
+            <a:r>
               <a:rPr lang="en-US" altLang="en-US" dirty="0" smtClean="0"/>
-              <a:t>Synchronous: all of the FFs in a circuit use the same clock signal.</a:t>
-            </a:r>
-          </a:p>
-          <a:p>
-            <a:pPr>
-              <a:lnSpc>
-                <a:spcPct val="90000"/>
-              </a:lnSpc>
-            </a:pPr>
-            <a:endParaRPr lang="en-US" altLang="en-US" dirty="0" smtClean="0"/>
-          </a:p>
-          <a:p>
-            <a:pPr>
-              <a:lnSpc>
-                <a:spcPct val="90000"/>
-              </a:lnSpc>
-              <a:buFont typeface="Wingdings" pitchFamily="2" charset="2"/>
-              <a:buNone/>
-            </a:pPr>
-            <a:r>
-              <a:rPr lang="en-US" altLang="en-US" dirty="0" smtClean="0"/>
-              <a:t>Such a FSM changes states only when a triggering </a:t>
-            </a:r>
-            <a:r>
-              <a:rPr lang="en-US" altLang="en-US" dirty="0" smtClean="0"/>
-              <a:t>edge (rising </a:t>
-            </a:r>
-            <a:r>
-              <a:rPr lang="en-US" altLang="en-US" dirty="0" smtClean="0"/>
-              <a:t>or falling) on the clock signal.</a:t>
+              <a:t>: determines the output as a function of current state and input.</a:t>
             </a:r>
           </a:p>
         </p:txBody>
@@ -6204,9 +6918,52 @@
       </p:grpSpPr>
       <p:sp>
         <p:nvSpPr>
-          <p:cNvPr id="2" name="Title 1"/>
-          <p:cNvSpPr>
-            <a:spLocks noGrp="1"/>
+          <p:cNvPr id="9218" name="Slide Number Placeholder 5"/>
+          <p:cNvSpPr>
+            <a:spLocks noGrp="1"/>
+          </p:cNvSpPr>
+          <p:nvPr>
+            <p:ph type="sldNum" sz="quarter" idx="12"/>
+          </p:nvPr>
+        </p:nvSpPr>
+        <p:spPr>
+          <a:ln>
+            <a:miter lim="800000"/>
+            <a:headEnd/>
+            <a:tailEnd/>
+          </a:ln>
+        </p:spPr>
+        <p:txBody>
+          <a:bodyPr/>
+          <a:lstStyle/>
+          <a:p>
+            <a:pPr>
+              <a:defRPr/>
+            </a:pPr>
+            <a:fld id="{63911443-2D98-43E1-AEE6-F4145A0DC315}" type="slidenum">
+              <a:rPr lang="en-US" altLang="en-US">
+                <a:solidFill>
+                  <a:schemeClr val="tx1"/>
+                </a:solidFill>
+              </a:rPr>
+              <a:pPr>
+                <a:defRPr/>
+              </a:pPr>
+              <a:t>6</a:t>
+            </a:fld>
+            <a:endParaRPr lang="en-US" altLang="en-US">
+              <a:solidFill>
+                <a:schemeClr val="tx1"/>
+              </a:solidFill>
+            </a:endParaRPr>
+          </a:p>
+        </p:txBody>
+      </p:sp>
+      <p:sp>
+        <p:nvSpPr>
+          <p:cNvPr id="5123" name="Rectangle 2"/>
+          <p:cNvSpPr>
+            <a:spLocks noGrp="1" noChangeArrowheads="1"/>
           </p:cNvSpPr>
           <p:nvPr>
             <p:ph type="title"/>
@@ -6214,101 +6971,101 @@
         </p:nvSpPr>
         <p:spPr>
           <a:xfrm>
-            <a:off x="457200" y="304800"/>
-            <a:ext cx="8229600" cy="1143000"/>
+            <a:off x="381000" y="533400"/>
+            <a:ext cx="8229600" cy="677862"/>
           </a:xfrm>
         </p:spPr>
         <p:txBody>
-          <a:bodyPr rtlCol="0">
-            <a:normAutofit fontScale="90000"/>
+          <a:bodyPr>
+            <a:noAutofit/>
           </a:bodyPr>
           <a:lstStyle/>
           <a:p>
-            <a:pPr fontAlgn="auto">
-              <a:spcAft>
-                <a:spcPts val="0"/>
-              </a:spcAft>
-              <a:defRPr/>
-            </a:pPr>
-            <a:r>
-              <a:rPr lang="en-US" dirty="0" smtClean="0">
+            <a:r>
+              <a:rPr lang="en-US" altLang="en-US" sz="4000" dirty="0" smtClean="0">
                 <a:solidFill>
                   <a:srgbClr val="FFFF00"/>
                 </a:solidFill>
               </a:rPr>
-              <a:t>Models of representing sequential circuits</a:t>
-            </a:r>
-            <a:endParaRPr lang="en-IN" dirty="0">
-              <a:solidFill>
-                <a:srgbClr val="FFFF00"/>
-              </a:solidFill>
-            </a:endParaRPr>
-          </a:p>
-        </p:txBody>
-      </p:sp>
-      <p:sp>
-        <p:nvSpPr>
-          <p:cNvPr id="6147" name="Content Placeholder 2"/>
-          <p:cNvSpPr>
-            <a:spLocks noGrp="1"/>
-          </p:cNvSpPr>
-          <p:nvPr>
-            <p:ph idx="1"/>
-          </p:nvPr>
-        </p:nvSpPr>
-        <p:spPr/>
+              <a:t>Clocked Synchronous State-Machine</a:t>
+            </a:r>
+          </a:p>
+        </p:txBody>
+      </p:sp>
+      <p:sp>
+        <p:nvSpPr>
+          <p:cNvPr id="5124" name="Rectangle 3"/>
+          <p:cNvSpPr>
+            <a:spLocks noGrp="1" noChangeArrowheads="1"/>
+          </p:cNvSpPr>
+          <p:nvPr>
+            <p:ph type="body" idx="1"/>
+          </p:nvPr>
+        </p:nvSpPr>
+        <p:spPr>
+          <a:xfrm>
+            <a:off x="304800" y="1676400"/>
+            <a:ext cx="8610600" cy="4114800"/>
+          </a:xfrm>
+        </p:spPr>
         <p:txBody>
           <a:bodyPr>
-            <a:normAutofit/>
+            <a:noAutofit/>
           </a:bodyPr>
           <a:lstStyle/>
           <a:p>
             <a:pPr>
+              <a:lnSpc>
+                <a:spcPct val="90000"/>
+              </a:lnSpc>
+            </a:pPr>
+            <a:r>
+              <a:rPr lang="en-US" altLang="en-US" dirty="0" smtClean="0"/>
+              <a:t>State machine: generic name for sequential circuits; (Finite State Machine: FSM)</a:t>
+            </a:r>
+          </a:p>
+          <a:p>
+            <a:pPr>
+              <a:lnSpc>
+                <a:spcPct val="90000"/>
+              </a:lnSpc>
+            </a:pPr>
+            <a:r>
+              <a:rPr lang="en-US" altLang="en-US" dirty="0" smtClean="0"/>
+              <a:t>Clocked: the storage elements (FFs) use a clock input;</a:t>
+            </a:r>
+          </a:p>
+          <a:p>
+            <a:pPr>
+              <a:lnSpc>
+                <a:spcPct val="90000"/>
+              </a:lnSpc>
+            </a:pPr>
+            <a:r>
+              <a:rPr lang="en-US" altLang="en-US" dirty="0" smtClean="0"/>
+              <a:t>Synchronous: all of the FFs in a circuit use the same clock signal.</a:t>
+            </a:r>
+          </a:p>
+          <a:p>
+            <a:pPr>
+              <a:lnSpc>
+                <a:spcPct val="90000"/>
+              </a:lnSpc>
+            </a:pPr>
+            <a:endParaRPr lang="en-US" altLang="en-US" dirty="0" smtClean="0"/>
+          </a:p>
+          <a:p>
+            <a:pPr>
+              <a:lnSpc>
+                <a:spcPct val="90000"/>
+              </a:lnSpc>
+              <a:buFont typeface="Wingdings" pitchFamily="2" charset="2"/>
               <a:buNone/>
             </a:pPr>
             <a:r>
-              <a:rPr lang="en-US" dirty="0" smtClean="0"/>
-              <a:t>   The </a:t>
-            </a:r>
-            <a:r>
-              <a:rPr lang="en-US" dirty="0" smtClean="0"/>
-              <a:t>synchronous or clocked sequential circuits are represented by two models.</a:t>
-            </a:r>
-          </a:p>
-          <a:p>
-            <a:pPr>
-              <a:buNone/>
-            </a:pPr>
-            <a:r>
-              <a:rPr lang="en-US" dirty="0" smtClean="0"/>
-              <a:t>		1. </a:t>
-            </a:r>
-            <a:r>
-              <a:rPr lang="en-US" dirty="0" smtClean="0"/>
-              <a:t>Moore circuit: In this model, the output depends only on the present state of the flip-flops.</a:t>
-            </a:r>
-          </a:p>
-          <a:p>
-            <a:pPr>
-              <a:buNone/>
-            </a:pPr>
-            <a:r>
-              <a:rPr lang="en-US" b="1" dirty="0" smtClean="0">
-                <a:solidFill>
-                  <a:srgbClr val="FF0000"/>
-                </a:solidFill>
-              </a:rPr>
-              <a:t>		</a:t>
-            </a:r>
-            <a:r>
-              <a:rPr lang="en-US" dirty="0" smtClean="0"/>
-              <a:t>2</a:t>
-            </a:r>
-            <a:r>
-              <a:rPr lang="en-US" dirty="0" smtClean="0"/>
-              <a:t>. Mealy circuit : In this model, the output depends on both the present state of the flip-flop(s)  and the input(s).</a:t>
-            </a:r>
-            <a:endParaRPr lang="en-IN" dirty="0" smtClean="0"/>
+              <a:rPr lang="en-US" altLang="en-US" dirty="0" smtClean="0"/>
+              <a:t>Such a FSM changes states only when a triggering edge (rising or falling) on the clock signal.</a:t>
+            </a:r>
           </a:p>
         </p:txBody>
       </p:sp>
@@ -6354,10 +7111,15 @@
             <p:ph type="title"/>
           </p:nvPr>
         </p:nvSpPr>
-        <p:spPr/>
+        <p:spPr>
+          <a:xfrm>
+            <a:off x="457200" y="304800"/>
+            <a:ext cx="8229600" cy="1143000"/>
+          </a:xfrm>
+        </p:spPr>
         <p:txBody>
           <a:bodyPr rtlCol="0">
-            <a:normAutofit/>
+            <a:normAutofit fontScale="90000"/>
           </a:bodyPr>
           <a:lstStyle/>
           <a:p>
@@ -6373,7 +7135,7 @@
                   <a:srgbClr val="FFFF00"/>
                 </a:solidFill>
               </a:rPr>
-              <a:t>State Diagram</a:t>
+              <a:t>Models of representing sequential circuits</a:t>
             </a:r>
             <a:endParaRPr lang="en-IN" dirty="0">
               <a:solidFill>
@@ -6385,7 +7147,7 @@
       </p:sp>
       <p:sp>
         <p:nvSpPr>
-          <p:cNvPr id="7171" name="Content Placeholder 2"/>
+          <p:cNvPr id="6147" name="Content Placeholder 2"/>
           <p:cNvSpPr>
             <a:spLocks noGrp="1"/>
           </p:cNvSpPr>
@@ -6393,106 +7155,50 @@
             <p:ph idx="1"/>
           </p:nvPr>
         </p:nvSpPr>
-        <p:spPr>
-          <a:xfrm>
-            <a:off x="457200" y="1428750"/>
-            <a:ext cx="8229600" cy="1543050"/>
-          </a:xfrm>
-        </p:spPr>
-        <p:txBody>
-          <a:bodyPr/>
-          <a:lstStyle/>
-          <a:p>
-            <a:r>
-              <a:rPr lang="en-US" sz="2200" dirty="0" smtClean="0"/>
-              <a:t>The state diagram or state graph is a pictorial representation of the relationships between the present state, the input, the next state, and the output of a sequential circuit, i.e. the state diagram is a pictorial representation of the </a:t>
-            </a:r>
-            <a:r>
-              <a:rPr lang="en-US" sz="2200" dirty="0" err="1" smtClean="0"/>
-              <a:t>behaviour</a:t>
-            </a:r>
-            <a:r>
-              <a:rPr lang="en-US" sz="2200" dirty="0" smtClean="0"/>
-              <a:t> of a sequential circuit.</a:t>
-            </a:r>
-            <a:endParaRPr lang="en-IN" sz="2200" dirty="0" smtClean="0"/>
-          </a:p>
-        </p:txBody>
-      </p:sp>
-      <p:sp>
-        <p:nvSpPr>
-          <p:cNvPr id="7172" name="TextBox 4"/>
-          <p:cNvSpPr txBox="1">
-            <a:spLocks noChangeArrowheads="1"/>
-          </p:cNvSpPr>
-          <p:nvPr/>
-        </p:nvSpPr>
-        <p:spPr bwMode="auto">
-          <a:xfrm>
-            <a:off x="2071688" y="6286500"/>
-            <a:ext cx="5072062" cy="369888"/>
-          </a:xfrm>
-          <a:prstGeom prst="rect">
-            <a:avLst/>
-          </a:prstGeom>
-          <a:noFill/>
-          <a:ln w="9525">
-            <a:noFill/>
-            <a:miter lim="800000"/>
-            <a:headEnd/>
-            <a:tailEnd/>
-          </a:ln>
-        </p:spPr>
+        <p:spPr/>
         <p:txBody>
           <a:bodyPr>
-            <a:spAutoFit/>
+            <a:normAutofit/>
           </a:bodyPr>
           <a:lstStyle/>
           <a:p>
-            <a:r>
-              <a:rPr lang="en-US">
-                <a:latin typeface="Calibri" pitchFamily="34" charset="0"/>
+            <a:pPr>
+              <a:buNone/>
+            </a:pPr>
+            <a:r>
+              <a:rPr lang="en-US" dirty="0" smtClean="0"/>
+              <a:t>   The synchronous or clocked sequential circuits are represented by two models.</a:t>
+            </a:r>
+          </a:p>
+          <a:p>
+            <a:pPr>
+              <a:buNone/>
+            </a:pPr>
+            <a:r>
+              <a:rPr lang="en-US" dirty="0" smtClean="0"/>
+              <a:t>		1. Moore circuit: In this model, the output depends only on the present state of the flip-flops.</a:t>
+            </a:r>
+          </a:p>
+          <a:p>
+            <a:pPr>
+              <a:buNone/>
+            </a:pPr>
+            <a:r>
+              <a:rPr lang="en-US" b="1" dirty="0" smtClean="0">
+                <a:solidFill>
+                  <a:srgbClr val="FF0000"/>
+                </a:solidFill>
               </a:rPr>
-              <a:t>State diagram and state table using mealy machine</a:t>
-            </a:r>
-            <a:endParaRPr lang="en-IN">
-              <a:latin typeface="Calibri" pitchFamily="34" charset="0"/>
-            </a:endParaRPr>
-          </a:p>
-        </p:txBody>
-      </p:sp>
-      <p:pic>
-        <p:nvPicPr>
-          <p:cNvPr id="7173" name="Picture 2" descr="D:\Picture1.jpg"/>
-          <p:cNvPicPr>
-            <a:picLocks noChangeAspect="1" noChangeArrowheads="1"/>
-          </p:cNvPicPr>
-          <p:nvPr/>
-        </p:nvPicPr>
-        <p:blipFill>
-          <a:blip r:embed="rId2"/>
-          <a:srcRect/>
-          <a:stretch>
-            <a:fillRect/>
-          </a:stretch>
-        </p:blipFill>
-        <p:spPr bwMode="auto">
-          <a:xfrm>
-            <a:off x="1265238" y="3143250"/>
-            <a:ext cx="6613525" cy="2955925"/>
-          </a:xfrm>
-          <a:prstGeom prst="rect">
-            <a:avLst/>
-          </a:prstGeom>
-          <a:noFill/>
-          <a:ln w="9525">
-            <a:noFill/>
-            <a:miter lim="800000"/>
-            <a:headEnd/>
-            <a:tailEnd/>
-          </a:ln>
-        </p:spPr>
-      </p:pic>
+              <a:t>		</a:t>
+            </a:r>
+            <a:r>
+              <a:rPr lang="en-US" dirty="0" smtClean="0"/>
+              <a:t>2. Mealy circuit : In this model, the output depends on both the present state of the flip-flop(s)  and the input(s).</a:t>
+            </a:r>
+            <a:endParaRPr lang="en-IN" dirty="0" smtClean="0"/>
+          </a:p>
+        </p:txBody>
+      </p:sp>
     </p:spTree>
   </p:cSld>
   <p:clrMapOvr>
@@ -6535,12 +7241,7 @@
             <p:ph type="title"/>
           </p:nvPr>
         </p:nvSpPr>
-        <p:spPr>
-          <a:xfrm>
-            <a:off x="457200" y="285750"/>
-            <a:ext cx="8229600" cy="1143000"/>
-          </a:xfrm>
-        </p:spPr>
+        <p:spPr/>
         <p:txBody>
           <a:bodyPr rtlCol="0">
             <a:normAutofit/>
@@ -6559,7 +7260,7 @@
                   <a:srgbClr val="FFFF00"/>
                 </a:solidFill>
               </a:rPr>
-              <a:t>State Table</a:t>
+              <a:t>State Diagram</a:t>
             </a:r>
             <a:endParaRPr lang="en-IN" dirty="0">
               <a:solidFill>
@@ -6571,7 +7272,7 @@
       </p:sp>
       <p:sp>
         <p:nvSpPr>
-          <p:cNvPr id="8195" name="Content Placeholder 2"/>
+          <p:cNvPr id="7171" name="Content Placeholder 2"/>
           <p:cNvSpPr>
             <a:spLocks noGrp="1"/>
           </p:cNvSpPr>
@@ -6582,7 +7283,7 @@
         <p:spPr>
           <a:xfrm>
             <a:off x="457200" y="1428750"/>
-            <a:ext cx="8229600" cy="1928813"/>
+            <a:ext cx="8229600" cy="1543050"/>
           </a:xfrm>
         </p:spPr>
         <p:txBody>
@@ -6590,18 +7291,68 @@
           <a:lstStyle/>
           <a:p>
             <a:r>
-              <a:rPr lang="en-US" sz="2200" smtClean="0"/>
-              <a:t>Even though the behaviour of a sequential circuit can be conveniently described using a state diagram, for its implementation the information contained in the state diagram is to be translated into a state table. The state table is a tabular representation of the state diagram.</a:t>
-            </a:r>
-            <a:endParaRPr lang="en-IN" sz="2200" smtClean="0"/>
+              <a:rPr lang="en-US" sz="2200" dirty="0" smtClean="0"/>
+              <a:t>The state diagram or state graph is a pictorial representation of the relationships between the present state, the input, the next state, and the output of a sequential circuit, i.e. the state diagram is a pictorial representation of the </a:t>
+            </a:r>
+            <a:r>
+              <a:rPr lang="en-US" sz="2200" dirty="0" err="1" smtClean="0"/>
+              <a:t>behaviour</a:t>
+            </a:r>
+            <a:r>
+              <a:rPr lang="en-US" sz="2200" dirty="0" smtClean="0"/>
+              <a:t> of a sequential circuit.</a:t>
+            </a:r>
+            <a:endParaRPr lang="en-IN" sz="2200" dirty="0" smtClean="0"/>
+          </a:p>
+        </p:txBody>
+      </p:sp>
+      <p:sp>
+        <p:nvSpPr>
+          <p:cNvPr id="7172" name="TextBox 4"/>
+          <p:cNvSpPr txBox="1">
+            <a:spLocks noChangeArrowheads="1"/>
+          </p:cNvSpPr>
+          <p:nvPr/>
+        </p:nvSpPr>
+        <p:spPr bwMode="auto">
+          <a:xfrm>
+            <a:off x="2071688" y="6286500"/>
+            <a:ext cx="5072062" cy="369888"/>
+          </a:xfrm>
+          <a:prstGeom prst="rect">
+            <a:avLst/>
+          </a:prstGeom>
+          <a:noFill/>
+          <a:ln w="9525">
+            <a:noFill/>
+            <a:miter lim="800000"/>
+            <a:headEnd/>
+            <a:tailEnd/>
+          </a:ln>
+        </p:spPr>
+        <p:txBody>
+          <a:bodyPr>
+            <a:spAutoFit/>
+          </a:bodyPr>
+          <a:lstStyle/>
+          <a:p>
+            <a:r>
+              <a:rPr lang="en-US">
+                <a:latin typeface="Calibri" pitchFamily="34" charset="0"/>
+              </a:rPr>
+              <a:t>State diagram and state table using mealy machine</a:t>
+            </a:r>
+            <a:endParaRPr lang="en-IN">
+              <a:latin typeface="Calibri" pitchFamily="34" charset="0"/>
+            </a:endParaRPr>
           </a:p>
         </p:txBody>
       </p:sp>
       <p:pic>
         <p:nvPicPr>
-          <p:cNvPr id="8196" name="Picture 5" descr="IMG-20141008-WA0022.jpg"/>
+          <p:cNvPr id="7173" name="Picture 2" descr="D:\Picture1.jpg"/>
           <p:cNvPicPr>
-            <a:picLocks noChangeAspect="1"/>
+            <a:picLocks noChangeAspect="1" noChangeArrowheads="1"/>
           </p:cNvPicPr>
           <p:nvPr/>
         </p:nvPicPr>
@@ -6614,8 +7365,8 @@
         </p:blipFill>
         <p:spPr bwMode="auto">
           <a:xfrm>
-            <a:off x="1295400" y="3200400"/>
-            <a:ext cx="6700838" cy="2928938"/>
+            <a:off x="1265238" y="3143250"/>
+            <a:ext cx="6613525" cy="2955925"/>
           </a:xfrm>
           <a:prstGeom prst="rect">
             <a:avLst/>
@@ -6663,7 +7414,7 @@
       </p:grpSpPr>
       <p:sp>
         <p:nvSpPr>
-          <p:cNvPr id="4" name="Title 3"/>
+          <p:cNvPr id="2" name="Title 1"/>
           <p:cNvSpPr>
             <a:spLocks noGrp="1"/>
           </p:cNvSpPr>
@@ -6671,20 +7422,33 @@
             <p:ph type="title"/>
           </p:nvPr>
         </p:nvSpPr>
-        <p:spPr/>
-        <p:txBody>
-          <a:bodyPr/>
-          <a:lstStyle/>
-          <a:p>
+        <p:spPr>
+          <a:xfrm>
+            <a:off x="457200" y="285750"/>
+            <a:ext cx="8229600" cy="1143000"/>
+          </a:xfrm>
+        </p:spPr>
+        <p:txBody>
+          <a:bodyPr rtlCol="0">
+            <a:normAutofit/>
+          </a:bodyPr>
+          <a:lstStyle/>
+          <a:p>
+            <a:pPr fontAlgn="auto">
+              <a:spcAft>
+                <a:spcPts val="0"/>
+              </a:spcAft>
+              <a:defRPr/>
+            </a:pPr>
             <a:r>
               <a:rPr lang="en-US" dirty="0" smtClean="0">
                 <a:solidFill>
                   <a:srgbClr val="FFFF00"/>
                 </a:solidFill>
               </a:rPr>
-              <a:t>Sequence Detector</a:t>
-            </a:r>
-            <a:endParaRPr lang="en-US" dirty="0">
+              <a:t>State Table</a:t>
+            </a:r>
+            <a:endParaRPr lang="en-IN" dirty="0">
               <a:solidFill>
                 <a:srgbClr val="FFFF00"/>
               </a:solidFill>
@@ -6694,7 +7458,7 @@
       </p:sp>
       <p:sp>
         <p:nvSpPr>
-          <p:cNvPr id="5" name="Content Placeholder 4"/>
+          <p:cNvPr id="8195" name="Content Placeholder 2"/>
           <p:cNvSpPr>
             <a:spLocks noGrp="1"/>
           </p:cNvSpPr>
@@ -6702,54 +7466,68 @@
             <p:ph idx="1"/>
           </p:nvPr>
         </p:nvSpPr>
-        <p:spPr/>
+        <p:spPr>
+          <a:xfrm>
+            <a:off x="457200" y="1428750"/>
+            <a:ext cx="8229600" cy="1928813"/>
+          </a:xfrm>
+        </p:spPr>
         <p:txBody>
           <a:bodyPr/>
           <a:lstStyle/>
           <a:p>
             <a:r>
-              <a:rPr lang="en-US" dirty="0" smtClean="0"/>
-              <a:t>A sequence detector detects a sequence which is an input string of 1 or 0 bits only.</a:t>
-            </a:r>
-          </a:p>
-          <a:p>
-            <a:r>
-              <a:rPr lang="en-US" dirty="0" smtClean="0"/>
-              <a:t>The output of detector goes to 1 only when the input sequence is detected.</a:t>
-            </a:r>
-          </a:p>
-          <a:p>
-            <a:r>
-              <a:rPr lang="en-US" dirty="0" smtClean="0"/>
-              <a:t>There are two basic types – </a:t>
-            </a:r>
-          </a:p>
-          <a:p>
-            <a:pPr>
-              <a:buNone/>
-            </a:pPr>
-            <a:r>
-              <a:rPr lang="en-US" dirty="0" smtClean="0"/>
-              <a:t>	1. Overlapping</a:t>
-            </a:r>
-          </a:p>
-          <a:p>
-            <a:pPr>
-              <a:buNone/>
-            </a:pPr>
-            <a:r>
-              <a:rPr lang="en-US" dirty="0" smtClean="0"/>
-              <a:t>	2. Non-Overlapping</a:t>
-            </a:r>
-            <a:endParaRPr lang="en-US" dirty="0"/>
-          </a:p>
-        </p:txBody>
-      </p:sp>
+              <a:rPr lang="en-US" sz="2200" smtClean="0"/>
+              <a:t>Even though the behaviour of a sequential circuit can be conveniently described using a state diagram, for its implementation the information contained in the state diagram is to be translated into a state table. The state table is a tabular representation of the state diagram.</a:t>
+            </a:r>
+            <a:endParaRPr lang="en-IN" sz="2200" smtClean="0"/>
+          </a:p>
+        </p:txBody>
+      </p:sp>
+      <p:pic>
+        <p:nvPicPr>
+          <p:cNvPr id="8196" name="Picture 5" descr="IMG-20141008-WA0022.jpg"/>
+          <p:cNvPicPr>
+            <a:picLocks noChangeAspect="1"/>
+          </p:cNvPicPr>
+          <p:nvPr/>
+        </p:nvPicPr>
+        <p:blipFill>
+          <a:blip r:embed="rId2"/>
+          <a:srcRect/>
+          <a:stretch>
+            <a:fillRect/>
+          </a:stretch>
+        </p:blipFill>
+        <p:spPr bwMode="auto">
+          <a:xfrm>
+            <a:off x="1295400" y="3200400"/>
+            <a:ext cx="6700838" cy="2928938"/>
+          </a:xfrm>
+          <a:prstGeom prst="rect">
+            <a:avLst/>
+          </a:prstGeom>
+          <a:noFill/>
+          <a:ln w="9525">
+            <a:noFill/>
+            <a:miter lim="800000"/>
+            <a:headEnd/>
+            <a:tailEnd/>
+          </a:ln>
+        </p:spPr>
+      </p:pic>
     </p:spTree>
   </p:cSld>
   <p:clrMapOvr>
     <a:masterClrMapping/>
   </p:clrMapOvr>
+  <p:timing>
+    <p:tnLst>
+      <p:par>
+        <p:cTn id="1" dur="indefinite" restart="never" nodeType="tmRoot"/>
+      </p:par>
+    </p:tnLst>
+  </p:timing>
 </p:sld>
 </file>
 

--- a/SDuSSM.pptx
+++ b/SDuSSM.pptx
@@ -5,7 +5,7 @@
     <p:sldMasterId id="2147483648" r:id="rId1"/>
   </p:sldMasterIdLst>
   <p:notesMasterIdLst>
-    <p:notesMasterId r:id="rId17"/>
+    <p:notesMasterId r:id="rId18"/>
   </p:notesMasterIdLst>
   <p:sldIdLst>
     <p:sldId id="257" r:id="rId2"/>
@@ -23,6 +23,7 @@
     <p:sldId id="272" r:id="rId14"/>
     <p:sldId id="262" r:id="rId15"/>
     <p:sldId id="270" r:id="rId16"/>
+    <p:sldId id="273" r:id="rId17"/>
   </p:sldIdLst>
   <p:sldSz cx="9144000" cy="6858000" type="screen4x3"/>
   <p:notesSz cx="6858000" cy="9144000"/>
@@ -207,7 +208,7 @@
             <a:fld id="{16A0E10F-8552-486F-B46D-522CEB7DDEEF}" type="datetimeFigureOut">
               <a:rPr lang="en-US" smtClean="0"/>
               <a:pPr/>
-              <a:t>9/27/2017</a:t>
+              <a:t>27-Sep-17</a:t>
             </a:fld>
             <a:endParaRPr lang="en-IN"/>
           </a:p>
@@ -809,7 +810,7 @@
             <a:fld id="{79E054EE-4C7F-4BAB-9B46-7E03384E31AF}" type="datetimeFigureOut">
               <a:rPr lang="en-US" smtClean="0"/>
               <a:pPr/>
-              <a:t>9/27/2017</a:t>
+              <a:t>27-Sep-17</a:t>
             </a:fld>
             <a:endParaRPr lang="en-US"/>
           </a:p>
@@ -976,7 +977,7 @@
             <a:fld id="{79E054EE-4C7F-4BAB-9B46-7E03384E31AF}" type="datetimeFigureOut">
               <a:rPr lang="en-US" smtClean="0"/>
               <a:pPr/>
-              <a:t>9/27/2017</a:t>
+              <a:t>27-Sep-17</a:t>
             </a:fld>
             <a:endParaRPr lang="en-US"/>
           </a:p>
@@ -1153,7 +1154,7 @@
             <a:fld id="{79E054EE-4C7F-4BAB-9B46-7E03384E31AF}" type="datetimeFigureOut">
               <a:rPr lang="en-US" smtClean="0"/>
               <a:pPr/>
-              <a:t>9/27/2017</a:t>
+              <a:t>27-Sep-17</a:t>
             </a:fld>
             <a:endParaRPr lang="en-US"/>
           </a:p>
@@ -1320,7 +1321,7 @@
             <a:fld id="{79E054EE-4C7F-4BAB-9B46-7E03384E31AF}" type="datetimeFigureOut">
               <a:rPr lang="en-US" smtClean="0"/>
               <a:pPr/>
-              <a:t>9/27/2017</a:t>
+              <a:t>27-Sep-17</a:t>
             </a:fld>
             <a:endParaRPr lang="en-US"/>
           </a:p>
@@ -1563,7 +1564,7 @@
             <a:fld id="{79E054EE-4C7F-4BAB-9B46-7E03384E31AF}" type="datetimeFigureOut">
               <a:rPr lang="en-US" smtClean="0"/>
               <a:pPr/>
-              <a:t>9/27/2017</a:t>
+              <a:t>27-Sep-17</a:t>
             </a:fld>
             <a:endParaRPr lang="en-US"/>
           </a:p>
@@ -1848,7 +1849,7 @@
             <a:fld id="{79E054EE-4C7F-4BAB-9B46-7E03384E31AF}" type="datetimeFigureOut">
               <a:rPr lang="en-US" smtClean="0"/>
               <a:pPr/>
-              <a:t>9/27/2017</a:t>
+              <a:t>27-Sep-17</a:t>
             </a:fld>
             <a:endParaRPr lang="en-US"/>
           </a:p>
@@ -2267,7 +2268,7 @@
             <a:fld id="{79E054EE-4C7F-4BAB-9B46-7E03384E31AF}" type="datetimeFigureOut">
               <a:rPr lang="en-US" smtClean="0"/>
               <a:pPr/>
-              <a:t>9/27/2017</a:t>
+              <a:t>27-Sep-17</a:t>
             </a:fld>
             <a:endParaRPr lang="en-US"/>
           </a:p>
@@ -2382,7 +2383,7 @@
             <a:fld id="{79E054EE-4C7F-4BAB-9B46-7E03384E31AF}" type="datetimeFigureOut">
               <a:rPr lang="en-US" smtClean="0"/>
               <a:pPr/>
-              <a:t>9/27/2017</a:t>
+              <a:t>27-Sep-17</a:t>
             </a:fld>
             <a:endParaRPr lang="en-US"/>
           </a:p>
@@ -2474,7 +2475,7 @@
             <a:fld id="{79E054EE-4C7F-4BAB-9B46-7E03384E31AF}" type="datetimeFigureOut">
               <a:rPr lang="en-US" smtClean="0"/>
               <a:pPr/>
-              <a:t>9/27/2017</a:t>
+              <a:t>27-Sep-17</a:t>
             </a:fld>
             <a:endParaRPr lang="en-US"/>
           </a:p>
@@ -2748,7 +2749,7 @@
             <a:fld id="{79E054EE-4C7F-4BAB-9B46-7E03384E31AF}" type="datetimeFigureOut">
               <a:rPr lang="en-US" smtClean="0"/>
               <a:pPr/>
-              <a:t>9/27/2017</a:t>
+              <a:t>27-Sep-17</a:t>
             </a:fld>
             <a:endParaRPr lang="en-US"/>
           </a:p>
@@ -2998,7 +2999,7 @@
             <a:fld id="{79E054EE-4C7F-4BAB-9B46-7E03384E31AF}" type="datetimeFigureOut">
               <a:rPr lang="en-US" smtClean="0"/>
               <a:pPr/>
-              <a:t>9/27/2017</a:t>
+              <a:t>27-Sep-17</a:t>
             </a:fld>
             <a:endParaRPr lang="en-US"/>
           </a:p>
@@ -3208,7 +3209,7 @@
             <a:fld id="{79E054EE-4C7F-4BAB-9B46-7E03384E31AF}" type="datetimeFigureOut">
               <a:rPr lang="en-US" smtClean="0"/>
               <a:pPr/>
-              <a:t>9/27/2017</a:t>
+              <a:t>27-Sep-17</a:t>
             </a:fld>
             <a:endParaRPr lang="en-US"/>
           </a:p>
@@ -3808,7 +3809,7 @@
                     <a:p>
                       <a:r>
                         <a:rPr lang="en-US" sz="2000" dirty="0" err="1" smtClean="0"/>
-                        <a:t>Amul</a:t>
+                        <a:t>Muskan</a:t>
                       </a:r>
                       <a:r>
                         <a:rPr lang="en-US" sz="2000" dirty="0" smtClean="0"/>
@@ -3816,7 +3817,7 @@
                       </a:r>
                       <a:r>
                         <a:rPr lang="en-US" sz="2000" dirty="0" err="1" smtClean="0"/>
-                        <a:t>Luniya</a:t>
+                        <a:t>Agarwal</a:t>
                       </a:r>
                       <a:endParaRPr lang="en-US" sz="2000" dirty="0"/>
                     </a:p>
@@ -3830,7 +3831,7 @@
                     <a:p>
                       <a:r>
                         <a:rPr lang="en-US" sz="2000" dirty="0" smtClean="0"/>
-                        <a:t>160420107003</a:t>
+                        <a:t>160420107001</a:t>
                       </a:r>
                       <a:endParaRPr lang="en-US" sz="2000" dirty="0"/>
                     </a:p>
@@ -3863,7 +3864,7 @@
                       </a:pPr>
                       <a:r>
                         <a:rPr lang="en-US" sz="2000" dirty="0" err="1" smtClean="0"/>
-                        <a:t>Priya</a:t>
+                        <a:t>Darshit</a:t>
                       </a:r>
                       <a:r>
                         <a:rPr lang="en-US" sz="2000" dirty="0" smtClean="0"/>
@@ -3871,7 +3872,7 @@
                       </a:r>
                       <a:r>
                         <a:rPr lang="en-US" sz="2000" dirty="0" err="1" smtClean="0"/>
-                        <a:t>Bhagwakar</a:t>
+                        <a:t>Akbari</a:t>
                       </a:r>
                       <a:endParaRPr lang="en-US" sz="2000" dirty="0" smtClean="0"/>
                     </a:p>
@@ -3885,7 +3886,7 @@
                     <a:p>
                       <a:r>
                         <a:rPr lang="en-US" sz="2000" dirty="0" smtClean="0"/>
-                        <a:t>160420107004</a:t>
+                        <a:t>160420107002</a:t>
                       </a:r>
                       <a:endParaRPr lang="en-US" sz="2000" dirty="0"/>
                     </a:p>
@@ -3901,7 +3902,7 @@
                     <a:p>
                       <a:r>
                         <a:rPr lang="en-US" sz="2000" dirty="0" err="1" smtClean="0"/>
-                        <a:t>Darshit</a:t>
+                        <a:t>Amul</a:t>
                       </a:r>
                       <a:r>
                         <a:rPr lang="en-US" sz="2000" dirty="0" smtClean="0"/>
@@ -3909,7 +3910,7 @@
                       </a:r>
                       <a:r>
                         <a:rPr lang="en-US" sz="2000" dirty="0" err="1" smtClean="0"/>
-                        <a:t>Akbari</a:t>
+                        <a:t>Luniya</a:t>
                       </a:r>
                       <a:endParaRPr lang="en-US" sz="2000" dirty="0"/>
                     </a:p>
@@ -3940,8 +3941,9 @@
                       </a:pPr>
                       <a:r>
                         <a:rPr lang="en-US" sz="2000" dirty="0" smtClean="0"/>
-                        <a:t>160420107002</a:t>
+                        <a:t>160420107003</a:t>
                       </a:r>
+                      <a:endParaRPr lang="en-US" sz="2000" dirty="0" smtClean="0"/>
                     </a:p>
                   </a:txBody>
                   <a:tcPr/>
@@ -3955,7 +3957,7 @@
                     <a:p>
                       <a:r>
                         <a:rPr lang="en-US" sz="2000" dirty="0" err="1" smtClean="0"/>
-                        <a:t>Muskan</a:t>
+                        <a:t>Priya</a:t>
                       </a:r>
                       <a:r>
                         <a:rPr lang="en-US" sz="2000" dirty="0" smtClean="0"/>
@@ -3963,7 +3965,7 @@
                       </a:r>
                       <a:r>
                         <a:rPr lang="en-US" sz="2000" dirty="0" err="1" smtClean="0"/>
-                        <a:t>Agarwal</a:t>
+                        <a:t>Bhagwakar</a:t>
                       </a:r>
                       <a:endParaRPr lang="en-US" sz="2000" dirty="0"/>
                     </a:p>
@@ -3994,8 +3996,9 @@
                       </a:pPr>
                       <a:r>
                         <a:rPr lang="en-US" sz="2000" dirty="0" smtClean="0"/>
-                        <a:t>160420107001</a:t>
+                        <a:t>160420107004</a:t>
                       </a:r>
+                      <a:endParaRPr lang="en-US" sz="2000" dirty="0" smtClean="0"/>
                     </a:p>
                   </a:txBody>
                   <a:tcPr/>
@@ -4269,6 +4272,9 @@
   <p:clrMapOvr>
     <a:masterClrMapping/>
   </p:clrMapOvr>
+  <p:transition>
+    <p:wipe dir="d"/>
+  </p:transition>
 </p:sld>
 </file>
 
@@ -4923,28 +4929,1183 @@
           <a:p>
             <a:r>
               <a:rPr lang="en-US" dirty="0" smtClean="0"/>
-              <a:t>Circuit</a:t>
+              <a:t>Truth Table</a:t>
             </a:r>
             <a:endParaRPr lang="en-IN" dirty="0"/>
           </a:p>
         </p:txBody>
       </p:sp>
-      <p:sp>
-        <p:nvSpPr>
-          <p:cNvPr id="3" name="Content Placeholder 2"/>
-          <p:cNvSpPr>
-            <a:spLocks noGrp="1"/>
-          </p:cNvSpPr>
+      <p:graphicFrame>
+        <p:nvGraphicFramePr>
+          <p:cNvPr id="4" name="Content Placeholder 3"/>
+          <p:cNvGraphicFramePr>
+            <a:graphicFrameLocks noGrp="1"/>
+          </p:cNvGraphicFramePr>
           <p:nvPr>
             <p:ph idx="1"/>
           </p:nvPr>
-        </p:nvSpPr>
-        <p:spPr/>
-        <p:txBody>
-          <a:bodyPr/>
+        </p:nvGraphicFramePr>
+        <p:xfrm>
+          <a:off x="457200" y="1371600"/>
+          <a:ext cx="8229600" cy="3337560"/>
+        </p:xfrm>
+        <a:graphic>
+          <a:graphicData uri="http://schemas.openxmlformats.org/drawingml/2006/table">
+            <a:tbl>
+              <a:tblPr firstRow="1" bandRow="1">
+                <a:tableStyleId>{5C22544A-7EE6-4342-B048-85BDC9FD1C3A}</a:tableStyleId>
+              </a:tblPr>
+              <a:tblGrid>
+                <a:gridCol w="1028700"/>
+                <a:gridCol w="1028700"/>
+                <a:gridCol w="1028700"/>
+                <a:gridCol w="1028700"/>
+                <a:gridCol w="1028700"/>
+                <a:gridCol w="1028700"/>
+                <a:gridCol w="1028700"/>
+                <a:gridCol w="1028700"/>
+              </a:tblGrid>
+              <a:tr h="370840">
+                <a:tc>
+                  <a:txBody>
+                    <a:bodyPr/>
+                    <a:lstStyle/>
+                    <a:p>
+                      <a:pPr algn="ctr"/>
+                      <a:r>
+                        <a:rPr lang="en-US" dirty="0" smtClean="0"/>
+                        <a:t>Q1</a:t>
+                      </a:r>
+                      <a:endParaRPr lang="en-US" dirty="0"/>
+                    </a:p>
+                  </a:txBody>
+                  <a:tcPr/>
+                </a:tc>
+                <a:tc>
+                  <a:txBody>
+                    <a:bodyPr/>
+                    <a:lstStyle/>
+                    <a:p>
+                      <a:pPr algn="ctr"/>
+                      <a:r>
+                        <a:rPr lang="en-US" dirty="0" smtClean="0"/>
+                        <a:t>Q2</a:t>
+                      </a:r>
+                      <a:endParaRPr lang="en-US" dirty="0"/>
+                    </a:p>
+                  </a:txBody>
+                  <a:tcPr/>
+                </a:tc>
+                <a:tc>
+                  <a:txBody>
+                    <a:bodyPr/>
+                    <a:lstStyle/>
+                    <a:p>
+                      <a:pPr algn="ctr"/>
+                      <a:r>
+                        <a:rPr lang="en-US" dirty="0" smtClean="0"/>
+                        <a:t>I/P</a:t>
+                      </a:r>
+                      <a:endParaRPr lang="en-US" dirty="0"/>
+                    </a:p>
+                  </a:txBody>
+                  <a:tcPr/>
+                </a:tc>
+                <a:tc>
+                  <a:txBody>
+                    <a:bodyPr/>
+                    <a:lstStyle/>
+                    <a:p>
+                      <a:pPr algn="ctr"/>
+                      <a:r>
+                        <a:rPr lang="en-US" dirty="0" smtClean="0"/>
+                        <a:t>Q1(n+1)</a:t>
+                      </a:r>
+                      <a:endParaRPr lang="en-US" dirty="0"/>
+                    </a:p>
+                  </a:txBody>
+                  <a:tcPr/>
+                </a:tc>
+                <a:tc>
+                  <a:txBody>
+                    <a:bodyPr/>
+                    <a:lstStyle/>
+                    <a:p>
+                      <a:pPr algn="ctr"/>
+                      <a:r>
+                        <a:rPr lang="en-US" dirty="0" smtClean="0"/>
+                        <a:t>Q2(n+1)</a:t>
+                      </a:r>
+                      <a:endParaRPr lang="en-US" dirty="0"/>
+                    </a:p>
+                  </a:txBody>
+                  <a:tcPr/>
+                </a:tc>
+                <a:tc>
+                  <a:txBody>
+                    <a:bodyPr/>
+                    <a:lstStyle/>
+                    <a:p>
+                      <a:pPr algn="ctr"/>
+                      <a:r>
+                        <a:rPr lang="en-US" dirty="0" smtClean="0"/>
+                        <a:t>O/P</a:t>
+                      </a:r>
+                      <a:endParaRPr lang="en-US" dirty="0"/>
+                    </a:p>
+                  </a:txBody>
+                  <a:tcPr/>
+                </a:tc>
+                <a:tc>
+                  <a:txBody>
+                    <a:bodyPr/>
+                    <a:lstStyle/>
+                    <a:p>
+                      <a:pPr algn="ctr"/>
+                      <a:r>
+                        <a:rPr lang="en-US" dirty="0" smtClean="0"/>
+                        <a:t>D1</a:t>
+                      </a:r>
+                      <a:endParaRPr lang="en-US" dirty="0"/>
+                    </a:p>
+                  </a:txBody>
+                  <a:tcPr/>
+                </a:tc>
+                <a:tc>
+                  <a:txBody>
+                    <a:bodyPr/>
+                    <a:lstStyle/>
+                    <a:p>
+                      <a:pPr algn="ctr"/>
+                      <a:r>
+                        <a:rPr lang="en-US" dirty="0" smtClean="0"/>
+                        <a:t>D2</a:t>
+                      </a:r>
+                      <a:endParaRPr lang="en-US" dirty="0"/>
+                    </a:p>
+                  </a:txBody>
+                  <a:tcPr/>
+                </a:tc>
+              </a:tr>
+              <a:tr h="370840">
+                <a:tc>
+                  <a:txBody>
+                    <a:bodyPr/>
+                    <a:lstStyle/>
+                    <a:p>
+                      <a:pPr algn="ctr"/>
+                      <a:r>
+                        <a:rPr lang="en-US" dirty="0" smtClean="0"/>
+                        <a:t>0</a:t>
+                      </a:r>
+                      <a:endParaRPr lang="en-US" dirty="0"/>
+                    </a:p>
+                  </a:txBody>
+                  <a:tcPr/>
+                </a:tc>
+                <a:tc>
+                  <a:txBody>
+                    <a:bodyPr/>
+                    <a:lstStyle/>
+                    <a:p>
+                      <a:pPr algn="ctr"/>
+                      <a:r>
+                        <a:rPr lang="en-US" dirty="0" smtClean="0"/>
+                        <a:t>0</a:t>
+                      </a:r>
+                      <a:endParaRPr lang="en-US" dirty="0"/>
+                    </a:p>
+                  </a:txBody>
+                  <a:tcPr/>
+                </a:tc>
+                <a:tc>
+                  <a:txBody>
+                    <a:bodyPr/>
+                    <a:lstStyle/>
+                    <a:p>
+                      <a:pPr algn="ctr"/>
+                      <a:r>
+                        <a:rPr lang="en-US" dirty="0" smtClean="0"/>
+                        <a:t>0</a:t>
+                      </a:r>
+                      <a:endParaRPr lang="en-US" dirty="0"/>
+                    </a:p>
+                  </a:txBody>
+                  <a:tcPr/>
+                </a:tc>
+                <a:tc>
+                  <a:txBody>
+                    <a:bodyPr/>
+                    <a:lstStyle/>
+                    <a:p>
+                      <a:pPr algn="ctr"/>
+                      <a:r>
+                        <a:rPr lang="en-US" dirty="0" smtClean="0"/>
+                        <a:t>0</a:t>
+                      </a:r>
+                      <a:endParaRPr lang="en-US" dirty="0"/>
+                    </a:p>
+                  </a:txBody>
+                  <a:tcPr/>
+                </a:tc>
+                <a:tc>
+                  <a:txBody>
+                    <a:bodyPr/>
+                    <a:lstStyle/>
+                    <a:p>
+                      <a:pPr algn="ctr"/>
+                      <a:r>
+                        <a:rPr lang="en-US" dirty="0" smtClean="0"/>
+                        <a:t>0</a:t>
+                      </a:r>
+                      <a:endParaRPr lang="en-US" dirty="0"/>
+                    </a:p>
+                  </a:txBody>
+                  <a:tcPr/>
+                </a:tc>
+                <a:tc>
+                  <a:txBody>
+                    <a:bodyPr/>
+                    <a:lstStyle/>
+                    <a:p>
+                      <a:pPr algn="ctr"/>
+                      <a:r>
+                        <a:rPr lang="en-US" dirty="0" smtClean="0"/>
+                        <a:t>0</a:t>
+                      </a:r>
+                      <a:endParaRPr lang="en-US" dirty="0"/>
+                    </a:p>
+                  </a:txBody>
+                  <a:tcPr/>
+                </a:tc>
+                <a:tc>
+                  <a:txBody>
+                    <a:bodyPr/>
+                    <a:lstStyle/>
+                    <a:p>
+                      <a:pPr algn="ctr"/>
+                      <a:r>
+                        <a:rPr lang="en-US" dirty="0" smtClean="0"/>
+                        <a:t>0</a:t>
+                      </a:r>
+                      <a:endParaRPr lang="en-US" dirty="0"/>
+                    </a:p>
+                  </a:txBody>
+                  <a:tcPr/>
+                </a:tc>
+                <a:tc>
+                  <a:txBody>
+                    <a:bodyPr/>
+                    <a:lstStyle/>
+                    <a:p>
+                      <a:pPr algn="ctr"/>
+                      <a:r>
+                        <a:rPr lang="en-US" dirty="0" smtClean="0"/>
+                        <a:t>0</a:t>
+                      </a:r>
+                      <a:endParaRPr lang="en-US" dirty="0"/>
+                    </a:p>
+                  </a:txBody>
+                  <a:tcPr/>
+                </a:tc>
+              </a:tr>
+              <a:tr h="370840">
+                <a:tc>
+                  <a:txBody>
+                    <a:bodyPr/>
+                    <a:lstStyle/>
+                    <a:p>
+                      <a:pPr algn="ctr"/>
+                      <a:r>
+                        <a:rPr lang="en-US" dirty="0" smtClean="0"/>
+                        <a:t>0</a:t>
+                      </a:r>
+                      <a:endParaRPr lang="en-US" dirty="0"/>
+                    </a:p>
+                  </a:txBody>
+                  <a:tcPr/>
+                </a:tc>
+                <a:tc>
+                  <a:txBody>
+                    <a:bodyPr/>
+                    <a:lstStyle/>
+                    <a:p>
+                      <a:pPr algn="ctr"/>
+                      <a:r>
+                        <a:rPr lang="en-US" dirty="0" smtClean="0"/>
+                        <a:t>0</a:t>
+                      </a:r>
+                      <a:endParaRPr lang="en-US" dirty="0"/>
+                    </a:p>
+                  </a:txBody>
+                  <a:tcPr/>
+                </a:tc>
+                <a:tc>
+                  <a:txBody>
+                    <a:bodyPr/>
+                    <a:lstStyle/>
+                    <a:p>
+                      <a:pPr algn="ctr"/>
+                      <a:r>
+                        <a:rPr lang="en-US" dirty="0" smtClean="0"/>
+                        <a:t>1</a:t>
+                      </a:r>
+                      <a:endParaRPr lang="en-US" dirty="0"/>
+                    </a:p>
+                  </a:txBody>
+                  <a:tcPr/>
+                </a:tc>
+                <a:tc>
+                  <a:txBody>
+                    <a:bodyPr/>
+                    <a:lstStyle/>
+                    <a:p>
+                      <a:pPr algn="ctr"/>
+                      <a:r>
+                        <a:rPr lang="en-US" dirty="0" smtClean="0"/>
+                        <a:t>0</a:t>
+                      </a:r>
+                      <a:endParaRPr lang="en-US" dirty="0"/>
+                    </a:p>
+                  </a:txBody>
+                  <a:tcPr/>
+                </a:tc>
+                <a:tc>
+                  <a:txBody>
+                    <a:bodyPr/>
+                    <a:lstStyle/>
+                    <a:p>
+                      <a:pPr algn="ctr"/>
+                      <a:r>
+                        <a:rPr lang="en-US" dirty="0" smtClean="0"/>
+                        <a:t>1</a:t>
+                      </a:r>
+                      <a:endParaRPr lang="en-US" dirty="0"/>
+                    </a:p>
+                  </a:txBody>
+                  <a:tcPr/>
+                </a:tc>
+                <a:tc>
+                  <a:txBody>
+                    <a:bodyPr/>
+                    <a:lstStyle/>
+                    <a:p>
+                      <a:pPr algn="ctr"/>
+                      <a:r>
+                        <a:rPr lang="en-US" dirty="0" smtClean="0"/>
+                        <a:t>0</a:t>
+                      </a:r>
+                      <a:endParaRPr lang="en-US" dirty="0"/>
+                    </a:p>
+                  </a:txBody>
+                  <a:tcPr/>
+                </a:tc>
+                <a:tc>
+                  <a:txBody>
+                    <a:bodyPr/>
+                    <a:lstStyle/>
+                    <a:p>
+                      <a:pPr algn="ctr"/>
+                      <a:r>
+                        <a:rPr lang="en-US" dirty="0" smtClean="0"/>
+                        <a:t>0</a:t>
+                      </a:r>
+                      <a:endParaRPr lang="en-US" dirty="0"/>
+                    </a:p>
+                  </a:txBody>
+                  <a:tcPr/>
+                </a:tc>
+                <a:tc>
+                  <a:txBody>
+                    <a:bodyPr/>
+                    <a:lstStyle/>
+                    <a:p>
+                      <a:pPr algn="ctr"/>
+                      <a:r>
+                        <a:rPr lang="en-US" dirty="0" smtClean="0"/>
+                        <a:t>1</a:t>
+                      </a:r>
+                      <a:endParaRPr lang="en-US" dirty="0"/>
+                    </a:p>
+                  </a:txBody>
+                  <a:tcPr/>
+                </a:tc>
+              </a:tr>
+              <a:tr h="370840">
+                <a:tc>
+                  <a:txBody>
+                    <a:bodyPr/>
+                    <a:lstStyle/>
+                    <a:p>
+                      <a:pPr algn="ctr"/>
+                      <a:r>
+                        <a:rPr lang="en-US" dirty="0" smtClean="0"/>
+                        <a:t>0</a:t>
+                      </a:r>
+                      <a:endParaRPr lang="en-US" dirty="0"/>
+                    </a:p>
+                  </a:txBody>
+                  <a:tcPr/>
+                </a:tc>
+                <a:tc>
+                  <a:txBody>
+                    <a:bodyPr/>
+                    <a:lstStyle/>
+                    <a:p>
+                      <a:pPr algn="ctr"/>
+                      <a:r>
+                        <a:rPr lang="en-US" dirty="0" smtClean="0"/>
+                        <a:t>1</a:t>
+                      </a:r>
+                      <a:endParaRPr lang="en-US" dirty="0"/>
+                    </a:p>
+                  </a:txBody>
+                  <a:tcPr/>
+                </a:tc>
+                <a:tc>
+                  <a:txBody>
+                    <a:bodyPr/>
+                    <a:lstStyle/>
+                    <a:p>
+                      <a:pPr algn="ctr"/>
+                      <a:r>
+                        <a:rPr lang="en-US" dirty="0" smtClean="0"/>
+                        <a:t>0</a:t>
+                      </a:r>
+                      <a:endParaRPr lang="en-US" dirty="0"/>
+                    </a:p>
+                  </a:txBody>
+                  <a:tcPr/>
+                </a:tc>
+                <a:tc>
+                  <a:txBody>
+                    <a:bodyPr/>
+                    <a:lstStyle/>
+                    <a:p>
+                      <a:pPr algn="ctr"/>
+                      <a:r>
+                        <a:rPr lang="en-US" dirty="0" smtClean="0"/>
+                        <a:t>1</a:t>
+                      </a:r>
+                      <a:endParaRPr lang="en-US" dirty="0"/>
+                    </a:p>
+                  </a:txBody>
+                  <a:tcPr/>
+                </a:tc>
+                <a:tc>
+                  <a:txBody>
+                    <a:bodyPr/>
+                    <a:lstStyle/>
+                    <a:p>
+                      <a:pPr algn="ctr"/>
+                      <a:r>
+                        <a:rPr lang="en-US" dirty="0" smtClean="0"/>
+                        <a:t>0</a:t>
+                      </a:r>
+                      <a:endParaRPr lang="en-US" dirty="0"/>
+                    </a:p>
+                  </a:txBody>
+                  <a:tcPr/>
+                </a:tc>
+                <a:tc>
+                  <a:txBody>
+                    <a:bodyPr/>
+                    <a:lstStyle/>
+                    <a:p>
+                      <a:pPr algn="ctr"/>
+                      <a:r>
+                        <a:rPr lang="en-US" dirty="0" smtClean="0"/>
+                        <a:t>0</a:t>
+                      </a:r>
+                      <a:endParaRPr lang="en-US" dirty="0"/>
+                    </a:p>
+                  </a:txBody>
+                  <a:tcPr/>
+                </a:tc>
+                <a:tc>
+                  <a:txBody>
+                    <a:bodyPr/>
+                    <a:lstStyle/>
+                    <a:p>
+                      <a:pPr algn="ctr"/>
+                      <a:r>
+                        <a:rPr lang="en-US" dirty="0" smtClean="0"/>
+                        <a:t>1</a:t>
+                      </a:r>
+                      <a:endParaRPr lang="en-US" dirty="0"/>
+                    </a:p>
+                  </a:txBody>
+                  <a:tcPr/>
+                </a:tc>
+                <a:tc>
+                  <a:txBody>
+                    <a:bodyPr/>
+                    <a:lstStyle/>
+                    <a:p>
+                      <a:pPr algn="ctr"/>
+                      <a:r>
+                        <a:rPr lang="en-US" dirty="0" smtClean="0"/>
+                        <a:t>0</a:t>
+                      </a:r>
+                      <a:endParaRPr lang="en-US" dirty="0"/>
+                    </a:p>
+                  </a:txBody>
+                  <a:tcPr/>
+                </a:tc>
+              </a:tr>
+              <a:tr h="370840">
+                <a:tc>
+                  <a:txBody>
+                    <a:bodyPr/>
+                    <a:lstStyle/>
+                    <a:p>
+                      <a:pPr algn="ctr"/>
+                      <a:r>
+                        <a:rPr lang="en-US" dirty="0" smtClean="0"/>
+                        <a:t>0</a:t>
+                      </a:r>
+                      <a:endParaRPr lang="en-US" dirty="0"/>
+                    </a:p>
+                  </a:txBody>
+                  <a:tcPr/>
+                </a:tc>
+                <a:tc>
+                  <a:txBody>
+                    <a:bodyPr/>
+                    <a:lstStyle/>
+                    <a:p>
+                      <a:pPr algn="ctr"/>
+                      <a:r>
+                        <a:rPr lang="en-US" dirty="0" smtClean="0"/>
+                        <a:t>1</a:t>
+                      </a:r>
+                      <a:endParaRPr lang="en-US" dirty="0"/>
+                    </a:p>
+                  </a:txBody>
+                  <a:tcPr/>
+                </a:tc>
+                <a:tc>
+                  <a:txBody>
+                    <a:bodyPr/>
+                    <a:lstStyle/>
+                    <a:p>
+                      <a:pPr algn="ctr"/>
+                      <a:r>
+                        <a:rPr lang="en-US" dirty="0" smtClean="0"/>
+                        <a:t>1</a:t>
+                      </a:r>
+                      <a:endParaRPr lang="en-US" dirty="0"/>
+                    </a:p>
+                  </a:txBody>
+                  <a:tcPr/>
+                </a:tc>
+                <a:tc>
+                  <a:txBody>
+                    <a:bodyPr/>
+                    <a:lstStyle/>
+                    <a:p>
+                      <a:pPr algn="ctr"/>
+                      <a:r>
+                        <a:rPr lang="en-US" dirty="0" smtClean="0"/>
+                        <a:t>0</a:t>
+                      </a:r>
+                      <a:endParaRPr lang="en-US" dirty="0"/>
+                    </a:p>
+                  </a:txBody>
+                  <a:tcPr/>
+                </a:tc>
+                <a:tc>
+                  <a:txBody>
+                    <a:bodyPr/>
+                    <a:lstStyle/>
+                    <a:p>
+                      <a:pPr algn="ctr"/>
+                      <a:r>
+                        <a:rPr lang="en-US" dirty="0" smtClean="0"/>
+                        <a:t>1</a:t>
+                      </a:r>
+                      <a:endParaRPr lang="en-US" dirty="0"/>
+                    </a:p>
+                  </a:txBody>
+                  <a:tcPr/>
+                </a:tc>
+                <a:tc>
+                  <a:txBody>
+                    <a:bodyPr/>
+                    <a:lstStyle/>
+                    <a:p>
+                      <a:pPr algn="ctr"/>
+                      <a:r>
+                        <a:rPr lang="en-US" dirty="0" smtClean="0"/>
+                        <a:t>0</a:t>
+                      </a:r>
+                      <a:endParaRPr lang="en-US" dirty="0"/>
+                    </a:p>
+                  </a:txBody>
+                  <a:tcPr/>
+                </a:tc>
+                <a:tc>
+                  <a:txBody>
+                    <a:bodyPr/>
+                    <a:lstStyle/>
+                    <a:p>
+                      <a:pPr algn="ctr"/>
+                      <a:r>
+                        <a:rPr lang="en-US" dirty="0" smtClean="0"/>
+                        <a:t>0</a:t>
+                      </a:r>
+                      <a:endParaRPr lang="en-US" dirty="0"/>
+                    </a:p>
+                  </a:txBody>
+                  <a:tcPr/>
+                </a:tc>
+                <a:tc>
+                  <a:txBody>
+                    <a:bodyPr/>
+                    <a:lstStyle/>
+                    <a:p>
+                      <a:pPr algn="ctr"/>
+                      <a:r>
+                        <a:rPr lang="en-US" dirty="0" smtClean="0"/>
+                        <a:t>1</a:t>
+                      </a:r>
+                      <a:endParaRPr lang="en-US" dirty="0"/>
+                    </a:p>
+                  </a:txBody>
+                  <a:tcPr/>
+                </a:tc>
+              </a:tr>
+              <a:tr h="370840">
+                <a:tc>
+                  <a:txBody>
+                    <a:bodyPr/>
+                    <a:lstStyle/>
+                    <a:p>
+                      <a:pPr algn="ctr"/>
+                      <a:r>
+                        <a:rPr lang="en-US" dirty="0" smtClean="0"/>
+                        <a:t>1</a:t>
+                      </a:r>
+                      <a:endParaRPr lang="en-US" dirty="0"/>
+                    </a:p>
+                  </a:txBody>
+                  <a:tcPr/>
+                </a:tc>
+                <a:tc>
+                  <a:txBody>
+                    <a:bodyPr/>
+                    <a:lstStyle/>
+                    <a:p>
+                      <a:pPr algn="ctr"/>
+                      <a:r>
+                        <a:rPr lang="en-US" dirty="0" smtClean="0"/>
+                        <a:t>0</a:t>
+                      </a:r>
+                      <a:endParaRPr lang="en-US" dirty="0"/>
+                    </a:p>
+                  </a:txBody>
+                  <a:tcPr/>
+                </a:tc>
+                <a:tc>
+                  <a:txBody>
+                    <a:bodyPr/>
+                    <a:lstStyle/>
+                    <a:p>
+                      <a:pPr algn="ctr"/>
+                      <a:r>
+                        <a:rPr lang="en-US" dirty="0" smtClean="0"/>
+                        <a:t>0</a:t>
+                      </a:r>
+                      <a:endParaRPr lang="en-US" dirty="0"/>
+                    </a:p>
+                  </a:txBody>
+                  <a:tcPr/>
+                </a:tc>
+                <a:tc>
+                  <a:txBody>
+                    <a:bodyPr/>
+                    <a:lstStyle/>
+                    <a:p>
+                      <a:pPr algn="ctr"/>
+                      <a:r>
+                        <a:rPr lang="en-US" dirty="0" smtClean="0"/>
+                        <a:t>0</a:t>
+                      </a:r>
+                      <a:endParaRPr lang="en-US" dirty="0"/>
+                    </a:p>
+                  </a:txBody>
+                  <a:tcPr/>
+                </a:tc>
+                <a:tc>
+                  <a:txBody>
+                    <a:bodyPr/>
+                    <a:lstStyle/>
+                    <a:p>
+                      <a:pPr algn="ctr"/>
+                      <a:r>
+                        <a:rPr lang="en-US" dirty="0" smtClean="0"/>
+                        <a:t>0</a:t>
+                      </a:r>
+                      <a:endParaRPr lang="en-US" dirty="0"/>
+                    </a:p>
+                  </a:txBody>
+                  <a:tcPr/>
+                </a:tc>
+                <a:tc>
+                  <a:txBody>
+                    <a:bodyPr/>
+                    <a:lstStyle/>
+                    <a:p>
+                      <a:pPr algn="ctr"/>
+                      <a:r>
+                        <a:rPr lang="en-US" dirty="0" smtClean="0"/>
+                        <a:t>0</a:t>
+                      </a:r>
+                      <a:endParaRPr lang="en-US" dirty="0"/>
+                    </a:p>
+                  </a:txBody>
+                  <a:tcPr/>
+                </a:tc>
+                <a:tc>
+                  <a:txBody>
+                    <a:bodyPr/>
+                    <a:lstStyle/>
+                    <a:p>
+                      <a:pPr algn="ctr"/>
+                      <a:r>
+                        <a:rPr lang="en-US" dirty="0" smtClean="0"/>
+                        <a:t>0</a:t>
+                      </a:r>
+                      <a:endParaRPr lang="en-US" dirty="0"/>
+                    </a:p>
+                  </a:txBody>
+                  <a:tcPr/>
+                </a:tc>
+                <a:tc>
+                  <a:txBody>
+                    <a:bodyPr/>
+                    <a:lstStyle/>
+                    <a:p>
+                      <a:pPr algn="ctr"/>
+                      <a:r>
+                        <a:rPr lang="en-US" dirty="0" smtClean="0"/>
+                        <a:t>0</a:t>
+                      </a:r>
+                      <a:endParaRPr lang="en-US" dirty="0"/>
+                    </a:p>
+                  </a:txBody>
+                  <a:tcPr/>
+                </a:tc>
+              </a:tr>
+              <a:tr h="370840">
+                <a:tc>
+                  <a:txBody>
+                    <a:bodyPr/>
+                    <a:lstStyle/>
+                    <a:p>
+                      <a:pPr algn="ctr"/>
+                      <a:r>
+                        <a:rPr lang="en-US" dirty="0" smtClean="0"/>
+                        <a:t>1</a:t>
+                      </a:r>
+                      <a:endParaRPr lang="en-US" dirty="0"/>
+                    </a:p>
+                  </a:txBody>
+                  <a:tcPr/>
+                </a:tc>
+                <a:tc>
+                  <a:txBody>
+                    <a:bodyPr/>
+                    <a:lstStyle/>
+                    <a:p>
+                      <a:pPr algn="ctr"/>
+                      <a:r>
+                        <a:rPr lang="en-US" dirty="0" smtClean="0"/>
+                        <a:t>0</a:t>
+                      </a:r>
+                      <a:endParaRPr lang="en-US" dirty="0"/>
+                    </a:p>
+                  </a:txBody>
+                  <a:tcPr/>
+                </a:tc>
+                <a:tc>
+                  <a:txBody>
+                    <a:bodyPr/>
+                    <a:lstStyle/>
+                    <a:p>
+                      <a:pPr algn="ctr"/>
+                      <a:r>
+                        <a:rPr lang="en-US" dirty="0" smtClean="0"/>
+                        <a:t>1</a:t>
+                      </a:r>
+                      <a:endParaRPr lang="en-US" dirty="0"/>
+                    </a:p>
+                  </a:txBody>
+                  <a:tcPr/>
+                </a:tc>
+                <a:tc>
+                  <a:txBody>
+                    <a:bodyPr/>
+                    <a:lstStyle/>
+                    <a:p>
+                      <a:pPr algn="ctr"/>
+                      <a:r>
+                        <a:rPr lang="en-US" dirty="0" smtClean="0"/>
+                        <a:t>0</a:t>
+                      </a:r>
+                      <a:endParaRPr lang="en-US" dirty="0"/>
+                    </a:p>
+                  </a:txBody>
+                  <a:tcPr/>
+                </a:tc>
+                <a:tc>
+                  <a:txBody>
+                    <a:bodyPr/>
+                    <a:lstStyle/>
+                    <a:p>
+                      <a:pPr algn="ctr"/>
+                      <a:r>
+                        <a:rPr lang="en-US" dirty="0" smtClean="0"/>
+                        <a:t>0</a:t>
+                      </a:r>
+                      <a:endParaRPr lang="en-US" dirty="0"/>
+                    </a:p>
+                  </a:txBody>
+                  <a:tcPr/>
+                </a:tc>
+                <a:tc>
+                  <a:txBody>
+                    <a:bodyPr/>
+                    <a:lstStyle/>
+                    <a:p>
+                      <a:pPr algn="ctr"/>
+                      <a:r>
+                        <a:rPr lang="en-US" dirty="0" smtClean="0"/>
+                        <a:t>1</a:t>
+                      </a:r>
+                      <a:endParaRPr lang="en-US" dirty="0"/>
+                    </a:p>
+                  </a:txBody>
+                  <a:tcPr/>
+                </a:tc>
+                <a:tc>
+                  <a:txBody>
+                    <a:bodyPr/>
+                    <a:lstStyle/>
+                    <a:p>
+                      <a:pPr algn="ctr"/>
+                      <a:r>
+                        <a:rPr lang="en-US" dirty="0" smtClean="0"/>
+                        <a:t>0</a:t>
+                      </a:r>
+                      <a:endParaRPr lang="en-US" dirty="0"/>
+                    </a:p>
+                  </a:txBody>
+                  <a:tcPr/>
+                </a:tc>
+                <a:tc>
+                  <a:txBody>
+                    <a:bodyPr/>
+                    <a:lstStyle/>
+                    <a:p>
+                      <a:pPr algn="ctr"/>
+                      <a:r>
+                        <a:rPr lang="en-US" dirty="0" smtClean="0"/>
+                        <a:t>0</a:t>
+                      </a:r>
+                      <a:endParaRPr lang="en-US" dirty="0"/>
+                    </a:p>
+                  </a:txBody>
+                  <a:tcPr/>
+                </a:tc>
+              </a:tr>
+              <a:tr h="370840">
+                <a:tc>
+                  <a:txBody>
+                    <a:bodyPr/>
+                    <a:lstStyle/>
+                    <a:p>
+                      <a:pPr algn="ctr"/>
+                      <a:r>
+                        <a:rPr lang="en-US" dirty="0" smtClean="0"/>
+                        <a:t>1</a:t>
+                      </a:r>
+                      <a:endParaRPr lang="en-US" dirty="0"/>
+                    </a:p>
+                  </a:txBody>
+                  <a:tcPr/>
+                </a:tc>
+                <a:tc>
+                  <a:txBody>
+                    <a:bodyPr/>
+                    <a:lstStyle/>
+                    <a:p>
+                      <a:pPr algn="ctr"/>
+                      <a:r>
+                        <a:rPr lang="en-US" dirty="0" smtClean="0"/>
+                        <a:t>1</a:t>
+                      </a:r>
+                      <a:endParaRPr lang="en-US" dirty="0"/>
+                    </a:p>
+                  </a:txBody>
+                  <a:tcPr/>
+                </a:tc>
+                <a:tc>
+                  <a:txBody>
+                    <a:bodyPr/>
+                    <a:lstStyle/>
+                    <a:p>
+                      <a:pPr algn="ctr"/>
+                      <a:r>
+                        <a:rPr lang="en-US" dirty="0" smtClean="0"/>
+                        <a:t>0</a:t>
+                      </a:r>
+                      <a:endParaRPr lang="en-US" dirty="0"/>
+                    </a:p>
+                  </a:txBody>
+                  <a:tcPr/>
+                </a:tc>
+                <a:tc>
+                  <a:txBody>
+                    <a:bodyPr/>
+                    <a:lstStyle/>
+                    <a:p>
+                      <a:pPr algn="ctr"/>
+                      <a:r>
+                        <a:rPr lang="en-US" dirty="0" smtClean="0"/>
+                        <a:t>X</a:t>
+                      </a:r>
+                      <a:endParaRPr lang="en-US" dirty="0"/>
+                    </a:p>
+                  </a:txBody>
+                  <a:tcPr/>
+                </a:tc>
+                <a:tc>
+                  <a:txBody>
+                    <a:bodyPr/>
+                    <a:lstStyle/>
+                    <a:p>
+                      <a:pPr algn="ctr"/>
+                      <a:r>
+                        <a:rPr lang="en-US" dirty="0" smtClean="0"/>
+                        <a:t>X</a:t>
+                      </a:r>
+                      <a:endParaRPr lang="en-US" dirty="0"/>
+                    </a:p>
+                  </a:txBody>
+                  <a:tcPr/>
+                </a:tc>
+                <a:tc>
+                  <a:txBody>
+                    <a:bodyPr/>
+                    <a:lstStyle/>
+                    <a:p>
+                      <a:pPr algn="ctr"/>
+                      <a:r>
+                        <a:rPr lang="en-US" dirty="0" smtClean="0"/>
+                        <a:t>X</a:t>
+                      </a:r>
+                      <a:endParaRPr lang="en-US" dirty="0"/>
+                    </a:p>
+                  </a:txBody>
+                  <a:tcPr/>
+                </a:tc>
+                <a:tc>
+                  <a:txBody>
+                    <a:bodyPr/>
+                    <a:lstStyle/>
+                    <a:p>
+                      <a:pPr algn="ctr"/>
+                      <a:r>
+                        <a:rPr lang="en-US" dirty="0" smtClean="0"/>
+                        <a:t>X</a:t>
+                      </a:r>
+                      <a:endParaRPr lang="en-US" dirty="0"/>
+                    </a:p>
+                  </a:txBody>
+                  <a:tcPr/>
+                </a:tc>
+                <a:tc>
+                  <a:txBody>
+                    <a:bodyPr/>
+                    <a:lstStyle/>
+                    <a:p>
+                      <a:pPr algn="ctr"/>
+                      <a:r>
+                        <a:rPr lang="en-US" dirty="0" smtClean="0"/>
+                        <a:t>X</a:t>
+                      </a:r>
+                      <a:endParaRPr lang="en-US" dirty="0"/>
+                    </a:p>
+                  </a:txBody>
+                  <a:tcPr/>
+                </a:tc>
+              </a:tr>
+              <a:tr h="370840">
+                <a:tc>
+                  <a:txBody>
+                    <a:bodyPr/>
+                    <a:lstStyle/>
+                    <a:p>
+                      <a:pPr algn="ctr"/>
+                      <a:r>
+                        <a:rPr lang="en-US" dirty="0" smtClean="0"/>
+                        <a:t>1</a:t>
+                      </a:r>
+                      <a:endParaRPr lang="en-US" dirty="0"/>
+                    </a:p>
+                  </a:txBody>
+                  <a:tcPr/>
+                </a:tc>
+                <a:tc>
+                  <a:txBody>
+                    <a:bodyPr/>
+                    <a:lstStyle/>
+                    <a:p>
+                      <a:pPr algn="ctr"/>
+                      <a:r>
+                        <a:rPr lang="en-US" dirty="0" smtClean="0"/>
+                        <a:t>1</a:t>
+                      </a:r>
+                      <a:endParaRPr lang="en-US" dirty="0"/>
+                    </a:p>
+                  </a:txBody>
+                  <a:tcPr/>
+                </a:tc>
+                <a:tc>
+                  <a:txBody>
+                    <a:bodyPr/>
+                    <a:lstStyle/>
+                    <a:p>
+                      <a:pPr algn="ctr"/>
+                      <a:r>
+                        <a:rPr lang="en-US" dirty="0" smtClean="0"/>
+                        <a:t>1</a:t>
+                      </a:r>
+                      <a:endParaRPr lang="en-US" dirty="0"/>
+                    </a:p>
+                  </a:txBody>
+                  <a:tcPr/>
+                </a:tc>
+                <a:tc>
+                  <a:txBody>
+                    <a:bodyPr/>
+                    <a:lstStyle/>
+                    <a:p>
+                      <a:pPr algn="ctr"/>
+                      <a:r>
+                        <a:rPr lang="en-US" dirty="0" smtClean="0"/>
+                        <a:t>X</a:t>
+                      </a:r>
+                      <a:endParaRPr lang="en-US" dirty="0"/>
+                    </a:p>
+                  </a:txBody>
+                  <a:tcPr/>
+                </a:tc>
+                <a:tc>
+                  <a:txBody>
+                    <a:bodyPr/>
+                    <a:lstStyle/>
+                    <a:p>
+                      <a:pPr algn="ctr"/>
+                      <a:r>
+                        <a:rPr lang="en-US" dirty="0" smtClean="0"/>
+                        <a:t>X</a:t>
+                      </a:r>
+                      <a:endParaRPr lang="en-US" dirty="0"/>
+                    </a:p>
+                  </a:txBody>
+                  <a:tcPr/>
+                </a:tc>
+                <a:tc>
+                  <a:txBody>
+                    <a:bodyPr/>
+                    <a:lstStyle/>
+                    <a:p>
+                      <a:pPr algn="ctr"/>
+                      <a:r>
+                        <a:rPr lang="en-US" dirty="0" smtClean="0"/>
+                        <a:t>X</a:t>
+                      </a:r>
+                      <a:endParaRPr lang="en-US" dirty="0"/>
+                    </a:p>
+                  </a:txBody>
+                  <a:tcPr/>
+                </a:tc>
+                <a:tc>
+                  <a:txBody>
+                    <a:bodyPr/>
+                    <a:lstStyle/>
+                    <a:p>
+                      <a:pPr algn="ctr"/>
+                      <a:r>
+                        <a:rPr lang="en-US" dirty="0" smtClean="0"/>
+                        <a:t>X</a:t>
+                      </a:r>
+                      <a:endParaRPr lang="en-US" dirty="0"/>
+                    </a:p>
+                  </a:txBody>
+                  <a:tcPr/>
+                </a:tc>
+                <a:tc>
+                  <a:txBody>
+                    <a:bodyPr/>
+                    <a:lstStyle/>
+                    <a:p>
+                      <a:pPr algn="ctr"/>
+                      <a:r>
+                        <a:rPr lang="en-US" dirty="0" smtClean="0"/>
+                        <a:t>X</a:t>
+                      </a:r>
+                      <a:endParaRPr lang="en-US" dirty="0"/>
+                    </a:p>
+                  </a:txBody>
+                  <a:tcPr/>
+                </a:tc>
+              </a:tr>
+            </a:tbl>
+          </a:graphicData>
+        </a:graphic>
+      </p:graphicFrame>
+      <p:sp>
+        <p:nvSpPr>
+          <p:cNvPr id="5" name="TextBox 4"/>
+          <p:cNvSpPr txBox="1"/>
+          <p:nvPr/>
+        </p:nvSpPr>
+        <p:spPr>
+          <a:xfrm>
+            <a:off x="914400" y="4953000"/>
+            <a:ext cx="3048000" cy="1569660"/>
+          </a:xfrm>
+          <a:prstGeom prst="rect">
+            <a:avLst/>
+          </a:prstGeom>
+          <a:noFill/>
+        </p:spPr>
+        <p:txBody>
+          <a:bodyPr wrap="square" rtlCol="0">
+            <a:spAutoFit/>
+          </a:bodyPr>
           <a:lstStyle/>
           <a:p>
-            <a:endParaRPr lang="en-IN"/>
+            <a:r>
+              <a:rPr lang="en-US" sz="3200" dirty="0" smtClean="0"/>
+              <a:t>D1 = Q2 . (I/P)’</a:t>
+            </a:r>
+          </a:p>
+          <a:p>
+            <a:r>
+              <a:rPr lang="en-US" sz="3200" dirty="0" smtClean="0"/>
+              <a:t>D2 = (Q1)’ . I/P</a:t>
+            </a:r>
+          </a:p>
+          <a:p>
+            <a:r>
+              <a:rPr lang="en-US" sz="3200" dirty="0" smtClean="0"/>
+              <a:t>O/P = Q1 . I/P</a:t>
+            </a:r>
+            <a:endParaRPr lang="en-US" sz="3200" dirty="0"/>
           </a:p>
         </p:txBody>
       </p:sp>
@@ -4953,6 +6114,327 @@
   <p:clrMapOvr>
     <a:masterClrMapping/>
   </p:clrMapOvr>
+  <p:timing>
+    <p:tnLst>
+      <p:par>
+        <p:cTn id="1" dur="indefinite" restart="never" nodeType="tmRoot">
+          <p:childTnLst>
+            <p:seq concurrent="1" nextAc="seek">
+              <p:cTn id="2" dur="indefinite" nodeType="mainSeq">
+                <p:childTnLst>
+                  <p:par>
+                    <p:cTn id="3" fill="hold">
+                      <p:stCondLst>
+                        <p:cond delay="indefinite"/>
+                      </p:stCondLst>
+                      <p:childTnLst>
+                        <p:par>
+                          <p:cTn id="4" fill="hold">
+                            <p:stCondLst>
+                              <p:cond delay="0"/>
+                            </p:stCondLst>
+                            <p:childTnLst>
+                              <p:par>
+                                <p:cTn id="5" presetID="2" presetClass="entr" presetSubtype="8" fill="hold" nodeType="clickEffect">
+                                  <p:stCondLst>
+                                    <p:cond delay="0"/>
+                                  </p:stCondLst>
+                                  <p:childTnLst>
+                                    <p:set>
+                                      <p:cBhvr>
+                                        <p:cTn id="6" dur="1" fill="hold">
+                                          <p:stCondLst>
+                                            <p:cond delay="0"/>
+                                          </p:stCondLst>
+                                        </p:cTn>
+                                        <p:tgtEl>
+                                          <p:spTgt spid="5">
+                                            <p:txEl>
+                                              <p:pRg st="0" end="0"/>
+                                            </p:txEl>
+                                          </p:spTgt>
+                                        </p:tgtEl>
+                                        <p:attrNameLst>
+                                          <p:attrName>style.visibility</p:attrName>
+                                        </p:attrNameLst>
+                                      </p:cBhvr>
+                                      <p:to>
+                                        <p:strVal val="visible"/>
+                                      </p:to>
+                                    </p:set>
+                                    <p:anim calcmode="lin" valueType="num">
+                                      <p:cBhvr additive="base">
+                                        <p:cTn id="7" dur="500" fill="hold"/>
+                                        <p:tgtEl>
+                                          <p:spTgt spid="5">
+                                            <p:txEl>
+                                              <p:pRg st="0" end="0"/>
+                                            </p:txEl>
+                                          </p:spTgt>
+                                        </p:tgtEl>
+                                        <p:attrNameLst>
+                                          <p:attrName>ppt_x</p:attrName>
+                                        </p:attrNameLst>
+                                      </p:cBhvr>
+                                      <p:tavLst>
+                                        <p:tav tm="0">
+                                          <p:val>
+                                            <p:strVal val="0-#ppt_w/2"/>
+                                          </p:val>
+                                        </p:tav>
+                                        <p:tav tm="100000">
+                                          <p:val>
+                                            <p:strVal val="#ppt_x"/>
+                                          </p:val>
+                                        </p:tav>
+                                      </p:tavLst>
+                                    </p:anim>
+                                    <p:anim calcmode="lin" valueType="num">
+                                      <p:cBhvr additive="base">
+                                        <p:cTn id="8" dur="500" fill="hold"/>
+                                        <p:tgtEl>
+                                          <p:spTgt spid="5">
+                                            <p:txEl>
+                                              <p:pRg st="0" end="0"/>
+                                            </p:txEl>
+                                          </p:spTgt>
+                                        </p:tgtEl>
+                                        <p:attrNameLst>
+                                          <p:attrName>ppt_y</p:attrName>
+                                        </p:attrNameLst>
+                                      </p:cBhvr>
+                                      <p:tavLst>
+                                        <p:tav tm="0">
+                                          <p:val>
+                                            <p:strVal val="#ppt_y"/>
+                                          </p:val>
+                                        </p:tav>
+                                        <p:tav tm="100000">
+                                          <p:val>
+                                            <p:strVal val="#ppt_y"/>
+                                          </p:val>
+                                        </p:tav>
+                                      </p:tavLst>
+                                    </p:anim>
+                                  </p:childTnLst>
+                                </p:cTn>
+                              </p:par>
+                            </p:childTnLst>
+                          </p:cTn>
+                        </p:par>
+                        <p:par>
+                          <p:cTn id="9" fill="hold">
+                            <p:stCondLst>
+                              <p:cond delay="500"/>
+                            </p:stCondLst>
+                            <p:childTnLst>
+                              <p:par>
+                                <p:cTn id="10" presetID="2" presetClass="entr" presetSubtype="8" fill="hold" nodeType="afterEffect">
+                                  <p:stCondLst>
+                                    <p:cond delay="0"/>
+                                  </p:stCondLst>
+                                  <p:childTnLst>
+                                    <p:set>
+                                      <p:cBhvr>
+                                        <p:cTn id="11" dur="1" fill="hold">
+                                          <p:stCondLst>
+                                            <p:cond delay="0"/>
+                                          </p:stCondLst>
+                                        </p:cTn>
+                                        <p:tgtEl>
+                                          <p:spTgt spid="5">
+                                            <p:txEl>
+                                              <p:pRg st="1" end="1"/>
+                                            </p:txEl>
+                                          </p:spTgt>
+                                        </p:tgtEl>
+                                        <p:attrNameLst>
+                                          <p:attrName>style.visibility</p:attrName>
+                                        </p:attrNameLst>
+                                      </p:cBhvr>
+                                      <p:to>
+                                        <p:strVal val="visible"/>
+                                      </p:to>
+                                    </p:set>
+                                    <p:anim calcmode="lin" valueType="num">
+                                      <p:cBhvr additive="base">
+                                        <p:cTn id="12" dur="500" fill="hold"/>
+                                        <p:tgtEl>
+                                          <p:spTgt spid="5">
+                                            <p:txEl>
+                                              <p:pRg st="1" end="1"/>
+                                            </p:txEl>
+                                          </p:spTgt>
+                                        </p:tgtEl>
+                                        <p:attrNameLst>
+                                          <p:attrName>ppt_x</p:attrName>
+                                        </p:attrNameLst>
+                                      </p:cBhvr>
+                                      <p:tavLst>
+                                        <p:tav tm="0">
+                                          <p:val>
+                                            <p:strVal val="0-#ppt_w/2"/>
+                                          </p:val>
+                                        </p:tav>
+                                        <p:tav tm="100000">
+                                          <p:val>
+                                            <p:strVal val="#ppt_x"/>
+                                          </p:val>
+                                        </p:tav>
+                                      </p:tavLst>
+                                    </p:anim>
+                                    <p:anim calcmode="lin" valueType="num">
+                                      <p:cBhvr additive="base">
+                                        <p:cTn id="13" dur="500" fill="hold"/>
+                                        <p:tgtEl>
+                                          <p:spTgt spid="5">
+                                            <p:txEl>
+                                              <p:pRg st="1" end="1"/>
+                                            </p:txEl>
+                                          </p:spTgt>
+                                        </p:tgtEl>
+                                        <p:attrNameLst>
+                                          <p:attrName>ppt_y</p:attrName>
+                                        </p:attrNameLst>
+                                      </p:cBhvr>
+                                      <p:tavLst>
+                                        <p:tav tm="0">
+                                          <p:val>
+                                            <p:strVal val="#ppt_y"/>
+                                          </p:val>
+                                        </p:tav>
+                                        <p:tav tm="100000">
+                                          <p:val>
+                                            <p:strVal val="#ppt_y"/>
+                                          </p:val>
+                                        </p:tav>
+                                      </p:tavLst>
+                                    </p:anim>
+                                  </p:childTnLst>
+                                </p:cTn>
+                              </p:par>
+                            </p:childTnLst>
+                          </p:cTn>
+                        </p:par>
+                        <p:par>
+                          <p:cTn id="14" fill="hold">
+                            <p:stCondLst>
+                              <p:cond delay="1000"/>
+                            </p:stCondLst>
+                            <p:childTnLst>
+                              <p:par>
+                                <p:cTn id="15" presetID="2" presetClass="entr" presetSubtype="8" fill="hold" nodeType="afterEffect">
+                                  <p:stCondLst>
+                                    <p:cond delay="0"/>
+                                  </p:stCondLst>
+                                  <p:childTnLst>
+                                    <p:set>
+                                      <p:cBhvr>
+                                        <p:cTn id="16" dur="1" fill="hold">
+                                          <p:stCondLst>
+                                            <p:cond delay="0"/>
+                                          </p:stCondLst>
+                                        </p:cTn>
+                                        <p:tgtEl>
+                                          <p:spTgt spid="5">
+                                            <p:txEl>
+                                              <p:pRg st="2" end="2"/>
+                                            </p:txEl>
+                                          </p:spTgt>
+                                        </p:tgtEl>
+                                        <p:attrNameLst>
+                                          <p:attrName>style.visibility</p:attrName>
+                                        </p:attrNameLst>
+                                      </p:cBhvr>
+                                      <p:to>
+                                        <p:strVal val="visible"/>
+                                      </p:to>
+                                    </p:set>
+                                    <p:anim calcmode="lin" valueType="num">
+                                      <p:cBhvr additive="base">
+                                        <p:cTn id="17" dur="500" fill="hold"/>
+                                        <p:tgtEl>
+                                          <p:spTgt spid="5">
+                                            <p:txEl>
+                                              <p:pRg st="2" end="2"/>
+                                            </p:txEl>
+                                          </p:spTgt>
+                                        </p:tgtEl>
+                                        <p:attrNameLst>
+                                          <p:attrName>ppt_x</p:attrName>
+                                        </p:attrNameLst>
+                                      </p:cBhvr>
+                                      <p:tavLst>
+                                        <p:tav tm="0">
+                                          <p:val>
+                                            <p:strVal val="0-#ppt_w/2"/>
+                                          </p:val>
+                                        </p:tav>
+                                        <p:tav tm="100000">
+                                          <p:val>
+                                            <p:strVal val="#ppt_x"/>
+                                          </p:val>
+                                        </p:tav>
+                                      </p:tavLst>
+                                    </p:anim>
+                                    <p:anim calcmode="lin" valueType="num">
+                                      <p:cBhvr additive="base">
+                                        <p:cTn id="18" dur="500" fill="hold"/>
+                                        <p:tgtEl>
+                                          <p:spTgt spid="5">
+                                            <p:txEl>
+                                              <p:pRg st="2" end="2"/>
+                                            </p:txEl>
+                                          </p:spTgt>
+                                        </p:tgtEl>
+                                        <p:attrNameLst>
+                                          <p:attrName>ppt_y</p:attrName>
+                                        </p:attrNameLst>
+                                      </p:cBhvr>
+                                      <p:tavLst>
+                                        <p:tav tm="0">
+                                          <p:val>
+                                            <p:strVal val="#ppt_y"/>
+                                          </p:val>
+                                        </p:tav>
+                                        <p:tav tm="100000">
+                                          <p:val>
+                                            <p:strVal val="#ppt_y"/>
+                                          </p:val>
+                                        </p:tav>
+                                      </p:tavLst>
+                                    </p:anim>
+                                  </p:childTnLst>
+                                </p:cTn>
+                              </p:par>
+                            </p:childTnLst>
+                          </p:cTn>
+                        </p:par>
+                      </p:childTnLst>
+                    </p:cTn>
+                  </p:par>
+                </p:childTnLst>
+              </p:cTn>
+              <p:prevCondLst>
+                <p:cond evt="onPrev" delay="0">
+                  <p:tgtEl>
+                    <p:sldTgt/>
+                  </p:tgtEl>
+                </p:cond>
+              </p:prevCondLst>
+              <p:nextCondLst>
+                <p:cond evt="onNext" delay="0">
+                  <p:tgtEl>
+                    <p:sldTgt/>
+                  </p:tgtEl>
+                </p:cond>
+              </p:nextCondLst>
+            </p:seq>
+          </p:childTnLst>
+        </p:cTn>
+      </p:par>
+    </p:tnLst>
+  </p:timing>
 </p:sld>
 </file>
 
@@ -5082,6 +6564,9 @@
   <p:clrMapOvr>
     <a:masterClrMapping/>
   </p:clrMapOvr>
+  <p:transition>
+    <p:wipe dir="d"/>
+  </p:transition>
 </p:sld>
 </file>
 
@@ -5622,6 +7107,262 @@
           </a:fontRef>
         </p:style>
       </p:cxnSp>
+      <p:sp>
+        <p:nvSpPr>
+          <p:cNvPr id="16" name="TextBox 15"/>
+          <p:cNvSpPr txBox="1"/>
+          <p:nvPr/>
+        </p:nvSpPr>
+        <p:spPr>
+          <a:xfrm rot="2254499">
+            <a:off x="5828331" y="3240815"/>
+            <a:ext cx="762000" cy="381000"/>
+          </a:xfrm>
+          <a:prstGeom prst="rect">
+            <a:avLst/>
+          </a:prstGeom>
+          <a:noFill/>
+        </p:spPr>
+        <p:txBody>
+          <a:bodyPr wrap="square" rtlCol="0">
+            <a:spAutoFit/>
+          </a:bodyPr>
+          <a:lstStyle/>
+          <a:p>
+            <a:r>
+              <a:rPr lang="en-US" dirty="0" smtClean="0"/>
+              <a:t>1/0</a:t>
+            </a:r>
+            <a:endParaRPr lang="en-US" dirty="0"/>
+          </a:p>
+        </p:txBody>
+      </p:sp>
+      <p:sp>
+        <p:nvSpPr>
+          <p:cNvPr id="18" name="TextBox 17"/>
+          <p:cNvSpPr txBox="1"/>
+          <p:nvPr/>
+        </p:nvSpPr>
+        <p:spPr>
+          <a:xfrm>
+            <a:off x="4876800" y="1524000"/>
+            <a:ext cx="762000" cy="381000"/>
+          </a:xfrm>
+          <a:prstGeom prst="rect">
+            <a:avLst/>
+          </a:prstGeom>
+          <a:noFill/>
+        </p:spPr>
+        <p:txBody>
+          <a:bodyPr wrap="square" rtlCol="0">
+            <a:spAutoFit/>
+          </a:bodyPr>
+          <a:lstStyle/>
+          <a:p>
+            <a:r>
+              <a:rPr lang="en-US" dirty="0" smtClean="0"/>
+              <a:t>0</a:t>
+            </a:r>
+            <a:r>
+              <a:rPr lang="en-US" dirty="0" smtClean="0"/>
+              <a:t>/0</a:t>
+            </a:r>
+            <a:endParaRPr lang="en-US" dirty="0"/>
+          </a:p>
+        </p:txBody>
+      </p:sp>
+      <p:sp>
+        <p:nvSpPr>
+          <p:cNvPr id="19" name="TextBox 18"/>
+          <p:cNvSpPr txBox="1"/>
+          <p:nvPr/>
+        </p:nvSpPr>
+        <p:spPr>
+          <a:xfrm rot="20211239">
+            <a:off x="3124200" y="3200400"/>
+            <a:ext cx="762000" cy="381000"/>
+          </a:xfrm>
+          <a:prstGeom prst="rect">
+            <a:avLst/>
+          </a:prstGeom>
+          <a:noFill/>
+        </p:spPr>
+        <p:txBody>
+          <a:bodyPr wrap="square" rtlCol="0">
+            <a:spAutoFit/>
+          </a:bodyPr>
+          <a:lstStyle/>
+          <a:p>
+            <a:r>
+              <a:rPr lang="en-US" dirty="0" smtClean="0"/>
+              <a:t>0</a:t>
+            </a:r>
+            <a:r>
+              <a:rPr lang="en-US" dirty="0" smtClean="0"/>
+              <a:t>/0</a:t>
+            </a:r>
+            <a:endParaRPr lang="en-US" dirty="0"/>
+          </a:p>
+        </p:txBody>
+      </p:sp>
+      <p:sp>
+        <p:nvSpPr>
+          <p:cNvPr id="20" name="TextBox 19"/>
+          <p:cNvSpPr txBox="1"/>
+          <p:nvPr/>
+        </p:nvSpPr>
+        <p:spPr>
+          <a:xfrm>
+            <a:off x="4572000" y="3962400"/>
+            <a:ext cx="762000" cy="381000"/>
+          </a:xfrm>
+          <a:prstGeom prst="rect">
+            <a:avLst/>
+          </a:prstGeom>
+          <a:noFill/>
+        </p:spPr>
+        <p:txBody>
+          <a:bodyPr wrap="square" rtlCol="0">
+            <a:spAutoFit/>
+          </a:bodyPr>
+          <a:lstStyle/>
+          <a:p>
+            <a:r>
+              <a:rPr lang="en-US" dirty="0" smtClean="0"/>
+              <a:t>1/1</a:t>
+            </a:r>
+            <a:endParaRPr lang="en-US" dirty="0"/>
+          </a:p>
+        </p:txBody>
+      </p:sp>
+      <p:sp>
+        <p:nvSpPr>
+          <p:cNvPr id="21" name="TextBox 20"/>
+          <p:cNvSpPr txBox="1"/>
+          <p:nvPr/>
+        </p:nvSpPr>
+        <p:spPr>
+          <a:xfrm rot="19385773">
+            <a:off x="5562600" y="4876800"/>
+            <a:ext cx="762000" cy="381000"/>
+          </a:xfrm>
+          <a:prstGeom prst="rect">
+            <a:avLst/>
+          </a:prstGeom>
+          <a:noFill/>
+        </p:spPr>
+        <p:txBody>
+          <a:bodyPr wrap="square" rtlCol="0">
+            <a:spAutoFit/>
+          </a:bodyPr>
+          <a:lstStyle/>
+          <a:p>
+            <a:r>
+              <a:rPr lang="en-US" dirty="0" smtClean="0"/>
+              <a:t>0</a:t>
+            </a:r>
+            <a:r>
+              <a:rPr lang="en-US" dirty="0" smtClean="0"/>
+              <a:t>/0</a:t>
+            </a:r>
+            <a:endParaRPr lang="en-US" dirty="0"/>
+          </a:p>
+        </p:txBody>
+      </p:sp>
+      <p:sp>
+        <p:nvSpPr>
+          <p:cNvPr id="22" name="TextBox 21"/>
+          <p:cNvSpPr txBox="1"/>
+          <p:nvPr/>
+        </p:nvSpPr>
+        <p:spPr>
+          <a:xfrm>
+            <a:off x="7696200" y="3048000"/>
+            <a:ext cx="762000" cy="381000"/>
+          </a:xfrm>
+          <a:prstGeom prst="rect">
+            <a:avLst/>
+          </a:prstGeom>
+          <a:noFill/>
+        </p:spPr>
+        <p:txBody>
+          <a:bodyPr wrap="square" rtlCol="0">
+            <a:spAutoFit/>
+          </a:bodyPr>
+          <a:lstStyle/>
+          <a:p>
+            <a:r>
+              <a:rPr lang="en-US" dirty="0" smtClean="0"/>
+              <a:t>1/0</a:t>
+            </a:r>
+            <a:endParaRPr lang="en-US" dirty="0"/>
+          </a:p>
+        </p:txBody>
+      </p:sp>
+      <p:sp>
+        <p:nvSpPr>
+          <p:cNvPr id="23" name="TextBox 22"/>
+          <p:cNvSpPr txBox="1"/>
+          <p:nvPr/>
+        </p:nvSpPr>
+        <p:spPr>
+          <a:xfrm>
+            <a:off x="6172200" y="5181600"/>
+            <a:ext cx="762000" cy="381000"/>
+          </a:xfrm>
+          <a:prstGeom prst="rect">
+            <a:avLst/>
+          </a:prstGeom>
+          <a:noFill/>
+        </p:spPr>
+        <p:txBody>
+          <a:bodyPr wrap="square" rtlCol="0">
+            <a:spAutoFit/>
+          </a:bodyPr>
+          <a:lstStyle/>
+          <a:p>
+            <a:r>
+              <a:rPr lang="en-US" dirty="0" smtClean="0"/>
+              <a:t>1/0</a:t>
+            </a:r>
+            <a:endParaRPr lang="en-US" dirty="0"/>
+          </a:p>
+        </p:txBody>
+      </p:sp>
+      <p:sp>
+        <p:nvSpPr>
+          <p:cNvPr id="24" name="TextBox 23"/>
+          <p:cNvSpPr txBox="1"/>
+          <p:nvPr/>
+        </p:nvSpPr>
+        <p:spPr>
+          <a:xfrm rot="2283036">
+            <a:off x="3429000" y="4876800"/>
+            <a:ext cx="762000" cy="381000"/>
+          </a:xfrm>
+          <a:prstGeom prst="rect">
+            <a:avLst/>
+          </a:prstGeom>
+          <a:noFill/>
+        </p:spPr>
+        <p:txBody>
+          <a:bodyPr wrap="square" rtlCol="0">
+            <a:spAutoFit/>
+          </a:bodyPr>
+          <a:lstStyle/>
+          <a:p>
+            <a:r>
+              <a:rPr lang="en-US" dirty="0" smtClean="0"/>
+              <a:t>0</a:t>
+            </a:r>
+            <a:r>
+              <a:rPr lang="en-US" dirty="0" smtClean="0"/>
+              <a:t>/0</a:t>
+            </a:r>
+            <a:endParaRPr lang="en-US" dirty="0"/>
+          </a:p>
+        </p:txBody>
+      </p:sp>
     </p:spTree>
   </p:cSld>
   <p:clrMapOvr>
@@ -6132,30 +7873,390 @@
                             </p:childTnLst>
                           </p:cTn>
                         </p:par>
-                      </p:childTnLst>
-                    </p:cTn>
-                  </p:par>
-                  <p:par>
-                    <p:cTn id="39" fill="hold">
-                      <p:stCondLst>
-                        <p:cond delay="indefinite"/>
-                      </p:stCondLst>
-                      <p:childTnLst>
                         <p:par>
-                          <p:cTn id="40" fill="hold">
+                          <p:cTn id="39" fill="hold">
                             <p:stCondLst>
-                              <p:cond delay="0"/>
+                              <p:cond delay="500"/>
                             </p:stCondLst>
                             <p:childTnLst>
                               <p:par>
-                                <p:cTn id="41" presetID="6" presetClass="entr" presetSubtype="16" fill="hold" nodeType="clickEffect">
+                                <p:cTn id="40" presetID="53" presetClass="entr" presetSubtype="0" fill="hold" grpId="0" nodeType="afterEffect">
                                   <p:stCondLst>
                                     <p:cond delay="0"/>
                                   </p:stCondLst>
                                   <p:childTnLst>
                                     <p:set>
                                       <p:cBhvr>
-                                        <p:cTn id="42" dur="1" fill="hold">
+                                        <p:cTn id="41" dur="1" fill="hold">
+                                          <p:stCondLst>
+                                            <p:cond delay="0"/>
+                                          </p:stCondLst>
+                                        </p:cTn>
+                                        <p:tgtEl>
+                                          <p:spTgt spid="16"/>
+                                        </p:tgtEl>
+                                        <p:attrNameLst>
+                                          <p:attrName>style.visibility</p:attrName>
+                                        </p:attrNameLst>
+                                      </p:cBhvr>
+                                      <p:to>
+                                        <p:strVal val="visible"/>
+                                      </p:to>
+                                    </p:set>
+                                    <p:anim calcmode="lin" valueType="num">
+                                      <p:cBhvr>
+                                        <p:cTn id="42" dur="500" fill="hold"/>
+                                        <p:tgtEl>
+                                          <p:spTgt spid="16"/>
+                                        </p:tgtEl>
+                                        <p:attrNameLst>
+                                          <p:attrName>ppt_w</p:attrName>
+                                        </p:attrNameLst>
+                                      </p:cBhvr>
+                                      <p:tavLst>
+                                        <p:tav tm="0">
+                                          <p:val>
+                                            <p:fltVal val="0"/>
+                                          </p:val>
+                                        </p:tav>
+                                        <p:tav tm="100000">
+                                          <p:val>
+                                            <p:strVal val="#ppt_w"/>
+                                          </p:val>
+                                        </p:tav>
+                                      </p:tavLst>
+                                    </p:anim>
+                                    <p:anim calcmode="lin" valueType="num">
+                                      <p:cBhvr>
+                                        <p:cTn id="43" dur="500" fill="hold"/>
+                                        <p:tgtEl>
+                                          <p:spTgt spid="16"/>
+                                        </p:tgtEl>
+                                        <p:attrNameLst>
+                                          <p:attrName>ppt_h</p:attrName>
+                                        </p:attrNameLst>
+                                      </p:cBhvr>
+                                      <p:tavLst>
+                                        <p:tav tm="0">
+                                          <p:val>
+                                            <p:fltVal val="0"/>
+                                          </p:val>
+                                        </p:tav>
+                                        <p:tav tm="100000">
+                                          <p:val>
+                                            <p:strVal val="#ppt_h"/>
+                                          </p:val>
+                                        </p:tav>
+                                      </p:tavLst>
+                                    </p:anim>
+                                    <p:animEffect transition="in" filter="fade">
+                                      <p:cBhvr>
+                                        <p:cTn id="44" dur="500"/>
+                                        <p:tgtEl>
+                                          <p:spTgt spid="16"/>
+                                        </p:tgtEl>
+                                      </p:cBhvr>
+                                    </p:animEffect>
+                                  </p:childTnLst>
+                                </p:cTn>
+                              </p:par>
+                            </p:childTnLst>
+                          </p:cTn>
+                        </p:par>
+                        <p:par>
+                          <p:cTn id="45" fill="hold">
+                            <p:stCondLst>
+                              <p:cond delay="1000"/>
+                            </p:stCondLst>
+                            <p:childTnLst>
+                              <p:par>
+                                <p:cTn id="46" presetID="53" presetClass="entr" presetSubtype="0" fill="hold" grpId="0" nodeType="afterEffect">
+                                  <p:stCondLst>
+                                    <p:cond delay="0"/>
+                                  </p:stCondLst>
+                                  <p:childTnLst>
+                                    <p:set>
+                                      <p:cBhvr>
+                                        <p:cTn id="47" dur="1" fill="hold">
+                                          <p:stCondLst>
+                                            <p:cond delay="0"/>
+                                          </p:stCondLst>
+                                        </p:cTn>
+                                        <p:tgtEl>
+                                          <p:spTgt spid="24"/>
+                                        </p:tgtEl>
+                                        <p:attrNameLst>
+                                          <p:attrName>style.visibility</p:attrName>
+                                        </p:attrNameLst>
+                                      </p:cBhvr>
+                                      <p:to>
+                                        <p:strVal val="visible"/>
+                                      </p:to>
+                                    </p:set>
+                                    <p:anim calcmode="lin" valueType="num">
+                                      <p:cBhvr>
+                                        <p:cTn id="48" dur="500" fill="hold"/>
+                                        <p:tgtEl>
+                                          <p:spTgt spid="24"/>
+                                        </p:tgtEl>
+                                        <p:attrNameLst>
+                                          <p:attrName>ppt_w</p:attrName>
+                                        </p:attrNameLst>
+                                      </p:cBhvr>
+                                      <p:tavLst>
+                                        <p:tav tm="0">
+                                          <p:val>
+                                            <p:fltVal val="0"/>
+                                          </p:val>
+                                        </p:tav>
+                                        <p:tav tm="100000">
+                                          <p:val>
+                                            <p:strVal val="#ppt_w"/>
+                                          </p:val>
+                                        </p:tav>
+                                      </p:tavLst>
+                                    </p:anim>
+                                    <p:anim calcmode="lin" valueType="num">
+                                      <p:cBhvr>
+                                        <p:cTn id="49" dur="500" fill="hold"/>
+                                        <p:tgtEl>
+                                          <p:spTgt spid="24"/>
+                                        </p:tgtEl>
+                                        <p:attrNameLst>
+                                          <p:attrName>ppt_h</p:attrName>
+                                        </p:attrNameLst>
+                                      </p:cBhvr>
+                                      <p:tavLst>
+                                        <p:tav tm="0">
+                                          <p:val>
+                                            <p:fltVal val="0"/>
+                                          </p:val>
+                                        </p:tav>
+                                        <p:tav tm="100000">
+                                          <p:val>
+                                            <p:strVal val="#ppt_h"/>
+                                          </p:val>
+                                        </p:tav>
+                                      </p:tavLst>
+                                    </p:anim>
+                                    <p:animEffect transition="in" filter="fade">
+                                      <p:cBhvr>
+                                        <p:cTn id="50" dur="500"/>
+                                        <p:tgtEl>
+                                          <p:spTgt spid="24"/>
+                                        </p:tgtEl>
+                                      </p:cBhvr>
+                                    </p:animEffect>
+                                  </p:childTnLst>
+                                </p:cTn>
+                              </p:par>
+                            </p:childTnLst>
+                          </p:cTn>
+                        </p:par>
+                        <p:par>
+                          <p:cTn id="51" fill="hold">
+                            <p:stCondLst>
+                              <p:cond delay="1500"/>
+                            </p:stCondLst>
+                            <p:childTnLst>
+                              <p:par>
+                                <p:cTn id="52" presetID="53" presetClass="entr" presetSubtype="0" fill="hold" grpId="0" nodeType="afterEffect">
+                                  <p:stCondLst>
+                                    <p:cond delay="0"/>
+                                  </p:stCondLst>
+                                  <p:childTnLst>
+                                    <p:set>
+                                      <p:cBhvr>
+                                        <p:cTn id="53" dur="1" fill="hold">
+                                          <p:stCondLst>
+                                            <p:cond delay="0"/>
+                                          </p:stCondLst>
+                                        </p:cTn>
+                                        <p:tgtEl>
+                                          <p:spTgt spid="21"/>
+                                        </p:tgtEl>
+                                        <p:attrNameLst>
+                                          <p:attrName>style.visibility</p:attrName>
+                                        </p:attrNameLst>
+                                      </p:cBhvr>
+                                      <p:to>
+                                        <p:strVal val="visible"/>
+                                      </p:to>
+                                    </p:set>
+                                    <p:anim calcmode="lin" valueType="num">
+                                      <p:cBhvr>
+                                        <p:cTn id="54" dur="500" fill="hold"/>
+                                        <p:tgtEl>
+                                          <p:spTgt spid="21"/>
+                                        </p:tgtEl>
+                                        <p:attrNameLst>
+                                          <p:attrName>ppt_w</p:attrName>
+                                        </p:attrNameLst>
+                                      </p:cBhvr>
+                                      <p:tavLst>
+                                        <p:tav tm="0">
+                                          <p:val>
+                                            <p:fltVal val="0"/>
+                                          </p:val>
+                                        </p:tav>
+                                        <p:tav tm="100000">
+                                          <p:val>
+                                            <p:strVal val="#ppt_w"/>
+                                          </p:val>
+                                        </p:tav>
+                                      </p:tavLst>
+                                    </p:anim>
+                                    <p:anim calcmode="lin" valueType="num">
+                                      <p:cBhvr>
+                                        <p:cTn id="55" dur="500" fill="hold"/>
+                                        <p:tgtEl>
+                                          <p:spTgt spid="21"/>
+                                        </p:tgtEl>
+                                        <p:attrNameLst>
+                                          <p:attrName>ppt_h</p:attrName>
+                                        </p:attrNameLst>
+                                      </p:cBhvr>
+                                      <p:tavLst>
+                                        <p:tav tm="0">
+                                          <p:val>
+                                            <p:fltVal val="0"/>
+                                          </p:val>
+                                        </p:tav>
+                                        <p:tav tm="100000">
+                                          <p:val>
+                                            <p:strVal val="#ppt_h"/>
+                                          </p:val>
+                                        </p:tav>
+                                      </p:tavLst>
+                                    </p:anim>
+                                    <p:animEffect transition="in" filter="fade">
+                                      <p:cBhvr>
+                                        <p:cTn id="56" dur="500"/>
+                                        <p:tgtEl>
+                                          <p:spTgt spid="21"/>
+                                        </p:tgtEl>
+                                      </p:cBhvr>
+                                    </p:animEffect>
+                                  </p:childTnLst>
+                                </p:cTn>
+                              </p:par>
+                            </p:childTnLst>
+                          </p:cTn>
+                        </p:par>
+                        <p:par>
+                          <p:cTn id="57" fill="hold">
+                            <p:stCondLst>
+                              <p:cond delay="2000"/>
+                            </p:stCondLst>
+                            <p:childTnLst>
+                              <p:par>
+                                <p:cTn id="58" presetID="53" presetClass="entr" presetSubtype="0" fill="hold" grpId="0" nodeType="afterEffect">
+                                  <p:stCondLst>
+                                    <p:cond delay="0"/>
+                                  </p:stCondLst>
+                                  <p:childTnLst>
+                                    <p:set>
+                                      <p:cBhvr>
+                                        <p:cTn id="59" dur="1" fill="hold">
+                                          <p:stCondLst>
+                                            <p:cond delay="0"/>
+                                          </p:stCondLst>
+                                        </p:cTn>
+                                        <p:tgtEl>
+                                          <p:spTgt spid="20"/>
+                                        </p:tgtEl>
+                                        <p:attrNameLst>
+                                          <p:attrName>style.visibility</p:attrName>
+                                        </p:attrNameLst>
+                                      </p:cBhvr>
+                                      <p:to>
+                                        <p:strVal val="visible"/>
+                                      </p:to>
+                                    </p:set>
+                                    <p:anim calcmode="lin" valueType="num">
+                                      <p:cBhvr>
+                                        <p:cTn id="60" dur="500" fill="hold"/>
+                                        <p:tgtEl>
+                                          <p:spTgt spid="20"/>
+                                        </p:tgtEl>
+                                        <p:attrNameLst>
+                                          <p:attrName>ppt_w</p:attrName>
+                                        </p:attrNameLst>
+                                      </p:cBhvr>
+                                      <p:tavLst>
+                                        <p:tav tm="0">
+                                          <p:val>
+                                            <p:fltVal val="0"/>
+                                          </p:val>
+                                        </p:tav>
+                                        <p:tav tm="100000">
+                                          <p:val>
+                                            <p:strVal val="#ppt_w"/>
+                                          </p:val>
+                                        </p:tav>
+                                      </p:tavLst>
+                                    </p:anim>
+                                    <p:anim calcmode="lin" valueType="num">
+                                      <p:cBhvr>
+                                        <p:cTn id="61" dur="500" fill="hold"/>
+                                        <p:tgtEl>
+                                          <p:spTgt spid="20"/>
+                                        </p:tgtEl>
+                                        <p:attrNameLst>
+                                          <p:attrName>ppt_h</p:attrName>
+                                        </p:attrNameLst>
+                                      </p:cBhvr>
+                                      <p:tavLst>
+                                        <p:tav tm="0">
+                                          <p:val>
+                                            <p:fltVal val="0"/>
+                                          </p:val>
+                                        </p:tav>
+                                        <p:tav tm="100000">
+                                          <p:val>
+                                            <p:strVal val="#ppt_h"/>
+                                          </p:val>
+                                        </p:tav>
+                                      </p:tavLst>
+                                    </p:anim>
+                                    <p:animEffect transition="in" filter="fade">
+                                      <p:cBhvr>
+                                        <p:cTn id="62" dur="500"/>
+                                        <p:tgtEl>
+                                          <p:spTgt spid="20"/>
+                                        </p:tgtEl>
+                                      </p:cBhvr>
+                                    </p:animEffect>
+                                  </p:childTnLst>
+                                </p:cTn>
+                              </p:par>
+                            </p:childTnLst>
+                          </p:cTn>
+                        </p:par>
+                      </p:childTnLst>
+                    </p:cTn>
+                  </p:par>
+                  <p:par>
+                    <p:cTn id="63" fill="hold">
+                      <p:stCondLst>
+                        <p:cond delay="indefinite"/>
+                      </p:stCondLst>
+                      <p:childTnLst>
+                        <p:par>
+                          <p:cTn id="64" fill="hold">
+                            <p:stCondLst>
+                              <p:cond delay="0"/>
+                            </p:stCondLst>
+                            <p:childTnLst>
+                              <p:par>
+                                <p:cTn id="65" presetID="6" presetClass="entr" presetSubtype="16" fill="hold" nodeType="clickEffect">
+                                  <p:stCondLst>
+                                    <p:cond delay="0"/>
+                                  </p:stCondLst>
+                                  <p:childTnLst>
+                                    <p:set>
+                                      <p:cBhvr>
+                                        <p:cTn id="66" dur="1" fill="hold">
                                           <p:stCondLst>
                                             <p:cond delay="0"/>
                                           </p:stCondLst>
@@ -6173,9 +8274,99 @@
                                     </p:set>
                                     <p:animEffect transition="in" filter="circle(in)">
                                       <p:cBhvr>
-                                        <p:cTn id="43" dur="2000"/>
+                                        <p:cTn id="67" dur="2000"/>
                                         <p:tgtEl>
                                           <p:spTgt spid="51"/>
+                                        </p:tgtEl>
+                                      </p:cBhvr>
+                                    </p:animEffect>
+                                  </p:childTnLst>
+                                </p:cTn>
+                              </p:par>
+                            </p:childTnLst>
+                          </p:cTn>
+                        </p:par>
+                        <p:par>
+                          <p:cTn id="68" fill="hold">
+                            <p:stCondLst>
+                              <p:cond delay="2000"/>
+                            </p:stCondLst>
+                            <p:childTnLst>
+                              <p:par>
+                                <p:cTn id="69" presetID="53" presetClass="entr" presetSubtype="0" fill="hold" grpId="0" nodeType="afterEffect">
+                                  <p:stCondLst>
+                                    <p:cond delay="0"/>
+                                  </p:stCondLst>
+                                  <p:childTnLst>
+                                    <p:set>
+                                      <p:cBhvr>
+                                        <p:cTn id="70" dur="1" fill="hold">
+                                          <p:stCondLst>
+                                            <p:cond delay="0"/>
+                                          </p:stCondLst>
+                                        </p:cTn>
+                                        <p:tgtEl>
+                                          <p:spTgt spid="18"/>
+                                        </p:tgtEl>
+                                        <p:attrNameLst>
+                                          <p:attrName>style.visibility</p:attrName>
+                                        </p:attrNameLst>
+                                      </p:cBhvr>
+                                      <p:to>
+                                        <p:strVal val="visible"/>
+                                      </p:to>
+                                    </p:set>
+                                    <p:anim calcmode="lin" valueType="num">
+                                      <p:cBhvr>
+                                        <p:cTn id="71" dur="500" fill="hold"/>
+                                        <p:tgtEl>
+                                          <p:spTgt spid="18"/>
+                                        </p:tgtEl>
+                                        <p:attrNameLst>
+                                          <p:attrName>ppt_w</p:attrName>
+                                        </p:attrNameLst>
+                                      </p:cBhvr>
+                                      <p:tavLst>
+                                        <p:tav tm="0">
+                                          <p:val>
+                                            <p:fltVal val="0"/>
+                                          </p:val>
+                                        </p:tav>
+                                        <p:tav tm="100000">
+                                          <p:val>
+                                            <p:strVal val="#ppt_w"/>
+                                          </p:val>
+                                        </p:tav>
+                                      </p:tavLst>
+                                    </p:anim>
+                                    <p:anim calcmode="lin" valueType="num">
+                                      <p:cBhvr>
+                                        <p:cTn id="72" dur="500" fill="hold"/>
+                                        <p:tgtEl>
+                                          <p:spTgt spid="18"/>
+                                        </p:tgtEl>
+                                        <p:attrNameLst>
+                                          <p:attrName>ppt_h</p:attrName>
+                                        </p:attrNameLst>
+                                      </p:cBhvr>
+                                      <p:tavLst>
+                                        <p:tav tm="0">
+                                          <p:val>
+                                            <p:fltVal val="0"/>
+                                          </p:val>
+                                        </p:tav>
+                                        <p:tav tm="100000">
+                                          <p:val>
+                                            <p:strVal val="#ppt_h"/>
+                                          </p:val>
+                                        </p:tav>
+                                      </p:tavLst>
+                                    </p:anim>
+                                    <p:animEffect transition="in" filter="fade">
+                                      <p:cBhvr>
+                                        <p:cTn id="73" dur="500"/>
+                                        <p:tgtEl>
+                                          <p:spTgt spid="18"/>
                                         </p:tgtEl>
                                       </p:cBhvr>
                                     </p:animEffect>
@@ -6189,26 +8380,26 @@
                     </p:cTn>
                   </p:par>
                   <p:par>
-                    <p:cTn id="44" fill="hold">
+                    <p:cTn id="74" fill="hold">
                       <p:stCondLst>
                         <p:cond delay="indefinite"/>
                       </p:stCondLst>
                       <p:childTnLst>
                         <p:par>
-                          <p:cTn id="45" fill="hold">
+                          <p:cTn id="75" fill="hold">
                             <p:stCondLst>
                               <p:cond delay="0"/>
                             </p:stCondLst>
                             <p:childTnLst>
                               <p:par>
-                                <p:cTn id="46" presetID="6" presetClass="entr" presetSubtype="16" fill="hold" nodeType="clickEffect">
+                                <p:cTn id="76" presetID="6" presetClass="entr" presetSubtype="16" fill="hold" nodeType="clickEffect">
                                   <p:stCondLst>
                                     <p:cond delay="0"/>
                                   </p:stCondLst>
                                   <p:childTnLst>
                                     <p:set>
                                       <p:cBhvr>
-                                        <p:cTn id="47" dur="1" fill="hold">
+                                        <p:cTn id="77" dur="1" fill="hold">
                                           <p:stCondLst>
                                             <p:cond delay="0"/>
                                           </p:stCondLst>
@@ -6226,9 +8417,99 @@
                                     </p:set>
                                     <p:animEffect transition="in" filter="circle(in)">
                                       <p:cBhvr>
-                                        <p:cTn id="48" dur="2000"/>
+                                        <p:cTn id="78" dur="2000"/>
                                         <p:tgtEl>
                                           <p:spTgt spid="48"/>
+                                        </p:tgtEl>
+                                      </p:cBhvr>
+                                    </p:animEffect>
+                                  </p:childTnLst>
+                                </p:cTn>
+                              </p:par>
+                            </p:childTnLst>
+                          </p:cTn>
+                        </p:par>
+                        <p:par>
+                          <p:cTn id="79" fill="hold">
+                            <p:stCondLst>
+                              <p:cond delay="2000"/>
+                            </p:stCondLst>
+                            <p:childTnLst>
+                              <p:par>
+                                <p:cTn id="80" presetID="53" presetClass="entr" presetSubtype="0" fill="hold" grpId="0" nodeType="afterEffect">
+                                  <p:stCondLst>
+                                    <p:cond delay="0"/>
+                                  </p:stCondLst>
+                                  <p:childTnLst>
+                                    <p:set>
+                                      <p:cBhvr>
+                                        <p:cTn id="81" dur="1" fill="hold">
+                                          <p:stCondLst>
+                                            <p:cond delay="0"/>
+                                          </p:stCondLst>
+                                        </p:cTn>
+                                        <p:tgtEl>
+                                          <p:spTgt spid="22"/>
+                                        </p:tgtEl>
+                                        <p:attrNameLst>
+                                          <p:attrName>style.visibility</p:attrName>
+                                        </p:attrNameLst>
+                                      </p:cBhvr>
+                                      <p:to>
+                                        <p:strVal val="visible"/>
+                                      </p:to>
+                                    </p:set>
+                                    <p:anim calcmode="lin" valueType="num">
+                                      <p:cBhvr>
+                                        <p:cTn id="82" dur="500" fill="hold"/>
+                                        <p:tgtEl>
+                                          <p:spTgt spid="22"/>
+                                        </p:tgtEl>
+                                        <p:attrNameLst>
+                                          <p:attrName>ppt_w</p:attrName>
+                                        </p:attrNameLst>
+                                      </p:cBhvr>
+                                      <p:tavLst>
+                                        <p:tav tm="0">
+                                          <p:val>
+                                            <p:fltVal val="0"/>
+                                          </p:val>
+                                        </p:tav>
+                                        <p:tav tm="100000">
+                                          <p:val>
+                                            <p:strVal val="#ppt_w"/>
+                                          </p:val>
+                                        </p:tav>
+                                      </p:tavLst>
+                                    </p:anim>
+                                    <p:anim calcmode="lin" valueType="num">
+                                      <p:cBhvr>
+                                        <p:cTn id="83" dur="500" fill="hold"/>
+                                        <p:tgtEl>
+                                          <p:spTgt spid="22"/>
+                                        </p:tgtEl>
+                                        <p:attrNameLst>
+                                          <p:attrName>ppt_h</p:attrName>
+                                        </p:attrNameLst>
+                                      </p:cBhvr>
+                                      <p:tavLst>
+                                        <p:tav tm="0">
+                                          <p:val>
+                                            <p:fltVal val="0"/>
+                                          </p:val>
+                                        </p:tav>
+                                        <p:tav tm="100000">
+                                          <p:val>
+                                            <p:strVal val="#ppt_h"/>
+                                          </p:val>
+                                        </p:tav>
+                                      </p:tavLst>
+                                    </p:anim>
+                                    <p:animEffect transition="in" filter="fade">
+                                      <p:cBhvr>
+                                        <p:cTn id="84" dur="500"/>
+                                        <p:tgtEl>
+                                          <p:spTgt spid="22"/>
                                         </p:tgtEl>
                                       </p:cBhvr>
                                     </p:animEffect>
@@ -6242,26 +8523,26 @@
                     </p:cTn>
                   </p:par>
                   <p:par>
-                    <p:cTn id="49" fill="hold">
+                    <p:cTn id="85" fill="hold">
                       <p:stCondLst>
                         <p:cond delay="indefinite"/>
                       </p:stCondLst>
                       <p:childTnLst>
                         <p:par>
-                          <p:cTn id="50" fill="hold">
+                          <p:cTn id="86" fill="hold">
                             <p:stCondLst>
                               <p:cond delay="0"/>
                             </p:stCondLst>
                             <p:childTnLst>
                               <p:par>
-                                <p:cTn id="51" presetID="22" presetClass="entr" presetSubtype="4" fill="hold" nodeType="clickEffect">
+                                <p:cTn id="87" presetID="22" presetClass="entr" presetSubtype="4" fill="hold" nodeType="clickEffect">
                                   <p:stCondLst>
                                     <p:cond delay="0"/>
                                   </p:stCondLst>
                                   <p:childTnLst>
                                     <p:set>
                                       <p:cBhvr>
-                                        <p:cTn id="52" dur="1" fill="hold">
+                                        <p:cTn id="88" dur="1" fill="hold">
                                           <p:stCondLst>
                                             <p:cond delay="0"/>
                                           </p:stCondLst>
@@ -6279,9 +8560,99 @@
                                     </p:set>
                                     <p:animEffect transition="in" filter="wipe(down)">
                                       <p:cBhvr>
-                                        <p:cTn id="53" dur="500"/>
+                                        <p:cTn id="89" dur="500"/>
                                         <p:tgtEl>
                                           <p:spTgt spid="13"/>
+                                        </p:tgtEl>
+                                      </p:cBhvr>
+                                    </p:animEffect>
+                                  </p:childTnLst>
+                                </p:cTn>
+                              </p:par>
+                            </p:childTnLst>
+                          </p:cTn>
+                        </p:par>
+                        <p:par>
+                          <p:cTn id="90" fill="hold">
+                            <p:stCondLst>
+                              <p:cond delay="500"/>
+                            </p:stCondLst>
+                            <p:childTnLst>
+                              <p:par>
+                                <p:cTn id="91" presetID="53" presetClass="entr" presetSubtype="0" fill="hold" grpId="0" nodeType="afterEffect">
+                                  <p:stCondLst>
+                                    <p:cond delay="0"/>
+                                  </p:stCondLst>
+                                  <p:childTnLst>
+                                    <p:set>
+                                      <p:cBhvr>
+                                        <p:cTn id="92" dur="1" fill="hold">
+                                          <p:stCondLst>
+                                            <p:cond delay="0"/>
+                                          </p:stCondLst>
+                                        </p:cTn>
+                                        <p:tgtEl>
+                                          <p:spTgt spid="23"/>
+                                        </p:tgtEl>
+                                        <p:attrNameLst>
+                                          <p:attrName>style.visibility</p:attrName>
+                                        </p:attrNameLst>
+                                      </p:cBhvr>
+                                      <p:to>
+                                        <p:strVal val="visible"/>
+                                      </p:to>
+                                    </p:set>
+                                    <p:anim calcmode="lin" valueType="num">
+                                      <p:cBhvr>
+                                        <p:cTn id="93" dur="500" fill="hold"/>
+                                        <p:tgtEl>
+                                          <p:spTgt spid="23"/>
+                                        </p:tgtEl>
+                                        <p:attrNameLst>
+                                          <p:attrName>ppt_w</p:attrName>
+                                        </p:attrNameLst>
+                                      </p:cBhvr>
+                                      <p:tavLst>
+                                        <p:tav tm="0">
+                                          <p:val>
+                                            <p:fltVal val="0"/>
+                                          </p:val>
+                                        </p:tav>
+                                        <p:tav tm="100000">
+                                          <p:val>
+                                            <p:strVal val="#ppt_w"/>
+                                          </p:val>
+                                        </p:tav>
+                                      </p:tavLst>
+                                    </p:anim>
+                                    <p:anim calcmode="lin" valueType="num">
+                                      <p:cBhvr>
+                                        <p:cTn id="94" dur="500" fill="hold"/>
+                                        <p:tgtEl>
+                                          <p:spTgt spid="23"/>
+                                        </p:tgtEl>
+                                        <p:attrNameLst>
+                                          <p:attrName>ppt_h</p:attrName>
+                                        </p:attrNameLst>
+                                      </p:cBhvr>
+                                      <p:tavLst>
+                                        <p:tav tm="0">
+                                          <p:val>
+                                            <p:fltVal val="0"/>
+                                          </p:val>
+                                        </p:tav>
+                                        <p:tav tm="100000">
+                                          <p:val>
+                                            <p:strVal val="#ppt_h"/>
+                                          </p:val>
+                                        </p:tav>
+                                      </p:tavLst>
+                                    </p:anim>
+                                    <p:animEffect transition="in" filter="fade">
+                                      <p:cBhvr>
+                                        <p:cTn id="95" dur="500"/>
+                                        <p:tgtEl>
+                                          <p:spTgt spid="23"/>
                                         </p:tgtEl>
                                       </p:cBhvr>
                                     </p:animEffect>
@@ -6295,26 +8666,26 @@
                     </p:cTn>
                   </p:par>
                   <p:par>
-                    <p:cTn id="54" fill="hold">
+                    <p:cTn id="96" fill="hold">
                       <p:stCondLst>
                         <p:cond delay="indefinite"/>
                       </p:stCondLst>
                       <p:childTnLst>
                         <p:par>
-                          <p:cTn id="55" fill="hold">
+                          <p:cTn id="97" fill="hold">
                             <p:stCondLst>
                               <p:cond delay="0"/>
                             </p:stCondLst>
                             <p:childTnLst>
                               <p:par>
-                                <p:cTn id="56" presetID="22" presetClass="entr" presetSubtype="4" fill="hold" nodeType="clickEffect">
+                                <p:cTn id="98" presetID="22" presetClass="entr" presetSubtype="4" fill="hold" nodeType="clickEffect">
                                   <p:stCondLst>
                                     <p:cond delay="0"/>
                                   </p:stCondLst>
                                   <p:childTnLst>
                                     <p:set>
                                       <p:cBhvr>
-                                        <p:cTn id="57" dur="1" fill="hold">
+                                        <p:cTn id="99" dur="1" fill="hold">
                                           <p:stCondLst>
                                             <p:cond delay="0"/>
                                           </p:stCondLst>
@@ -6332,9 +8703,99 @@
                                     </p:set>
                                     <p:animEffect transition="in" filter="wipe(down)">
                                       <p:cBhvr>
-                                        <p:cTn id="58" dur="500"/>
+                                        <p:cTn id="100" dur="500"/>
                                         <p:tgtEl>
                                           <p:spTgt spid="10"/>
+                                        </p:tgtEl>
+                                      </p:cBhvr>
+                                    </p:animEffect>
+                                  </p:childTnLst>
+                                </p:cTn>
+                              </p:par>
+                            </p:childTnLst>
+                          </p:cTn>
+                        </p:par>
+                        <p:par>
+                          <p:cTn id="101" fill="hold">
+                            <p:stCondLst>
+                              <p:cond delay="500"/>
+                            </p:stCondLst>
+                            <p:childTnLst>
+                              <p:par>
+                                <p:cTn id="102" presetID="53" presetClass="entr" presetSubtype="0" fill="hold" grpId="0" nodeType="afterEffect">
+                                  <p:stCondLst>
+                                    <p:cond delay="0"/>
+                                  </p:stCondLst>
+                                  <p:childTnLst>
+                                    <p:set>
+                                      <p:cBhvr>
+                                        <p:cTn id="103" dur="1" fill="hold">
+                                          <p:stCondLst>
+                                            <p:cond delay="0"/>
+                                          </p:stCondLst>
+                                        </p:cTn>
+                                        <p:tgtEl>
+                                          <p:spTgt spid="19"/>
+                                        </p:tgtEl>
+                                        <p:attrNameLst>
+                                          <p:attrName>style.visibility</p:attrName>
+                                        </p:attrNameLst>
+                                      </p:cBhvr>
+                                      <p:to>
+                                        <p:strVal val="visible"/>
+                                      </p:to>
+                                    </p:set>
+                                    <p:anim calcmode="lin" valueType="num">
+                                      <p:cBhvr>
+                                        <p:cTn id="104" dur="500" fill="hold"/>
+                                        <p:tgtEl>
+                                          <p:spTgt spid="19"/>
+                                        </p:tgtEl>
+                                        <p:attrNameLst>
+                                          <p:attrName>ppt_w</p:attrName>
+                                        </p:attrNameLst>
+                                      </p:cBhvr>
+                                      <p:tavLst>
+                                        <p:tav tm="0">
+                                          <p:val>
+                                            <p:fltVal val="0"/>
+                                          </p:val>
+                                        </p:tav>
+                                        <p:tav tm="100000">
+                                          <p:val>
+                                            <p:strVal val="#ppt_w"/>
+                                          </p:val>
+                                        </p:tav>
+                                      </p:tavLst>
+                                    </p:anim>
+                                    <p:anim calcmode="lin" valueType="num">
+                                      <p:cBhvr>
+                                        <p:cTn id="105" dur="500" fill="hold"/>
+                                        <p:tgtEl>
+                                          <p:spTgt spid="19"/>
+                                        </p:tgtEl>
+                                        <p:attrNameLst>
+                                          <p:attrName>ppt_h</p:attrName>
+                                        </p:attrNameLst>
+                                      </p:cBhvr>
+                                      <p:tavLst>
+                                        <p:tav tm="0">
+                                          <p:val>
+                                            <p:fltVal val="0"/>
+                                          </p:val>
+                                        </p:tav>
+                                        <p:tav tm="100000">
+                                          <p:val>
+                                            <p:strVal val="#ppt_h"/>
+                                          </p:val>
+                                        </p:tav>
+                                      </p:tavLst>
+                                    </p:anim>
+                                    <p:animEffect transition="in" filter="fade">
+                                      <p:cBhvr>
+                                        <p:cTn id="106" dur="500"/>
+                                        <p:tgtEl>
+                                          <p:spTgt spid="19"/>
                                         </p:tgtEl>
                                       </p:cBhvr>
                                     </p:animEffect>
@@ -6373,8 +8834,55 @@
       <p:bldP spid="5" grpId="2" animBg="1"/>
       <p:bldP spid="6" grpId="2" animBg="1"/>
       <p:bldP spid="7" grpId="2" animBg="1"/>
+      <p:bldP spid="16" grpId="0"/>
+      <p:bldP spid="18" grpId="0"/>
+      <p:bldP spid="19" grpId="0"/>
+      <p:bldP spid="20" grpId="0"/>
+      <p:bldP spid="21" grpId="0"/>
+      <p:bldP spid="22" grpId="0"/>
+      <p:bldP spid="23" grpId="0"/>
+      <p:bldP spid="24" grpId="0"/>
     </p:bldLst>
   </p:timing>
+</p:sld>
+</file>
+
+<file path=ppt/slides/slide16.xml><?xml version="1.0" encoding="utf-8"?>
+<p:sld xmlns:a="http://schemas.openxmlformats.org/drawingml/2006/main" xmlns:r="http://schemas.openxmlformats.org/officeDocument/2006/relationships" xmlns:p="http://schemas.openxmlformats.org/presentationml/2006/main">
+  <p:cSld>
+    <p:bg>
+      <p:bgPr>
+        <a:blipFill dpi="0" rotWithShape="1">
+          <a:blip r:embed="rId2">
+            <a:lum/>
+          </a:blip>
+          <a:srcRect/>
+          <a:stretch>
+            <a:fillRect l="-25000" t="-4000" r="-25000" b="-3000"/>
+          </a:stretch>
+        </a:blipFill>
+        <a:effectLst/>
+      </p:bgPr>
+    </p:bg>
+    <p:spTree>
+      <p:nvGrpSpPr>
+        <p:cNvPr id="1" name=""/>
+        <p:cNvGrpSpPr/>
+        <p:nvPr/>
+      </p:nvGrpSpPr>
+      <p:grpSpPr>
+        <a:xfrm>
+          <a:off x="0" y="0"/>
+          <a:ext cx="0" cy="0"/>
+          <a:chOff x="0" y="0"/>
+          <a:chExt cx="0" cy="0"/>
+        </a:xfrm>
+      </p:grpSpPr>
+    </p:spTree>
+  </p:cSld>
+  <p:clrMapOvr>
+    <a:masterClrMapping/>
+  </p:clrMapOvr>
 </p:sld>
 </file>
 
@@ -6544,6 +9052,16 @@
   <p:clrMapOvr>
     <a:masterClrMapping/>
   </p:clrMapOvr>
+  <p:transition spd="slow">
+    <p:fade thruBlk="1"/>
+  </p:transition>
+  <p:timing>
+    <p:tnLst>
+      <p:par>
+        <p:cTn id="1" dur="indefinite" restart="never" nodeType="tmRoot"/>
+      </p:par>
+    </p:tnLst>
+  </p:timing>
 </p:sld>
 </file>
 
@@ -6713,6 +9231,9 @@
   <p:clrMapOvr>
     <a:masterClrMapping/>
   </p:clrMapOvr>
+  <p:transition>
+    <p:wipe dir="d"/>
+  </p:transition>
   <p:timing>
     <p:tnLst>
       <p:par>
@@ -7388,7 +9909,129 @@
   <p:timing>
     <p:tnLst>
       <p:par>
-        <p:cTn id="1" dur="indefinite" restart="never" nodeType="tmRoot"/>
+        <p:cTn id="1" dur="indefinite" restart="never" nodeType="tmRoot">
+          <p:childTnLst>
+            <p:seq concurrent="1" nextAc="seek">
+              <p:cTn id="2" dur="indefinite" nodeType="mainSeq">
+                <p:childTnLst>
+                  <p:par>
+                    <p:cTn id="3" fill="hold">
+                      <p:stCondLst>
+                        <p:cond delay="indefinite"/>
+                      </p:stCondLst>
+                      <p:childTnLst>
+                        <p:par>
+                          <p:cTn id="4" fill="hold">
+                            <p:stCondLst>
+                              <p:cond delay="0"/>
+                            </p:stCondLst>
+                            <p:childTnLst>
+                              <p:par>
+                                <p:cTn id="5" presetID="53" presetClass="entr" presetSubtype="0" fill="hold" nodeType="clickEffect">
+                                  <p:stCondLst>
+                                    <p:cond delay="0"/>
+                                  </p:stCondLst>
+                                  <p:childTnLst>
+                                    <p:set>
+                                      <p:cBhvr>
+                                        <p:cTn id="6" dur="1" fill="hold">
+                                          <p:stCondLst>
+                                            <p:cond delay="0"/>
+                                          </p:stCondLst>
+                                        </p:cTn>
+                                        <p:tgtEl>
+                                          <p:spTgt spid="7173"/>
+                                        </p:tgtEl>
+                                        <p:attrNameLst>
+                                          <p:attrName>style.visibility</p:attrName>
+                                        </p:attrNameLst>
+                                      </p:cBhvr>
+                                      <p:to>
+                                        <p:strVal val="visible"/>
+                                      </p:to>
+                                    </p:set>
+                                    <p:anim calcmode="lin" valueType="num">
+                                      <p:cBhvr>
+                                        <p:cTn id="7" dur="500" fill="hold"/>
+                                        <p:tgtEl>
+                                          <p:spTgt spid="7173"/>
+                                        </p:tgtEl>
+                                        <p:attrNameLst>
+                                          <p:attrName>ppt_w</p:attrName>
+                                        </p:attrNameLst>
+                                      </p:cBhvr>
+                                      <p:tavLst>
+                                        <p:tav tm="0">
+                                          <p:val>
+                                            <p:fltVal val="0"/>
+                                          </p:val>
+                                        </p:tav>
+                                        <p:tav tm="100000">
+                                          <p:val>
+                                            <p:strVal val="#ppt_w"/>
+                                          </p:val>
+                                        </p:tav>
+                                      </p:tavLst>
+                                    </p:anim>
+                                    <p:anim calcmode="lin" valueType="num">
+                                      <p:cBhvr>
+                                        <p:cTn id="8" dur="500" fill="hold"/>
+                                        <p:tgtEl>
+                                          <p:spTgt spid="7173"/>
+                                        </p:tgtEl>
+                                        <p:attrNameLst>
+                                          <p:attrName>ppt_h</p:attrName>
+                                        </p:attrNameLst>
+                                      </p:cBhvr>
+                                      <p:tavLst>
+                                        <p:tav tm="0">
+                                          <p:val>
+                                            <p:fltVal val="0"/>
+                                          </p:val>
+                                        </p:tav>
+                                        <p:tav tm="100000">
+                                          <p:val>
+                                            <p:strVal val="#ppt_h"/>
+                                          </p:val>
+                                        </p:tav>
+                                      </p:tavLst>
+                                    </p:anim>
+                                    <p:animEffect transition="in" filter="fade">
+                                      <p:cBhvr>
+                                        <p:cTn id="9" dur="500"/>
+                                        <p:tgtEl>
+                                          <p:spTgt spid="7173"/>
+                                        </p:tgtEl>
+                                      </p:cBhvr>
+                                    </p:animEffect>
+                                  </p:childTnLst>
+                                </p:cTn>
+                              </p:par>
+                            </p:childTnLst>
+                          </p:cTn>
+                        </p:par>
+                      </p:childTnLst>
+                    </p:cTn>
+                  </p:par>
+                </p:childTnLst>
+              </p:cTn>
+              <p:prevCondLst>
+                <p:cond evt="onPrev" delay="0">
+                  <p:tgtEl>
+                    <p:sldTgt/>
+                  </p:tgtEl>
+                </p:cond>
+              </p:prevCondLst>
+              <p:nextCondLst>
+                <p:cond evt="onNext" delay="0">
+                  <p:tgtEl>
+                    <p:sldTgt/>
+                  </p:tgtEl>
+                </p:cond>
+              </p:nextCondLst>
+            </p:seq>
+          </p:childTnLst>
+        </p:cTn>
       </p:par>
     </p:tnLst>
   </p:timing>
@@ -7524,7 +10167,129 @@
   <p:timing>
     <p:tnLst>
       <p:par>
-        <p:cTn id="1" dur="indefinite" restart="never" nodeType="tmRoot"/>
+        <p:cTn id="1" dur="indefinite" restart="never" nodeType="tmRoot">
+          <p:childTnLst>
+            <p:seq concurrent="1" nextAc="seek">
+              <p:cTn id="2" dur="indefinite" nodeType="mainSeq">
+                <p:childTnLst>
+                  <p:par>
+                    <p:cTn id="3" fill="hold">
+                      <p:stCondLst>
+                        <p:cond delay="indefinite"/>
+                      </p:stCondLst>
+                      <p:childTnLst>
+                        <p:par>
+                          <p:cTn id="4" fill="hold">
+                            <p:stCondLst>
+                              <p:cond delay="0"/>
+                            </p:stCondLst>
+                            <p:childTnLst>
+                              <p:par>
+                                <p:cTn id="5" presetID="53" presetClass="entr" presetSubtype="0" fill="hold" nodeType="clickEffect">
+                                  <p:stCondLst>
+                                    <p:cond delay="0"/>
+                                  </p:stCondLst>
+                                  <p:childTnLst>
+                                    <p:set>
+                                      <p:cBhvr>
+                                        <p:cTn id="6" dur="1" fill="hold">
+                                          <p:stCondLst>
+                                            <p:cond delay="0"/>
+                                          </p:stCondLst>
+                                        </p:cTn>
+                                        <p:tgtEl>
+                                          <p:spTgt spid="8196"/>
+                                        </p:tgtEl>
+                                        <p:attrNameLst>
+                                          <p:attrName>style.visibility</p:attrName>
+                                        </p:attrNameLst>
+                                      </p:cBhvr>
+                                      <p:to>
+                                        <p:strVal val="visible"/>
+                                      </p:to>
+                                    </p:set>
+                                    <p:anim calcmode="lin" valueType="num">
+                                      <p:cBhvr>
+                                        <p:cTn id="7" dur="500" fill="hold"/>
+                                        <p:tgtEl>
+                                          <p:spTgt spid="8196"/>
+                                        </p:tgtEl>
+                                        <p:attrNameLst>
+                                          <p:attrName>ppt_w</p:attrName>
+                                        </p:attrNameLst>
+                                      </p:cBhvr>
+                                      <p:tavLst>
+                                        <p:tav tm="0">
+                                          <p:val>
+                                            <p:fltVal val="0"/>
+                                          </p:val>
+                                        </p:tav>
+                                        <p:tav tm="100000">
+                                          <p:val>
+                                            <p:strVal val="#ppt_w"/>
+                                          </p:val>
+                                        </p:tav>
+                                      </p:tavLst>
+                                    </p:anim>
+                                    <p:anim calcmode="lin" valueType="num">
+                                      <p:cBhvr>
+                                        <p:cTn id="8" dur="500" fill="hold"/>
+                                        <p:tgtEl>
+                                          <p:spTgt spid="8196"/>
+                                        </p:tgtEl>
+                                        <p:attrNameLst>
+                                          <p:attrName>ppt_h</p:attrName>
+                                        </p:attrNameLst>
+                                      </p:cBhvr>
+                                      <p:tavLst>
+                                        <p:tav tm="0">
+                                          <p:val>
+                                            <p:fltVal val="0"/>
+                                          </p:val>
+                                        </p:tav>
+                                        <p:tav tm="100000">
+                                          <p:val>
+                                            <p:strVal val="#ppt_h"/>
+                                          </p:val>
+                                        </p:tav>
+                                      </p:tavLst>
+                                    </p:anim>
+                                    <p:animEffect transition="in" filter="fade">
+                                      <p:cBhvr>
+                                        <p:cTn id="9" dur="500"/>
+                                        <p:tgtEl>
+                                          <p:spTgt spid="8196"/>
+                                        </p:tgtEl>
+                                      </p:cBhvr>
+                                    </p:animEffect>
+                                  </p:childTnLst>
+                                </p:cTn>
+                              </p:par>
+                            </p:childTnLst>
+                          </p:cTn>
+                        </p:par>
+                      </p:childTnLst>
+                    </p:cTn>
+                  </p:par>
+                </p:childTnLst>
+              </p:cTn>
+              <p:prevCondLst>
+                <p:cond evt="onPrev" delay="0">
+                  <p:tgtEl>
+                    <p:sldTgt/>
+                  </p:tgtEl>
+                </p:cond>
+              </p:prevCondLst>
+              <p:nextCondLst>
+                <p:cond evt="onNext" delay="0">
+                  <p:tgtEl>
+                    <p:sldTgt/>
+                  </p:tgtEl>
+                </p:cond>
+              </p:nextCondLst>
+            </p:seq>
+          </p:childTnLst>
+        </p:cTn>
       </p:par>
     </p:tnLst>
   </p:timing>
